--- a/Defesa Projeto.pptx
+++ b/Defesa Projeto.pptx
@@ -8,14 +8,14 @@
     <p:sldId id="257" r:id="rId2"/>
     <p:sldId id="258" r:id="rId3"/>
     <p:sldId id="259" r:id="rId4"/>
-    <p:sldId id="260" r:id="rId5"/>
-    <p:sldId id="261" r:id="rId6"/>
-    <p:sldId id="262" r:id="rId7"/>
-    <p:sldId id="263" r:id="rId8"/>
-    <p:sldId id="264" r:id="rId9"/>
-    <p:sldId id="265" r:id="rId10"/>
-    <p:sldId id="266" r:id="rId11"/>
-    <p:sldId id="267" r:id="rId12"/>
+    <p:sldId id="261" r:id="rId5"/>
+    <p:sldId id="262" r:id="rId6"/>
+    <p:sldId id="263" r:id="rId7"/>
+    <p:sldId id="264" r:id="rId8"/>
+    <p:sldId id="265" r:id="rId9"/>
+    <p:sldId id="266" r:id="rId10"/>
+    <p:sldId id="267" r:id="rId11"/>
+    <p:sldId id="269" r:id="rId12"/>
     <p:sldId id="268" r:id="rId13"/>
   </p:sldIdLst>
   <p:sldSz cx="12192000" cy="6858000"/>
@@ -115,6 +115,11 @@
       </a:defRPr>
     </a:lvl9pPr>
   </p:defaultTextStyle>
+  <p:extLst>
+    <p:ext uri="{EFAFB233-063F-42B5-8137-9DF3F51BA10A}">
+      <p15:sldGuideLst xmlns:p15="http://schemas.microsoft.com/office/powerpoint/2012/main"/>
+    </p:ext>
+  </p:extLst>
 </p:presentation>
 </file>
 
@@ -249,7 +254,7 @@
           <a:p>
             <a:fld id="{B2B7FAC6-64D6-4929-943E-FFF696E6DBDD}" type="datetimeFigureOut">
               <a:rPr lang="pt-BR" smtClean="0"/>
-              <a:t>30/11/2015</a:t>
+              <a:t>02/12/2015</a:t>
             </a:fld>
             <a:endParaRPr lang="pt-BR"/>
           </a:p>
@@ -419,7 +424,7 @@
           <a:p>
             <a:fld id="{B2B7FAC6-64D6-4929-943E-FFF696E6DBDD}" type="datetimeFigureOut">
               <a:rPr lang="pt-BR" smtClean="0"/>
-              <a:t>30/11/2015</a:t>
+              <a:t>02/12/2015</a:t>
             </a:fld>
             <a:endParaRPr lang="pt-BR"/>
           </a:p>
@@ -599,7 +604,7 @@
           <a:p>
             <a:fld id="{B2B7FAC6-64D6-4929-943E-FFF696E6DBDD}" type="datetimeFigureOut">
               <a:rPr lang="pt-BR" smtClean="0"/>
-              <a:t>30/11/2015</a:t>
+              <a:t>02/12/2015</a:t>
             </a:fld>
             <a:endParaRPr lang="pt-BR"/>
           </a:p>
@@ -769,7 +774,7 @@
           <a:p>
             <a:fld id="{B2B7FAC6-64D6-4929-943E-FFF696E6DBDD}" type="datetimeFigureOut">
               <a:rPr lang="pt-BR" smtClean="0"/>
-              <a:t>30/11/2015</a:t>
+              <a:t>02/12/2015</a:t>
             </a:fld>
             <a:endParaRPr lang="pt-BR"/>
           </a:p>
@@ -1015,7 +1020,7 @@
           <a:p>
             <a:fld id="{B2B7FAC6-64D6-4929-943E-FFF696E6DBDD}" type="datetimeFigureOut">
               <a:rPr lang="pt-BR" smtClean="0"/>
-              <a:t>30/11/2015</a:t>
+              <a:t>02/12/2015</a:t>
             </a:fld>
             <a:endParaRPr lang="pt-BR"/>
           </a:p>
@@ -1247,7 +1252,7 @@
           <a:p>
             <a:fld id="{B2B7FAC6-64D6-4929-943E-FFF696E6DBDD}" type="datetimeFigureOut">
               <a:rPr lang="pt-BR" smtClean="0"/>
-              <a:t>30/11/2015</a:t>
+              <a:t>02/12/2015</a:t>
             </a:fld>
             <a:endParaRPr lang="pt-BR"/>
           </a:p>
@@ -1614,7 +1619,7 @@
           <a:p>
             <a:fld id="{B2B7FAC6-64D6-4929-943E-FFF696E6DBDD}" type="datetimeFigureOut">
               <a:rPr lang="pt-BR" smtClean="0"/>
-              <a:t>30/11/2015</a:t>
+              <a:t>02/12/2015</a:t>
             </a:fld>
             <a:endParaRPr lang="pt-BR"/>
           </a:p>
@@ -1732,7 +1737,7 @@
           <a:p>
             <a:fld id="{B2B7FAC6-64D6-4929-943E-FFF696E6DBDD}" type="datetimeFigureOut">
               <a:rPr lang="pt-BR" smtClean="0"/>
-              <a:t>30/11/2015</a:t>
+              <a:t>02/12/2015</a:t>
             </a:fld>
             <a:endParaRPr lang="pt-BR"/>
           </a:p>
@@ -1827,7 +1832,7 @@
           <a:p>
             <a:fld id="{B2B7FAC6-64D6-4929-943E-FFF696E6DBDD}" type="datetimeFigureOut">
               <a:rPr lang="pt-BR" smtClean="0"/>
-              <a:t>30/11/2015</a:t>
+              <a:t>02/12/2015</a:t>
             </a:fld>
             <a:endParaRPr lang="pt-BR"/>
           </a:p>
@@ -2104,7 +2109,7 @@
           <a:p>
             <a:fld id="{B2B7FAC6-64D6-4929-943E-FFF696E6DBDD}" type="datetimeFigureOut">
               <a:rPr lang="pt-BR" smtClean="0"/>
-              <a:t>30/11/2015</a:t>
+              <a:t>02/12/2015</a:t>
             </a:fld>
             <a:endParaRPr lang="pt-BR"/>
           </a:p>
@@ -2357,7 +2362,7 @@
           <a:p>
             <a:fld id="{B2B7FAC6-64D6-4929-943E-FFF696E6DBDD}" type="datetimeFigureOut">
               <a:rPr lang="pt-BR" smtClean="0"/>
-              <a:t>30/11/2015</a:t>
+              <a:t>02/12/2015</a:t>
             </a:fld>
             <a:endParaRPr lang="pt-BR"/>
           </a:p>
@@ -2570,7 +2575,7 @@
           <a:p>
             <a:fld id="{B2B7FAC6-64D6-4929-943E-FFF696E6DBDD}" type="datetimeFigureOut">
               <a:rPr lang="pt-BR" smtClean="0"/>
-              <a:t>30/11/2015</a:t>
+              <a:t>02/12/2015</a:t>
             </a:fld>
             <a:endParaRPr lang="pt-BR"/>
           </a:p>
@@ -2999,15 +3004,7 @@
           <a:p>
             <a:r>
               <a:rPr lang="pt-BR" sz="4400" dirty="0" smtClean="0"/>
-              <a:t>Identificação de estados seguros para reduzir a criação de </a:t>
-            </a:r>
-            <a:r>
-              <a:rPr lang="pt-BR" sz="4400" dirty="0" smtClean="0"/>
-              <a:t>Checkpoints sem </a:t>
-            </a:r>
-            <a:r>
-              <a:rPr lang="pt-BR" sz="4400" dirty="0" smtClean="0"/>
-              <a:t>valor. </a:t>
+              <a:t>Identificação de estados seguros para reduzir a criação de Checkpoints sem valor. </a:t>
             </a:r>
             <a:endParaRPr lang="pt-BR" sz="4400" dirty="0"/>
           </a:p>
@@ -3226,7 +3223,7 @@
           <a:p>
             <a:r>
               <a:rPr lang="pt-BR" dirty="0" smtClean="0"/>
-              <a:t>Proposta</a:t>
+              <a:t>Metodologia</a:t>
             </a:r>
             <a:endParaRPr lang="pt-BR" dirty="0"/>
           </a:p>
@@ -3255,8 +3252,69 @@
             </a:pPr>
             <a:r>
               <a:rPr lang="pt-BR" dirty="0" smtClean="0"/>
-              <a:t>...</a:t>
-            </a:r>
+              <a:t>A partir de [Elnozahy, 2002] e [Mello, 2005] foi realizado uma pesquisa por outros trabalhos.</a:t>
+            </a:r>
+          </a:p>
+          <a:p>
+            <a:pPr>
+              <a:buFont typeface="Arial"/>
+              <a:buChar char="•"/>
+            </a:pPr>
+            <a:r>
+              <a:rPr lang="pt-BR" dirty="0" smtClean="0"/>
+              <a:t>Projeto dividido em 5 etapas:</a:t>
+            </a:r>
+          </a:p>
+          <a:p>
+            <a:pPr marL="514350" indent="-514350">
+              <a:buFont typeface="+mj-lt"/>
+              <a:buAutoNum type="arabicPeriod"/>
+            </a:pPr>
+            <a:r>
+              <a:rPr lang="pt-BR" dirty="0" smtClean="0"/>
+              <a:t>Identificação de estados seguros em sistemas distribuídos.</a:t>
+            </a:r>
+          </a:p>
+          <a:p>
+            <a:pPr marL="514350" indent="-514350">
+              <a:buFont typeface="+mj-lt"/>
+              <a:buAutoNum type="arabicPeriod"/>
+            </a:pPr>
+            <a:r>
+              <a:rPr lang="pt-BR" dirty="0" smtClean="0"/>
+              <a:t>Criação de checkpoints através de estados seguros.</a:t>
+            </a:r>
+          </a:p>
+          <a:p>
+            <a:pPr marL="514350" indent="-514350">
+              <a:buFont typeface="+mj-lt"/>
+              <a:buAutoNum type="arabicPeriod"/>
+            </a:pPr>
+            <a:r>
+              <a:rPr lang="pt-BR" dirty="0" smtClean="0"/>
+              <a:t>Seleção de uma estratégia de acordo com as características do DCB.</a:t>
+            </a:r>
+          </a:p>
+          <a:p>
+            <a:pPr marL="514350" indent="-514350">
+              <a:buFont typeface="+mj-lt"/>
+              <a:buAutoNum type="arabicPeriod"/>
+            </a:pPr>
+            <a:r>
+              <a:rPr lang="pt-BR" dirty="0" smtClean="0"/>
+              <a:t>Implementação da criação de Checkpoints no DCB.</a:t>
+            </a:r>
+          </a:p>
+          <a:p>
+            <a:pPr marL="514350" indent="-514350">
+              <a:buFont typeface="+mj-lt"/>
+              <a:buAutoNum type="arabicPeriod"/>
+            </a:pPr>
+            <a:r>
+              <a:rPr lang="pt-BR" dirty="0" smtClean="0"/>
+              <a:t>Criação de um estudo de caso para validação dos resultados.</a:t>
+            </a:r>
+            <a:endParaRPr lang="pt-BR" dirty="0" smtClean="0"/>
           </a:p>
           <a:p>
             <a:pPr>
@@ -3330,7 +3388,7 @@
     </p:spTree>
     <p:extLst>
       <p:ext uri="{BB962C8B-B14F-4D97-AF65-F5344CB8AC3E}">
-        <p14:creationId xmlns:p14="http://schemas.microsoft.com/office/powerpoint/2010/main" val="79228887"/>
+        <p14:creationId xmlns:p14="http://schemas.microsoft.com/office/powerpoint/2010/main" val="2744778922"/>
       </p:ext>
     </p:extLst>
   </p:cSld>
@@ -3379,48 +3437,9 @@
           <a:p>
             <a:r>
               <a:rPr lang="pt-BR" dirty="0" smtClean="0"/>
-              <a:t>Metodologia</a:t>
+              <a:t>Cronograma</a:t>
             </a:r>
             <a:endParaRPr lang="pt-BR" dirty="0"/>
-          </a:p>
-        </p:txBody>
-      </p:sp>
-      <p:sp>
-        <p:nvSpPr>
-          <p:cNvPr id="3" name="Espaço Reservado para Conteúdo 2"/>
-          <p:cNvSpPr>
-            <a:spLocks noGrp="1"/>
-          </p:cNvSpPr>
-          <p:nvPr>
-            <p:ph idx="1"/>
-          </p:nvPr>
-        </p:nvSpPr>
-        <p:spPr/>
-        <p:txBody>
-          <a:bodyPr>
-            <a:normAutofit/>
-          </a:bodyPr>
-          <a:lstStyle/>
-          <a:p>
-            <a:pPr>
-              <a:buFont typeface="Arial"/>
-              <a:buChar char="•"/>
-            </a:pPr>
-            <a:r>
-              <a:rPr lang="pt-BR" dirty="0" smtClean="0"/>
-              <a:t>...</a:t>
-            </a:r>
-          </a:p>
-          <a:p>
-            <a:pPr>
-              <a:buFont typeface="Arial"/>
-              <a:buChar char="•"/>
-            </a:pPr>
-            <a:endParaRPr lang="pt-BR" dirty="0" smtClean="0">
-              <a:solidFill>
-                <a:srgbClr val="000000"/>
-              </a:solidFill>
-            </a:endParaRPr>
           </a:p>
         </p:txBody>
       </p:sp>
@@ -3480,10 +3499,34 @@
           </a:prstGeom>
         </p:spPr>
       </p:pic>
+      <p:pic>
+        <p:nvPicPr>
+          <p:cNvPr id="7" name="Imagem 6"/>
+          <p:cNvPicPr>
+            <a:picLocks noChangeAspect="1"/>
+          </p:cNvPicPr>
+          <p:nvPr/>
+        </p:nvPicPr>
+        <p:blipFill>
+          <a:blip r:embed="rId4"/>
+          <a:stretch>
+            <a:fillRect/>
+          </a:stretch>
+        </p:blipFill>
+        <p:spPr>
+          <a:xfrm>
+            <a:off x="1261334" y="2299575"/>
+            <a:ext cx="9669331" cy="2250407"/>
+          </a:xfrm>
+          <a:prstGeom prst="rect">
+            <a:avLst/>
+          </a:prstGeom>
+        </p:spPr>
+      </p:pic>
     </p:spTree>
     <p:extLst>
       <p:ext uri="{BB962C8B-B14F-4D97-AF65-F5344CB8AC3E}">
-        <p14:creationId xmlns:p14="http://schemas.microsoft.com/office/powerpoint/2010/main" val="2744778922"/>
+        <p14:creationId xmlns:p14="http://schemas.microsoft.com/office/powerpoint/2010/main" val="2927539364"/>
       </p:ext>
     </p:extLst>
   </p:cSld>
@@ -3767,11 +3810,6 @@
               </a:rPr>
               <a:t>Justificativa</a:t>
             </a:r>
-            <a:endParaRPr lang="pt-BR" dirty="0" smtClean="0">
-              <a:solidFill>
-                <a:srgbClr val="000000"/>
-              </a:solidFill>
-            </a:endParaRPr>
           </a:p>
           <a:p>
             <a:pPr>
@@ -3786,11 +3824,6 @@
               </a:rPr>
               <a:t>Simulação</a:t>
             </a:r>
-            <a:endParaRPr lang="pt-BR" dirty="0" smtClean="0">
-              <a:solidFill>
-                <a:srgbClr val="000000"/>
-              </a:solidFill>
-            </a:endParaRPr>
           </a:p>
           <a:p>
             <a:pPr>
@@ -3833,11 +3866,6 @@
               </a:rPr>
               <a:t>Proposta</a:t>
             </a:r>
-            <a:endParaRPr lang="pt-BR" dirty="0" smtClean="0">
-              <a:solidFill>
-                <a:srgbClr val="000000"/>
-              </a:solidFill>
-            </a:endParaRPr>
           </a:p>
           <a:p>
             <a:pPr>
@@ -4157,7 +4185,7 @@
           <a:p>
             <a:r>
               <a:rPr lang="pt-BR" dirty="0" smtClean="0"/>
-              <a:t>Contextualização</a:t>
+              <a:t>Objetivos</a:t>
             </a:r>
             <a:endParaRPr lang="pt-BR" dirty="0"/>
           </a:p>
@@ -4186,8 +4214,39 @@
             </a:pPr>
             <a:r>
               <a:rPr lang="pt-BR" dirty="0" smtClean="0"/>
-              <a:t>...</a:t>
-            </a:r>
+              <a:t>Estudar técnicas de identificação de estados seguros.</a:t>
+            </a:r>
+          </a:p>
+          <a:p>
+            <a:pPr>
+              <a:buFont typeface="Arial"/>
+              <a:buChar char="•"/>
+            </a:pPr>
+            <a:r>
+              <a:rPr lang="pt-BR" dirty="0" smtClean="0"/>
+              <a:t>Identificar estratégias de criação de Checkpoints a partir de estados seguros.</a:t>
+            </a:r>
+          </a:p>
+          <a:p>
+            <a:pPr>
+              <a:buFont typeface="Arial"/>
+              <a:buChar char="•"/>
+            </a:pPr>
+            <a:r>
+              <a:rPr lang="pt-BR" dirty="0" smtClean="0"/>
+              <a:t>Implementar a criação de Checkpoints com base em estados seguros no DCB.</a:t>
+            </a:r>
+          </a:p>
+          <a:p>
+            <a:pPr>
+              <a:buFont typeface="Arial"/>
+              <a:buChar char="•"/>
+            </a:pPr>
+            <a:r>
+              <a:rPr lang="pt-BR" dirty="0" smtClean="0"/>
+              <a:t>Validar a solução por meio de estudos de caso.</a:t>
+            </a:r>
+            <a:endParaRPr lang="pt-BR" dirty="0" smtClean="0"/>
           </a:p>
           <a:p>
             <a:pPr>
@@ -4261,7 +4320,7 @@
     </p:spTree>
     <p:extLst>
       <p:ext uri="{BB962C8B-B14F-4D97-AF65-F5344CB8AC3E}">
-        <p14:creationId xmlns:p14="http://schemas.microsoft.com/office/powerpoint/2010/main" val="944193015"/>
+        <p14:creationId xmlns:p14="http://schemas.microsoft.com/office/powerpoint/2010/main" val="3131821790"/>
       </p:ext>
     </p:extLst>
   </p:cSld>
@@ -4310,7 +4369,7 @@
           <a:p>
             <a:r>
               <a:rPr lang="pt-BR" dirty="0" smtClean="0"/>
-              <a:t>Objetivos</a:t>
+              <a:t>Justificativa</a:t>
             </a:r>
             <a:endParaRPr lang="pt-BR" dirty="0"/>
           </a:p>
@@ -4339,8 +4398,19 @@
             </a:pPr>
             <a:r>
               <a:rPr lang="pt-BR" dirty="0" smtClean="0"/>
-              <a:t>...</a:t>
-            </a:r>
+              <a:t>Checkpoints inúteis são indesejáveis pois não contribuem com a operação de rollback e desperdiçam processamento e armazenamento ao serem criados.</a:t>
+            </a:r>
+          </a:p>
+          <a:p>
+            <a:pPr>
+              <a:buFont typeface="Arial"/>
+              <a:buChar char="•"/>
+            </a:pPr>
+            <a:r>
+              <a:rPr lang="pt-BR" dirty="0" smtClean="0"/>
+              <a:t>Checkpoints coordenados podem garantir que todo o checkpoint será útil, porém o custo de processamento ao serem criados motiva os estudos na área de checkpoints não-coordenados e checkpoints induzidos a comunicação.</a:t>
+            </a:r>
+            <a:endParaRPr lang="pt-BR" dirty="0" smtClean="0"/>
           </a:p>
           <a:p>
             <a:pPr>
@@ -4414,7 +4484,7 @@
     </p:spTree>
     <p:extLst>
       <p:ext uri="{BB962C8B-B14F-4D97-AF65-F5344CB8AC3E}">
-        <p14:creationId xmlns:p14="http://schemas.microsoft.com/office/powerpoint/2010/main" val="3131821790"/>
+        <p14:creationId xmlns:p14="http://schemas.microsoft.com/office/powerpoint/2010/main" val="1135535571"/>
       </p:ext>
     </p:extLst>
   </p:cSld>
@@ -4463,7 +4533,7 @@
           <a:p>
             <a:r>
               <a:rPr lang="pt-BR" dirty="0" smtClean="0"/>
-              <a:t>Justificativa</a:t>
+              <a:t>Simulação</a:t>
             </a:r>
             <a:endParaRPr lang="pt-BR" dirty="0"/>
           </a:p>
@@ -4567,7 +4637,7 @@
     </p:spTree>
     <p:extLst>
       <p:ext uri="{BB962C8B-B14F-4D97-AF65-F5344CB8AC3E}">
-        <p14:creationId xmlns:p14="http://schemas.microsoft.com/office/powerpoint/2010/main" val="1135535571"/>
+        <p14:creationId xmlns:p14="http://schemas.microsoft.com/office/powerpoint/2010/main" val="3080034442"/>
       </p:ext>
     </p:extLst>
   </p:cSld>
@@ -4616,7 +4686,7 @@
           <a:p>
             <a:r>
               <a:rPr lang="pt-BR" dirty="0" smtClean="0"/>
-              <a:t>Simulação</a:t>
+              <a:t>Checkpoints</a:t>
             </a:r>
             <a:endParaRPr lang="pt-BR" dirty="0"/>
           </a:p>
@@ -4720,7 +4790,7 @@
     </p:spTree>
     <p:extLst>
       <p:ext uri="{BB962C8B-B14F-4D97-AF65-F5344CB8AC3E}">
-        <p14:creationId xmlns:p14="http://schemas.microsoft.com/office/powerpoint/2010/main" val="3080034442"/>
+        <p14:creationId xmlns:p14="http://schemas.microsoft.com/office/powerpoint/2010/main" val="1424387600"/>
       </p:ext>
     </p:extLst>
   </p:cSld>
@@ -4769,7 +4839,7 @@
           <a:p>
             <a:r>
               <a:rPr lang="pt-BR" dirty="0" smtClean="0"/>
-              <a:t>Checkpoints</a:t>
+              <a:t>DCB</a:t>
             </a:r>
             <a:endParaRPr lang="pt-BR" dirty="0"/>
           </a:p>
@@ -4873,7 +4943,7 @@
     </p:spTree>
     <p:extLst>
       <p:ext uri="{BB962C8B-B14F-4D97-AF65-F5344CB8AC3E}">
-        <p14:creationId xmlns:p14="http://schemas.microsoft.com/office/powerpoint/2010/main" val="1424387600"/>
+        <p14:creationId xmlns:p14="http://schemas.microsoft.com/office/powerpoint/2010/main" val="2490051159"/>
       </p:ext>
     </p:extLst>
   </p:cSld>
@@ -4922,7 +4992,7 @@
           <a:p>
             <a:r>
               <a:rPr lang="pt-BR" dirty="0" smtClean="0"/>
-              <a:t>DCB</a:t>
+              <a:t>Proposta</a:t>
             </a:r>
             <a:endParaRPr lang="pt-BR" dirty="0"/>
           </a:p>
@@ -4951,14 +5021,23 @@
             </a:pPr>
             <a:r>
               <a:rPr lang="pt-BR" dirty="0" smtClean="0"/>
-              <a:t>...</a:t>
-            </a:r>
+              <a:t>A proposta deste projeto é desenvolver um mecanismo de identificação de estados seguros para a criação de checkpoints no DCB.</a:t>
+            </a:r>
+            <a:endParaRPr lang="pt-BR" dirty="0" smtClean="0"/>
           </a:p>
           <a:p>
             <a:pPr>
               <a:buFont typeface="Arial"/>
               <a:buChar char="•"/>
             </a:pPr>
+            <a:r>
+              <a:rPr lang="pt-BR" dirty="0" smtClean="0">
+                <a:solidFill>
+                  <a:srgbClr val="000000"/>
+                </a:solidFill>
+              </a:rPr>
+              <a:t>Estratégias a serem seguidas: Checkpoints Não-Coordenados e Checkpoints Induzidos a Comunicação.</a:t>
+            </a:r>
             <a:endParaRPr lang="pt-BR" dirty="0" smtClean="0">
               <a:solidFill>
                 <a:srgbClr val="000000"/>
@@ -5026,7 +5105,7 @@
     </p:spTree>
     <p:extLst>
       <p:ext uri="{BB962C8B-B14F-4D97-AF65-F5344CB8AC3E}">
-        <p14:creationId xmlns:p14="http://schemas.microsoft.com/office/powerpoint/2010/main" val="2490051159"/>
+        <p14:creationId xmlns:p14="http://schemas.microsoft.com/office/powerpoint/2010/main" val="79228887"/>
       </p:ext>
     </p:extLst>
   </p:cSld>

--- a/Defesa Projeto.pptx
+++ b/Defesa Projeto.pptx
@@ -11,12 +11,15 @@
     <p:sldId id="261" r:id="rId5"/>
     <p:sldId id="262" r:id="rId6"/>
     <p:sldId id="263" r:id="rId7"/>
-    <p:sldId id="264" r:id="rId8"/>
-    <p:sldId id="265" r:id="rId9"/>
-    <p:sldId id="266" r:id="rId10"/>
-    <p:sldId id="267" r:id="rId11"/>
-    <p:sldId id="269" r:id="rId12"/>
-    <p:sldId id="268" r:id="rId13"/>
+    <p:sldId id="270" r:id="rId8"/>
+    <p:sldId id="264" r:id="rId9"/>
+    <p:sldId id="271" r:id="rId10"/>
+    <p:sldId id="272" r:id="rId11"/>
+    <p:sldId id="265" r:id="rId12"/>
+    <p:sldId id="266" r:id="rId13"/>
+    <p:sldId id="267" r:id="rId14"/>
+    <p:sldId id="269" r:id="rId15"/>
+    <p:sldId id="268" r:id="rId16"/>
   </p:sldIdLst>
   <p:sldSz cx="12192000" cy="6858000"/>
   <p:notesSz cx="6858000" cy="9144000"/>
@@ -3223,7 +3226,11 @@
           <a:p>
             <a:r>
               <a:rPr lang="pt-BR" dirty="0" smtClean="0"/>
-              <a:t>Metodologia</a:t>
+              <a:t>Rollback baseado em </a:t>
+            </a:r>
+            <a:r>
+              <a:rPr lang="pt-BR" dirty="0" smtClean="0"/>
+              <a:t>Checkpoints</a:t>
             </a:r>
             <a:endParaRPr lang="pt-BR" dirty="0"/>
           </a:p>
@@ -3252,67 +3259,7 @@
             </a:pPr>
             <a:r>
               <a:rPr lang="pt-BR" dirty="0" smtClean="0"/>
-              <a:t>A partir de [Elnozahy, 2002] e [Mello, 2005] foi realizado uma pesquisa por outros trabalhos.</a:t>
-            </a:r>
-          </a:p>
-          <a:p>
-            <a:pPr>
-              <a:buFont typeface="Arial"/>
-              <a:buChar char="•"/>
-            </a:pPr>
-            <a:r>
-              <a:rPr lang="pt-BR" dirty="0" smtClean="0"/>
-              <a:t>Projeto dividido em 5 etapas:</a:t>
-            </a:r>
-          </a:p>
-          <a:p>
-            <a:pPr marL="514350" indent="-514350">
-              <a:buFont typeface="+mj-lt"/>
-              <a:buAutoNum type="arabicPeriod"/>
-            </a:pPr>
-            <a:r>
-              <a:rPr lang="pt-BR" dirty="0" smtClean="0"/>
-              <a:t>Identificação de estados seguros em sistemas distribuídos.</a:t>
-            </a:r>
-          </a:p>
-          <a:p>
-            <a:pPr marL="514350" indent="-514350">
-              <a:buFont typeface="+mj-lt"/>
-              <a:buAutoNum type="arabicPeriod"/>
-            </a:pPr>
-            <a:r>
-              <a:rPr lang="pt-BR" dirty="0" smtClean="0"/>
-              <a:t>Criação de checkpoints através de estados seguros.</a:t>
-            </a:r>
-          </a:p>
-          <a:p>
-            <a:pPr marL="514350" indent="-514350">
-              <a:buFont typeface="+mj-lt"/>
-              <a:buAutoNum type="arabicPeriod"/>
-            </a:pPr>
-            <a:r>
-              <a:rPr lang="pt-BR" dirty="0" smtClean="0"/>
-              <a:t>Seleção de uma estratégia de acordo com as características do DCB.</a:t>
-            </a:r>
-          </a:p>
-          <a:p>
-            <a:pPr marL="514350" indent="-514350">
-              <a:buFont typeface="+mj-lt"/>
-              <a:buAutoNum type="arabicPeriod"/>
-            </a:pPr>
-            <a:r>
-              <a:rPr lang="pt-BR" dirty="0" smtClean="0"/>
-              <a:t>Implementação da criação de Checkpoints no DCB.</a:t>
-            </a:r>
-          </a:p>
-          <a:p>
-            <a:pPr marL="514350" indent="-514350">
-              <a:buFont typeface="+mj-lt"/>
-              <a:buAutoNum type="arabicPeriod"/>
-            </a:pPr>
-            <a:r>
-              <a:rPr lang="pt-BR" dirty="0" smtClean="0"/>
-              <a:t>Criação de um estudo de caso para validação dos resultados.</a:t>
+              <a:t>Checkpoints Induzidos a Comunicação</a:t>
             </a:r>
             <a:endParaRPr lang="pt-BR" dirty="0" smtClean="0"/>
           </a:p>
@@ -3385,10 +3332,34 @@
           </a:prstGeom>
         </p:spPr>
       </p:pic>
+      <p:pic>
+        <p:nvPicPr>
+          <p:cNvPr id="6" name="Imagem 5"/>
+          <p:cNvPicPr>
+            <a:picLocks noChangeAspect="1"/>
+          </p:cNvPicPr>
+          <p:nvPr/>
+        </p:nvPicPr>
+        <p:blipFill>
+          <a:blip r:embed="rId4"/>
+          <a:stretch>
+            <a:fillRect/>
+          </a:stretch>
+        </p:blipFill>
+        <p:spPr>
+          <a:xfrm>
+            <a:off x="2158025" y="2579100"/>
+            <a:ext cx="7875950" cy="3061054"/>
+          </a:xfrm>
+          <a:prstGeom prst="rect">
+            <a:avLst/>
+          </a:prstGeom>
+        </p:spPr>
+      </p:pic>
     </p:spTree>
     <p:extLst>
       <p:ext uri="{BB962C8B-B14F-4D97-AF65-F5344CB8AC3E}">
-        <p14:creationId xmlns:p14="http://schemas.microsoft.com/office/powerpoint/2010/main" val="2744778922"/>
+        <p14:creationId xmlns:p14="http://schemas.microsoft.com/office/powerpoint/2010/main" val="2869449000"/>
       </p:ext>
     </p:extLst>
   </p:cSld>
@@ -3437,9 +3408,49 @@
           <a:p>
             <a:r>
               <a:rPr lang="pt-BR" dirty="0" smtClean="0"/>
-              <a:t>Cronograma</a:t>
+              <a:t>Distributed Co-Simulation Backbone</a:t>
             </a:r>
             <a:endParaRPr lang="pt-BR" dirty="0"/>
+          </a:p>
+        </p:txBody>
+      </p:sp>
+      <p:sp>
+        <p:nvSpPr>
+          <p:cNvPr id="3" name="Espaço Reservado para Conteúdo 2"/>
+          <p:cNvSpPr>
+            <a:spLocks noGrp="1"/>
+          </p:cNvSpPr>
+          <p:nvPr>
+            <p:ph idx="1"/>
+          </p:nvPr>
+        </p:nvSpPr>
+        <p:spPr/>
+        <p:txBody>
+          <a:bodyPr>
+            <a:normAutofit/>
+          </a:bodyPr>
+          <a:lstStyle/>
+          <a:p>
+            <a:pPr>
+              <a:buFont typeface="Arial"/>
+              <a:buChar char="•"/>
+            </a:pPr>
+            <a:r>
+              <a:rPr lang="pt-BR" dirty="0" smtClean="0"/>
+              <a:t>O DCB é baseado na arquitetura HLA (High Level Architecture)</a:t>
+            </a:r>
+            <a:endParaRPr lang="pt-BR" dirty="0" smtClean="0"/>
+          </a:p>
+          <a:p>
+            <a:pPr>
+              <a:buFont typeface="Arial"/>
+              <a:buChar char="•"/>
+            </a:pPr>
+            <a:endParaRPr lang="pt-BR" dirty="0" smtClean="0">
+              <a:solidFill>
+                <a:srgbClr val="000000"/>
+              </a:solidFill>
+            </a:endParaRPr>
           </a:p>
         </p:txBody>
       </p:sp>
@@ -3515,6 +3526,537 @@
         </p:blipFill>
         <p:spPr>
           <a:xfrm>
+            <a:off x="449625" y="3313077"/>
+            <a:ext cx="6665646" cy="3316242"/>
+          </a:xfrm>
+          <a:prstGeom prst="rect">
+            <a:avLst/>
+          </a:prstGeom>
+        </p:spPr>
+      </p:pic>
+      <p:pic>
+        <p:nvPicPr>
+          <p:cNvPr id="6" name="Imagem 5"/>
+          <p:cNvPicPr>
+            <a:picLocks noChangeAspect="1"/>
+          </p:cNvPicPr>
+          <p:nvPr/>
+        </p:nvPicPr>
+        <p:blipFill>
+          <a:blip r:embed="rId5"/>
+          <a:stretch>
+            <a:fillRect/>
+          </a:stretch>
+        </p:blipFill>
+        <p:spPr>
+          <a:xfrm>
+            <a:off x="5313001" y="2519383"/>
+            <a:ext cx="6766704" cy="2678259"/>
+          </a:xfrm>
+          <a:prstGeom prst="rect">
+            <a:avLst/>
+          </a:prstGeom>
+        </p:spPr>
+      </p:pic>
+    </p:spTree>
+    <p:extLst>
+      <p:ext uri="{BB962C8B-B14F-4D97-AF65-F5344CB8AC3E}">
+        <p14:creationId xmlns:p14="http://schemas.microsoft.com/office/powerpoint/2010/main" val="2490051159"/>
+      </p:ext>
+    </p:extLst>
+  </p:cSld>
+  <p:clrMapOvr>
+    <a:masterClrMapping/>
+  </p:clrMapOvr>
+</p:sld>
+</file>
+
+<file path=ppt/slides/slide12.xml><?xml version="1.0" encoding="utf-8"?>
+<p:sld xmlns:a="http://schemas.openxmlformats.org/drawingml/2006/main" xmlns:r="http://schemas.openxmlformats.org/officeDocument/2006/relationships" xmlns:p="http://schemas.openxmlformats.org/presentationml/2006/main">
+  <p:cSld>
+    <p:spTree>
+      <p:nvGrpSpPr>
+        <p:cNvPr id="1" name=""/>
+        <p:cNvGrpSpPr/>
+        <p:nvPr/>
+      </p:nvGrpSpPr>
+      <p:grpSpPr>
+        <a:xfrm>
+          <a:off x="0" y="0"/>
+          <a:ext cx="0" cy="0"/>
+          <a:chOff x="0" y="0"/>
+          <a:chExt cx="0" cy="0"/>
+        </a:xfrm>
+      </p:grpSpPr>
+      <p:sp>
+        <p:nvSpPr>
+          <p:cNvPr id="2" name="Título 1"/>
+          <p:cNvSpPr>
+            <a:spLocks noGrp="1"/>
+          </p:cNvSpPr>
+          <p:nvPr>
+            <p:ph type="title"/>
+          </p:nvPr>
+        </p:nvSpPr>
+        <p:spPr>
+          <a:xfrm>
+            <a:off x="838200" y="679511"/>
+            <a:ext cx="10515600" cy="1325563"/>
+          </a:xfrm>
+        </p:spPr>
+        <p:txBody>
+          <a:bodyPr/>
+          <a:lstStyle/>
+          <a:p>
+            <a:r>
+              <a:rPr lang="pt-BR" dirty="0" smtClean="0"/>
+              <a:t>Proposta</a:t>
+            </a:r>
+            <a:endParaRPr lang="pt-BR" dirty="0"/>
+          </a:p>
+        </p:txBody>
+      </p:sp>
+      <p:sp>
+        <p:nvSpPr>
+          <p:cNvPr id="3" name="Espaço Reservado para Conteúdo 2"/>
+          <p:cNvSpPr>
+            <a:spLocks noGrp="1"/>
+          </p:cNvSpPr>
+          <p:nvPr>
+            <p:ph idx="1"/>
+          </p:nvPr>
+        </p:nvSpPr>
+        <p:spPr/>
+        <p:txBody>
+          <a:bodyPr>
+            <a:normAutofit/>
+          </a:bodyPr>
+          <a:lstStyle/>
+          <a:p>
+            <a:pPr>
+              <a:buFont typeface="Arial"/>
+              <a:buChar char="•"/>
+            </a:pPr>
+            <a:r>
+              <a:rPr lang="pt-BR" dirty="0" smtClean="0"/>
+              <a:t>A proposta deste projeto é desenvolver um mecanismo de identificação de estados seguros para a criação de checkpoints no DCB.</a:t>
+            </a:r>
+          </a:p>
+          <a:p>
+            <a:pPr>
+              <a:buFont typeface="Arial"/>
+              <a:buChar char="•"/>
+            </a:pPr>
+            <a:r>
+              <a:rPr lang="pt-BR" dirty="0" smtClean="0">
+                <a:solidFill>
+                  <a:srgbClr val="000000"/>
+                </a:solidFill>
+              </a:rPr>
+              <a:t>Estratégias a serem seguidas: Checkpoints Não-Coordenados e Checkpoints Induzidos a Comunicação.</a:t>
+            </a:r>
+          </a:p>
+        </p:txBody>
+      </p:sp>
+      <p:pic>
+        <p:nvPicPr>
+          <p:cNvPr id="4" name="Picture 2"/>
+          <p:cNvPicPr>
+            <a:picLocks noChangeAspect="1"/>
+          </p:cNvPicPr>
+          <p:nvPr/>
+        </p:nvPicPr>
+        <p:blipFill>
+          <a:blip r:embed="rId2">
+            <a:lum bright="-50000"/>
+            <a:alphaModFix/>
+          </a:blip>
+          <a:srcRect/>
+          <a:stretch>
+            <a:fillRect/>
+          </a:stretch>
+        </p:blipFill>
+        <p:spPr>
+          <a:xfrm>
+            <a:off x="58320" y="-171360"/>
+            <a:ext cx="2107800" cy="1030319"/>
+          </a:xfrm>
+          <a:prstGeom prst="rect">
+            <a:avLst/>
+          </a:prstGeom>
+          <a:noFill/>
+          <a:ln>
+            <a:noFill/>
+          </a:ln>
+        </p:spPr>
+      </p:pic>
+      <p:pic>
+        <p:nvPicPr>
+          <p:cNvPr id="5" name="Imagem 4"/>
+          <p:cNvPicPr>
+            <a:picLocks noChangeAspect="1"/>
+          </p:cNvPicPr>
+          <p:nvPr/>
+        </p:nvPicPr>
+        <p:blipFill>
+          <a:blip r:embed="rId3"/>
+          <a:stretch>
+            <a:fillRect/>
+          </a:stretch>
+        </p:blipFill>
+        <p:spPr>
+          <a:xfrm>
+            <a:off x="11171163" y="0"/>
+            <a:ext cx="1020837" cy="1373269"/>
+          </a:xfrm>
+          <a:prstGeom prst="rect">
+            <a:avLst/>
+          </a:prstGeom>
+        </p:spPr>
+      </p:pic>
+    </p:spTree>
+    <p:extLst>
+      <p:ext uri="{BB962C8B-B14F-4D97-AF65-F5344CB8AC3E}">
+        <p14:creationId xmlns:p14="http://schemas.microsoft.com/office/powerpoint/2010/main" val="79228887"/>
+      </p:ext>
+    </p:extLst>
+  </p:cSld>
+  <p:clrMapOvr>
+    <a:masterClrMapping/>
+  </p:clrMapOvr>
+</p:sld>
+</file>
+
+<file path=ppt/slides/slide13.xml><?xml version="1.0" encoding="utf-8"?>
+<p:sld xmlns:a="http://schemas.openxmlformats.org/drawingml/2006/main" xmlns:r="http://schemas.openxmlformats.org/officeDocument/2006/relationships" xmlns:p="http://schemas.openxmlformats.org/presentationml/2006/main">
+  <p:cSld>
+    <p:spTree>
+      <p:nvGrpSpPr>
+        <p:cNvPr id="1" name=""/>
+        <p:cNvGrpSpPr/>
+        <p:nvPr/>
+      </p:nvGrpSpPr>
+      <p:grpSpPr>
+        <a:xfrm>
+          <a:off x="0" y="0"/>
+          <a:ext cx="0" cy="0"/>
+          <a:chOff x="0" y="0"/>
+          <a:chExt cx="0" cy="0"/>
+        </a:xfrm>
+      </p:grpSpPr>
+      <p:sp>
+        <p:nvSpPr>
+          <p:cNvPr id="2" name="Título 1"/>
+          <p:cNvSpPr>
+            <a:spLocks noGrp="1"/>
+          </p:cNvSpPr>
+          <p:nvPr>
+            <p:ph type="title"/>
+          </p:nvPr>
+        </p:nvSpPr>
+        <p:spPr>
+          <a:xfrm>
+            <a:off x="838200" y="679511"/>
+            <a:ext cx="10515600" cy="1325563"/>
+          </a:xfrm>
+        </p:spPr>
+        <p:txBody>
+          <a:bodyPr/>
+          <a:lstStyle/>
+          <a:p>
+            <a:r>
+              <a:rPr lang="pt-BR" dirty="0" smtClean="0"/>
+              <a:t>Metodologia</a:t>
+            </a:r>
+            <a:endParaRPr lang="pt-BR" dirty="0"/>
+          </a:p>
+        </p:txBody>
+      </p:sp>
+      <p:sp>
+        <p:nvSpPr>
+          <p:cNvPr id="3" name="Espaço Reservado para Conteúdo 2"/>
+          <p:cNvSpPr>
+            <a:spLocks noGrp="1"/>
+          </p:cNvSpPr>
+          <p:nvPr>
+            <p:ph idx="1"/>
+          </p:nvPr>
+        </p:nvSpPr>
+        <p:spPr/>
+        <p:txBody>
+          <a:bodyPr>
+            <a:normAutofit/>
+          </a:bodyPr>
+          <a:lstStyle/>
+          <a:p>
+            <a:pPr>
+              <a:buFont typeface="Arial"/>
+              <a:buChar char="•"/>
+            </a:pPr>
+            <a:r>
+              <a:rPr lang="pt-BR" dirty="0" smtClean="0"/>
+              <a:t>A partir de [Elnozahy, 2002] e [Mello, 2005] foi realizado uma pesquisa por outros trabalhos.</a:t>
+            </a:r>
+          </a:p>
+          <a:p>
+            <a:pPr>
+              <a:buFont typeface="Arial"/>
+              <a:buChar char="•"/>
+            </a:pPr>
+            <a:r>
+              <a:rPr lang="pt-BR" dirty="0" smtClean="0"/>
+              <a:t>Projeto dividido em 5 etapas:</a:t>
+            </a:r>
+          </a:p>
+          <a:p>
+            <a:pPr marL="514350" indent="-514350">
+              <a:buFont typeface="+mj-lt"/>
+              <a:buAutoNum type="arabicPeriod"/>
+            </a:pPr>
+            <a:r>
+              <a:rPr lang="pt-BR" dirty="0" smtClean="0"/>
+              <a:t>Identificação de estados seguros em sistemas distribuídos.</a:t>
+            </a:r>
+          </a:p>
+          <a:p>
+            <a:pPr marL="514350" indent="-514350">
+              <a:buFont typeface="+mj-lt"/>
+              <a:buAutoNum type="arabicPeriod"/>
+            </a:pPr>
+            <a:r>
+              <a:rPr lang="pt-BR" dirty="0" smtClean="0"/>
+              <a:t>Criação de checkpoints através de estados seguros.</a:t>
+            </a:r>
+          </a:p>
+          <a:p>
+            <a:pPr marL="514350" indent="-514350">
+              <a:buFont typeface="+mj-lt"/>
+              <a:buAutoNum type="arabicPeriod"/>
+            </a:pPr>
+            <a:r>
+              <a:rPr lang="pt-BR" dirty="0" smtClean="0"/>
+              <a:t>Seleção de uma estratégia de acordo com as características do DCB.</a:t>
+            </a:r>
+          </a:p>
+          <a:p>
+            <a:pPr marL="514350" indent="-514350">
+              <a:buFont typeface="+mj-lt"/>
+              <a:buAutoNum type="arabicPeriod"/>
+            </a:pPr>
+            <a:r>
+              <a:rPr lang="pt-BR" dirty="0" smtClean="0"/>
+              <a:t>Implementação da criação de Checkpoints no DCB.</a:t>
+            </a:r>
+          </a:p>
+          <a:p>
+            <a:pPr marL="514350" indent="-514350">
+              <a:buFont typeface="+mj-lt"/>
+              <a:buAutoNum type="arabicPeriod"/>
+            </a:pPr>
+            <a:r>
+              <a:rPr lang="pt-BR" dirty="0" smtClean="0"/>
+              <a:t>Criação de um estudo de caso para validação dos resultados.</a:t>
+            </a:r>
+          </a:p>
+          <a:p>
+            <a:pPr>
+              <a:buFont typeface="Arial"/>
+              <a:buChar char="•"/>
+            </a:pPr>
+            <a:endParaRPr lang="pt-BR" dirty="0" smtClean="0">
+              <a:solidFill>
+                <a:srgbClr val="000000"/>
+              </a:solidFill>
+            </a:endParaRPr>
+          </a:p>
+        </p:txBody>
+      </p:sp>
+      <p:pic>
+        <p:nvPicPr>
+          <p:cNvPr id="4" name="Picture 2"/>
+          <p:cNvPicPr>
+            <a:picLocks noChangeAspect="1"/>
+          </p:cNvPicPr>
+          <p:nvPr/>
+        </p:nvPicPr>
+        <p:blipFill>
+          <a:blip r:embed="rId2">
+            <a:lum bright="-50000"/>
+            <a:alphaModFix/>
+          </a:blip>
+          <a:srcRect/>
+          <a:stretch>
+            <a:fillRect/>
+          </a:stretch>
+        </p:blipFill>
+        <p:spPr>
+          <a:xfrm>
+            <a:off x="58320" y="-171360"/>
+            <a:ext cx="2107800" cy="1030319"/>
+          </a:xfrm>
+          <a:prstGeom prst="rect">
+            <a:avLst/>
+          </a:prstGeom>
+          <a:noFill/>
+          <a:ln>
+            <a:noFill/>
+          </a:ln>
+        </p:spPr>
+      </p:pic>
+      <p:pic>
+        <p:nvPicPr>
+          <p:cNvPr id="5" name="Imagem 4"/>
+          <p:cNvPicPr>
+            <a:picLocks noChangeAspect="1"/>
+          </p:cNvPicPr>
+          <p:nvPr/>
+        </p:nvPicPr>
+        <p:blipFill>
+          <a:blip r:embed="rId3"/>
+          <a:stretch>
+            <a:fillRect/>
+          </a:stretch>
+        </p:blipFill>
+        <p:spPr>
+          <a:xfrm>
+            <a:off x="11171163" y="0"/>
+            <a:ext cx="1020837" cy="1373269"/>
+          </a:xfrm>
+          <a:prstGeom prst="rect">
+            <a:avLst/>
+          </a:prstGeom>
+        </p:spPr>
+      </p:pic>
+    </p:spTree>
+    <p:extLst>
+      <p:ext uri="{BB962C8B-B14F-4D97-AF65-F5344CB8AC3E}">
+        <p14:creationId xmlns:p14="http://schemas.microsoft.com/office/powerpoint/2010/main" val="2744778922"/>
+      </p:ext>
+    </p:extLst>
+  </p:cSld>
+  <p:clrMapOvr>
+    <a:masterClrMapping/>
+  </p:clrMapOvr>
+</p:sld>
+</file>
+
+<file path=ppt/slides/slide14.xml><?xml version="1.0" encoding="utf-8"?>
+<p:sld xmlns:a="http://schemas.openxmlformats.org/drawingml/2006/main" xmlns:r="http://schemas.openxmlformats.org/officeDocument/2006/relationships" xmlns:p="http://schemas.openxmlformats.org/presentationml/2006/main">
+  <p:cSld>
+    <p:spTree>
+      <p:nvGrpSpPr>
+        <p:cNvPr id="1" name=""/>
+        <p:cNvGrpSpPr/>
+        <p:nvPr/>
+      </p:nvGrpSpPr>
+      <p:grpSpPr>
+        <a:xfrm>
+          <a:off x="0" y="0"/>
+          <a:ext cx="0" cy="0"/>
+          <a:chOff x="0" y="0"/>
+          <a:chExt cx="0" cy="0"/>
+        </a:xfrm>
+      </p:grpSpPr>
+      <p:sp>
+        <p:nvSpPr>
+          <p:cNvPr id="2" name="Título 1"/>
+          <p:cNvSpPr>
+            <a:spLocks noGrp="1"/>
+          </p:cNvSpPr>
+          <p:nvPr>
+            <p:ph type="title"/>
+          </p:nvPr>
+        </p:nvSpPr>
+        <p:spPr>
+          <a:xfrm>
+            <a:off x="838200" y="679511"/>
+            <a:ext cx="10515600" cy="1325563"/>
+          </a:xfrm>
+        </p:spPr>
+        <p:txBody>
+          <a:bodyPr/>
+          <a:lstStyle/>
+          <a:p>
+            <a:r>
+              <a:rPr lang="pt-BR" dirty="0" smtClean="0"/>
+              <a:t>Cronograma</a:t>
+            </a:r>
+            <a:endParaRPr lang="pt-BR" dirty="0"/>
+          </a:p>
+        </p:txBody>
+      </p:sp>
+      <p:pic>
+        <p:nvPicPr>
+          <p:cNvPr id="4" name="Picture 2"/>
+          <p:cNvPicPr>
+            <a:picLocks noChangeAspect="1"/>
+          </p:cNvPicPr>
+          <p:nvPr/>
+        </p:nvPicPr>
+        <p:blipFill>
+          <a:blip r:embed="rId2">
+            <a:lum bright="-50000"/>
+            <a:alphaModFix/>
+          </a:blip>
+          <a:srcRect/>
+          <a:stretch>
+            <a:fillRect/>
+          </a:stretch>
+        </p:blipFill>
+        <p:spPr>
+          <a:xfrm>
+            <a:off x="58320" y="-171360"/>
+            <a:ext cx="2107800" cy="1030319"/>
+          </a:xfrm>
+          <a:prstGeom prst="rect">
+            <a:avLst/>
+          </a:prstGeom>
+          <a:noFill/>
+          <a:ln>
+            <a:noFill/>
+          </a:ln>
+        </p:spPr>
+      </p:pic>
+      <p:pic>
+        <p:nvPicPr>
+          <p:cNvPr id="5" name="Imagem 4"/>
+          <p:cNvPicPr>
+            <a:picLocks noChangeAspect="1"/>
+          </p:cNvPicPr>
+          <p:nvPr/>
+        </p:nvPicPr>
+        <p:blipFill>
+          <a:blip r:embed="rId3"/>
+          <a:stretch>
+            <a:fillRect/>
+          </a:stretch>
+        </p:blipFill>
+        <p:spPr>
+          <a:xfrm>
+            <a:off x="11171163" y="0"/>
+            <a:ext cx="1020837" cy="1373269"/>
+          </a:xfrm>
+          <a:prstGeom prst="rect">
+            <a:avLst/>
+          </a:prstGeom>
+        </p:spPr>
+      </p:pic>
+      <p:pic>
+        <p:nvPicPr>
+          <p:cNvPr id="7" name="Imagem 6"/>
+          <p:cNvPicPr>
+            <a:picLocks noChangeAspect="1"/>
+          </p:cNvPicPr>
+          <p:nvPr/>
+        </p:nvPicPr>
+        <p:blipFill>
+          <a:blip r:embed="rId4"/>
+          <a:stretch>
+            <a:fillRect/>
+          </a:stretch>
+        </p:blipFill>
+        <p:spPr>
+          <a:xfrm>
             <a:off x="1261334" y="2299575"/>
             <a:ext cx="9669331" cy="2250407"/>
           </a:xfrm>
@@ -3536,7 +4078,7 @@
 </p:sld>
 </file>
 
-<file path=ppt/slides/slide12.xml><?xml version="1.0" encoding="utf-8"?>
+<file path=ppt/slides/slide15.xml><?xml version="1.0" encoding="utf-8"?>
 <p:sld xmlns:a="http://schemas.openxmlformats.org/drawingml/2006/main" xmlns:r="http://schemas.openxmlformats.org/officeDocument/2006/relationships" xmlns:p="http://schemas.openxmlformats.org/presentationml/2006/main">
   <p:cSld>
     <p:spTree>
@@ -4246,7 +4788,6 @@
               <a:rPr lang="pt-BR" dirty="0" smtClean="0"/>
               <a:t>Validar a solução por meio de estudos de caso.</a:t>
             </a:r>
-            <a:endParaRPr lang="pt-BR" dirty="0" smtClean="0"/>
           </a:p>
           <a:p>
             <a:pPr>
@@ -4410,7 +4951,6 @@
               <a:rPr lang="pt-BR" dirty="0" smtClean="0"/>
               <a:t>Checkpoints coordenados podem garantir que todo o checkpoint será útil, porém o custo de processamento ao serem criados motiva os estudos na área de checkpoints não-coordenados e checkpoints induzidos a comunicação.</a:t>
             </a:r>
-            <a:endParaRPr lang="pt-BR" dirty="0" smtClean="0"/>
           </a:p>
           <a:p>
             <a:pPr>
@@ -4562,8 +5102,9 @@
             </a:pPr>
             <a:r>
               <a:rPr lang="pt-BR" dirty="0" smtClean="0"/>
-              <a:t>...</a:t>
-            </a:r>
+              <a:t>Imagem exemplo de simulação discreta de eventos</a:t>
+            </a:r>
+            <a:endParaRPr lang="pt-BR" dirty="0" smtClean="0"/>
           </a:p>
           <a:p>
             <a:pPr>
@@ -4686,7 +5227,7 @@
           <a:p>
             <a:r>
               <a:rPr lang="pt-BR" dirty="0" smtClean="0"/>
-              <a:t>Checkpoints</a:t>
+              <a:t>Simulação Síncrona e Assíncrona</a:t>
             </a:r>
             <a:endParaRPr lang="pt-BR" dirty="0"/>
           </a:p>
@@ -4713,10 +5254,11 @@
               <a:buFont typeface="Arial"/>
               <a:buChar char="•"/>
             </a:pPr>
-            <a:r>
-              <a:rPr lang="pt-BR" dirty="0" smtClean="0"/>
-              <a:t>...</a:t>
-            </a:r>
+            <a:endParaRPr lang="pt-BR" dirty="0" smtClean="0">
+              <a:solidFill>
+                <a:srgbClr val="000000"/>
+              </a:solidFill>
+            </a:endParaRPr>
           </a:p>
           <a:p>
             <a:pPr>
@@ -4787,10 +5329,34 @@
           </a:prstGeom>
         </p:spPr>
       </p:pic>
+      <p:pic>
+        <p:nvPicPr>
+          <p:cNvPr id="6" name="Imagem 5"/>
+          <p:cNvPicPr>
+            <a:picLocks noChangeAspect="1"/>
+          </p:cNvPicPr>
+          <p:nvPr/>
+        </p:nvPicPr>
+        <p:blipFill>
+          <a:blip r:embed="rId4"/>
+          <a:stretch>
+            <a:fillRect/>
+          </a:stretch>
+        </p:blipFill>
+        <p:spPr>
+          <a:xfrm>
+            <a:off x="3171825" y="2547937"/>
+            <a:ext cx="5848350" cy="1762125"/>
+          </a:xfrm>
+          <a:prstGeom prst="rect">
+            <a:avLst/>
+          </a:prstGeom>
+        </p:spPr>
+      </p:pic>
     </p:spTree>
     <p:extLst>
       <p:ext uri="{BB962C8B-B14F-4D97-AF65-F5344CB8AC3E}">
-        <p14:creationId xmlns:p14="http://schemas.microsoft.com/office/powerpoint/2010/main" val="1424387600"/>
+        <p14:creationId xmlns:p14="http://schemas.microsoft.com/office/powerpoint/2010/main" val="184035904"/>
       </p:ext>
     </p:extLst>
   </p:cSld>
@@ -4839,7 +5405,11 @@
           <a:p>
             <a:r>
               <a:rPr lang="pt-BR" dirty="0" smtClean="0"/>
-              <a:t>DCB</a:t>
+              <a:t>Rollback baseado em </a:t>
+            </a:r>
+            <a:r>
+              <a:rPr lang="pt-BR" dirty="0" smtClean="0"/>
+              <a:t>Checkpoints</a:t>
             </a:r>
             <a:endParaRPr lang="pt-BR" dirty="0"/>
           </a:p>
@@ -4868,8 +5438,9 @@
             </a:pPr>
             <a:r>
               <a:rPr lang="pt-BR" dirty="0" smtClean="0"/>
-              <a:t>...</a:t>
-            </a:r>
+              <a:t>Checkpoints Coordenados</a:t>
+            </a:r>
+            <a:endParaRPr lang="pt-BR" dirty="0" smtClean="0"/>
           </a:p>
           <a:p>
             <a:pPr>
@@ -4943,7 +5514,7 @@
     </p:spTree>
     <p:extLst>
       <p:ext uri="{BB962C8B-B14F-4D97-AF65-F5344CB8AC3E}">
-        <p14:creationId xmlns:p14="http://schemas.microsoft.com/office/powerpoint/2010/main" val="2490051159"/>
+        <p14:creationId xmlns:p14="http://schemas.microsoft.com/office/powerpoint/2010/main" val="1424387600"/>
       </p:ext>
     </p:extLst>
   </p:cSld>
@@ -4992,7 +5563,11 @@
           <a:p>
             <a:r>
               <a:rPr lang="pt-BR" dirty="0" smtClean="0"/>
-              <a:t>Proposta</a:t>
+              <a:t>Rollback baseado em </a:t>
+            </a:r>
+            <a:r>
+              <a:rPr lang="pt-BR" dirty="0" smtClean="0"/>
+              <a:t>Checkpoints</a:t>
             </a:r>
             <a:endParaRPr lang="pt-BR" dirty="0"/>
           </a:p>
@@ -5021,7 +5596,7 @@
             </a:pPr>
             <a:r>
               <a:rPr lang="pt-BR" dirty="0" smtClean="0"/>
-              <a:t>A proposta deste projeto é desenvolver um mecanismo de identificação de estados seguros para a criação de checkpoints no DCB.</a:t>
+              <a:t>Checkpoints Não-Coordenados</a:t>
             </a:r>
             <a:endParaRPr lang="pt-BR" dirty="0" smtClean="0"/>
           </a:p>
@@ -5030,14 +5605,6 @@
               <a:buFont typeface="Arial"/>
               <a:buChar char="•"/>
             </a:pPr>
-            <a:r>
-              <a:rPr lang="pt-BR" dirty="0" smtClean="0">
-                <a:solidFill>
-                  <a:srgbClr val="000000"/>
-                </a:solidFill>
-              </a:rPr>
-              <a:t>Estratégias a serem seguidas: Checkpoints Não-Coordenados e Checkpoints Induzidos a Comunicação.</a:t>
-            </a:r>
             <a:endParaRPr lang="pt-BR" dirty="0" smtClean="0">
               <a:solidFill>
                 <a:srgbClr val="000000"/>
@@ -5105,7 +5672,7 @@
     </p:spTree>
     <p:extLst>
       <p:ext uri="{BB962C8B-B14F-4D97-AF65-F5344CB8AC3E}">
-        <p14:creationId xmlns:p14="http://schemas.microsoft.com/office/powerpoint/2010/main" val="79228887"/>
+        <p14:creationId xmlns:p14="http://schemas.microsoft.com/office/powerpoint/2010/main" val="2388306146"/>
       </p:ext>
     </p:extLst>
   </p:cSld>

--- a/Defesa Projeto.pptx
+++ b/Defesa Projeto.pptx
@@ -5,21 +5,22 @@
     <p:sldMasterId id="2147483648" r:id="rId1"/>
   </p:sldMasterIdLst>
   <p:sldIdLst>
-    <p:sldId id="257" r:id="rId2"/>
-    <p:sldId id="258" r:id="rId3"/>
+    <p:sldId id="258" r:id="rId2"/>
+    <p:sldId id="257" r:id="rId3"/>
     <p:sldId id="259" r:id="rId4"/>
     <p:sldId id="261" r:id="rId5"/>
     <p:sldId id="262" r:id="rId6"/>
     <p:sldId id="263" r:id="rId7"/>
     <p:sldId id="270" r:id="rId8"/>
-    <p:sldId id="264" r:id="rId9"/>
-    <p:sldId id="271" r:id="rId10"/>
-    <p:sldId id="272" r:id="rId11"/>
-    <p:sldId id="265" r:id="rId12"/>
-    <p:sldId id="266" r:id="rId13"/>
-    <p:sldId id="267" r:id="rId14"/>
-    <p:sldId id="269" r:id="rId15"/>
-    <p:sldId id="268" r:id="rId16"/>
+    <p:sldId id="273" r:id="rId9"/>
+    <p:sldId id="264" r:id="rId10"/>
+    <p:sldId id="271" r:id="rId11"/>
+    <p:sldId id="272" r:id="rId12"/>
+    <p:sldId id="265" r:id="rId13"/>
+    <p:sldId id="266" r:id="rId14"/>
+    <p:sldId id="267" r:id="rId15"/>
+    <p:sldId id="269" r:id="rId16"/>
+    <p:sldId id="268" r:id="rId17"/>
   </p:sldIdLst>
   <p:sldSz cx="12192000" cy="6858000"/>
   <p:notesSz cx="6858000" cy="9144000"/>
@@ -257,7 +258,7 @@
           <a:p>
             <a:fld id="{B2B7FAC6-64D6-4929-943E-FFF696E6DBDD}" type="datetimeFigureOut">
               <a:rPr lang="pt-BR" smtClean="0"/>
-              <a:t>02/12/2015</a:t>
+              <a:t>04/12/2015</a:t>
             </a:fld>
             <a:endParaRPr lang="pt-BR"/>
           </a:p>
@@ -427,7 +428,7 @@
           <a:p>
             <a:fld id="{B2B7FAC6-64D6-4929-943E-FFF696E6DBDD}" type="datetimeFigureOut">
               <a:rPr lang="pt-BR" smtClean="0"/>
-              <a:t>02/12/2015</a:t>
+              <a:t>04/12/2015</a:t>
             </a:fld>
             <a:endParaRPr lang="pt-BR"/>
           </a:p>
@@ -607,7 +608,7 @@
           <a:p>
             <a:fld id="{B2B7FAC6-64D6-4929-943E-FFF696E6DBDD}" type="datetimeFigureOut">
               <a:rPr lang="pt-BR" smtClean="0"/>
-              <a:t>02/12/2015</a:t>
+              <a:t>04/12/2015</a:t>
             </a:fld>
             <a:endParaRPr lang="pt-BR"/>
           </a:p>
@@ -777,7 +778,7 @@
           <a:p>
             <a:fld id="{B2B7FAC6-64D6-4929-943E-FFF696E6DBDD}" type="datetimeFigureOut">
               <a:rPr lang="pt-BR" smtClean="0"/>
-              <a:t>02/12/2015</a:t>
+              <a:t>04/12/2015</a:t>
             </a:fld>
             <a:endParaRPr lang="pt-BR"/>
           </a:p>
@@ -1023,7 +1024,7 @@
           <a:p>
             <a:fld id="{B2B7FAC6-64D6-4929-943E-FFF696E6DBDD}" type="datetimeFigureOut">
               <a:rPr lang="pt-BR" smtClean="0"/>
-              <a:t>02/12/2015</a:t>
+              <a:t>04/12/2015</a:t>
             </a:fld>
             <a:endParaRPr lang="pt-BR"/>
           </a:p>
@@ -1255,7 +1256,7 @@
           <a:p>
             <a:fld id="{B2B7FAC6-64D6-4929-943E-FFF696E6DBDD}" type="datetimeFigureOut">
               <a:rPr lang="pt-BR" smtClean="0"/>
-              <a:t>02/12/2015</a:t>
+              <a:t>04/12/2015</a:t>
             </a:fld>
             <a:endParaRPr lang="pt-BR"/>
           </a:p>
@@ -1622,7 +1623,7 @@
           <a:p>
             <a:fld id="{B2B7FAC6-64D6-4929-943E-FFF696E6DBDD}" type="datetimeFigureOut">
               <a:rPr lang="pt-BR" smtClean="0"/>
-              <a:t>02/12/2015</a:t>
+              <a:t>04/12/2015</a:t>
             </a:fld>
             <a:endParaRPr lang="pt-BR"/>
           </a:p>
@@ -1740,7 +1741,7 @@
           <a:p>
             <a:fld id="{B2B7FAC6-64D6-4929-943E-FFF696E6DBDD}" type="datetimeFigureOut">
               <a:rPr lang="pt-BR" smtClean="0"/>
-              <a:t>02/12/2015</a:t>
+              <a:t>04/12/2015</a:t>
             </a:fld>
             <a:endParaRPr lang="pt-BR"/>
           </a:p>
@@ -1835,7 +1836,7 @@
           <a:p>
             <a:fld id="{B2B7FAC6-64D6-4929-943E-FFF696E6DBDD}" type="datetimeFigureOut">
               <a:rPr lang="pt-BR" smtClean="0"/>
-              <a:t>02/12/2015</a:t>
+              <a:t>04/12/2015</a:t>
             </a:fld>
             <a:endParaRPr lang="pt-BR"/>
           </a:p>
@@ -2112,7 +2113,7 @@
           <a:p>
             <a:fld id="{B2B7FAC6-64D6-4929-943E-FFF696E6DBDD}" type="datetimeFigureOut">
               <a:rPr lang="pt-BR" smtClean="0"/>
-              <a:t>02/12/2015</a:t>
+              <a:t>04/12/2015</a:t>
             </a:fld>
             <a:endParaRPr lang="pt-BR"/>
           </a:p>
@@ -2365,7 +2366,7 @@
           <a:p>
             <a:fld id="{B2B7FAC6-64D6-4929-943E-FFF696E6DBDD}" type="datetimeFigureOut">
               <a:rPr lang="pt-BR" smtClean="0"/>
-              <a:t>02/12/2015</a:t>
+              <a:t>04/12/2015</a:t>
             </a:fld>
             <a:endParaRPr lang="pt-BR"/>
           </a:p>
@@ -2578,7 +2579,7 @@
           <a:p>
             <a:fld id="{B2B7FAC6-64D6-4929-943E-FFF696E6DBDD}" type="datetimeFigureOut">
               <a:rPr lang="pt-BR" smtClean="0"/>
-              <a:t>02/12/2015</a:t>
+              <a:t>04/12/2015</a:t>
             </a:fld>
             <a:endParaRPr lang="pt-BR"/>
           </a:p>
@@ -2990,69 +2991,193 @@
             <a:spLocks noGrp="1"/>
           </p:cNvSpPr>
           <p:nvPr>
-            <p:ph type="ctrTitle"/>
-          </p:nvPr>
-        </p:nvSpPr>
-        <p:spPr>
-          <a:xfrm>
-            <a:off x="1524000" y="2012822"/>
-            <a:ext cx="9144000" cy="2387600"/>
+            <p:ph type="title"/>
+          </p:nvPr>
+        </p:nvSpPr>
+        <p:spPr>
+          <a:xfrm>
+            <a:off x="838200" y="679511"/>
+            <a:ext cx="10515600" cy="1325563"/>
+          </a:xfrm>
+        </p:spPr>
+        <p:txBody>
+          <a:bodyPr/>
+          <a:lstStyle/>
+          <a:p>
+            <a:r>
+              <a:rPr lang="pt-BR" dirty="0" smtClean="0"/>
+              <a:t>Sumário</a:t>
+            </a:r>
+            <a:endParaRPr lang="pt-BR" dirty="0"/>
+          </a:p>
+        </p:txBody>
+      </p:sp>
+      <p:sp>
+        <p:nvSpPr>
+          <p:cNvPr id="3" name="Espaço Reservado para Conteúdo 2"/>
+          <p:cNvSpPr>
+            <a:spLocks noGrp="1"/>
+          </p:cNvSpPr>
+          <p:nvPr>
+            <p:ph idx="1"/>
+          </p:nvPr>
+        </p:nvSpPr>
+        <p:spPr>
+          <a:xfrm>
+            <a:off x="838200" y="1825624"/>
+            <a:ext cx="10515600" cy="4458797"/>
           </a:xfrm>
         </p:spPr>
         <p:txBody>
           <a:bodyPr>
-            <a:normAutofit/>
+            <a:normAutofit fontScale="92500" lnSpcReduction="10000"/>
           </a:bodyPr>
           <a:lstStyle/>
           <a:p>
-            <a:r>
-              <a:rPr lang="pt-BR" sz="4400" dirty="0" smtClean="0"/>
-              <a:t>Identificação de estados seguros para reduzir a criação de Checkpoints sem valor. </a:t>
-            </a:r>
-            <a:endParaRPr lang="pt-BR" sz="4400" dirty="0"/>
-          </a:p>
-        </p:txBody>
-      </p:sp>
-      <p:sp>
-        <p:nvSpPr>
-          <p:cNvPr id="3" name="Subtítulo 2"/>
-          <p:cNvSpPr>
-            <a:spLocks noGrp="1"/>
-          </p:cNvSpPr>
-          <p:nvPr>
-            <p:ph type="subTitle" idx="1"/>
-          </p:nvPr>
-        </p:nvSpPr>
-        <p:spPr>
-          <a:xfrm>
-            <a:off x="1449186" y="4610122"/>
-            <a:ext cx="9144000" cy="1655762"/>
-          </a:xfrm>
-        </p:spPr>
-        <p:txBody>
-          <a:bodyPr/>
-          <a:lstStyle/>
-          <a:p>
-            <a:r>
-              <a:rPr lang="pt-BR" dirty="0" smtClean="0"/>
-              <a:t>Guilherme Bizzani</a:t>
-            </a:r>
-          </a:p>
-          <a:p>
-            <a:r>
-              <a:rPr lang="pt-BR" dirty="0" smtClean="0"/>
-              <a:t>bizzani11@Hotmail.com</a:t>
-            </a:r>
-          </a:p>
-          <a:p>
-            <a:r>
-              <a:rPr lang="pt-BR" dirty="0" err="1" smtClean="0"/>
-              <a:t>Braulio</a:t>
-            </a:r>
-            <a:r>
-              <a:rPr lang="pt-BR" dirty="0" smtClean="0"/>
-              <a:t> Adriano de Mello, PhD</a:t>
-            </a:r>
+            <a:pPr>
+              <a:buFont typeface="Arial"/>
+              <a:buChar char="•"/>
+            </a:pPr>
+            <a:r>
+              <a:rPr lang="pt-BR" dirty="0" smtClean="0">
+                <a:solidFill>
+                  <a:srgbClr val="000000"/>
+                </a:solidFill>
+              </a:rPr>
+              <a:t>Tema</a:t>
+            </a:r>
+          </a:p>
+          <a:p>
+            <a:pPr>
+              <a:buFont typeface="Arial"/>
+              <a:buChar char="•"/>
+            </a:pPr>
+            <a:r>
+              <a:rPr lang="pt-BR" dirty="0" smtClean="0">
+                <a:solidFill>
+                  <a:srgbClr val="000000"/>
+                </a:solidFill>
+              </a:rPr>
+              <a:t>Contextualização (?)</a:t>
+            </a:r>
+          </a:p>
+          <a:p>
+            <a:pPr>
+              <a:buFont typeface="Arial"/>
+              <a:buChar char="•"/>
+            </a:pPr>
+            <a:r>
+              <a:rPr lang="pt-BR" dirty="0" smtClean="0">
+                <a:solidFill>
+                  <a:srgbClr val="000000"/>
+                </a:solidFill>
+              </a:rPr>
+              <a:t>Objetivo</a:t>
+            </a:r>
+          </a:p>
+          <a:p>
+            <a:pPr>
+              <a:buFont typeface="Arial"/>
+              <a:buChar char="•"/>
+            </a:pPr>
+            <a:r>
+              <a:rPr lang="pt-BR" dirty="0" smtClean="0">
+                <a:solidFill>
+                  <a:srgbClr val="000000"/>
+                </a:solidFill>
+              </a:rPr>
+              <a:t>Justificativa</a:t>
+            </a:r>
+          </a:p>
+          <a:p>
+            <a:pPr>
+              <a:buFont typeface="Arial"/>
+              <a:buChar char="•"/>
+            </a:pPr>
+            <a:r>
+              <a:rPr lang="pt-BR" dirty="0" smtClean="0">
+                <a:solidFill>
+                  <a:srgbClr val="000000"/>
+                </a:solidFill>
+              </a:rPr>
+              <a:t>Simulação</a:t>
+            </a:r>
+          </a:p>
+          <a:p>
+            <a:pPr>
+              <a:buFont typeface="Arial"/>
+              <a:buChar char="•"/>
+            </a:pPr>
+            <a:r>
+              <a:rPr lang="pt-BR" dirty="0" smtClean="0">
+                <a:solidFill>
+                  <a:srgbClr val="000000"/>
+                </a:solidFill>
+              </a:rPr>
+              <a:t>Checkpoints</a:t>
+            </a:r>
+          </a:p>
+          <a:p>
+            <a:pPr>
+              <a:buFont typeface="Arial"/>
+              <a:buChar char="•"/>
+            </a:pPr>
+            <a:r>
+              <a:rPr lang="pt-BR" dirty="0" smtClean="0">
+                <a:solidFill>
+                  <a:srgbClr val="000000"/>
+                </a:solidFill>
+              </a:rPr>
+              <a:t>DCB</a:t>
+            </a:r>
+          </a:p>
+          <a:p>
+            <a:pPr>
+              <a:buFont typeface="Arial"/>
+              <a:buChar char="•"/>
+            </a:pPr>
+            <a:r>
+              <a:rPr lang="pt-BR" dirty="0" smtClean="0">
+                <a:solidFill>
+                  <a:srgbClr val="000000"/>
+                </a:solidFill>
+              </a:rPr>
+              <a:t>Proposta</a:t>
+            </a:r>
+          </a:p>
+          <a:p>
+            <a:pPr>
+              <a:buFont typeface="Arial"/>
+              <a:buChar char="•"/>
+            </a:pPr>
+            <a:r>
+              <a:rPr lang="pt-BR" dirty="0" smtClean="0">
+                <a:solidFill>
+                  <a:srgbClr val="000000"/>
+                </a:solidFill>
+              </a:rPr>
+              <a:t>Metodologia</a:t>
+            </a:r>
+          </a:p>
+          <a:p>
+            <a:pPr>
+              <a:buFont typeface="Arial"/>
+              <a:buChar char="•"/>
+            </a:pPr>
+            <a:r>
+              <a:rPr lang="pt-BR" dirty="0" smtClean="0">
+                <a:solidFill>
+                  <a:srgbClr val="000000"/>
+                </a:solidFill>
+              </a:rPr>
+              <a:t>Referências</a:t>
+            </a:r>
+          </a:p>
+          <a:p>
+            <a:pPr>
+              <a:buFont typeface="Arial"/>
+              <a:buChar char="•"/>
+            </a:pPr>
             <a:endParaRPr lang="pt-BR" dirty="0"/>
           </a:p>
         </p:txBody>
@@ -3089,70 +3214,9 @@
           </a:ln>
         </p:spPr>
       </p:pic>
-      <p:sp>
-        <p:nvSpPr>
-          <p:cNvPr id="5" name="Título 1"/>
-          <p:cNvSpPr txBox="1">
-            <a:spLocks/>
-          </p:cNvSpPr>
-          <p:nvPr/>
-        </p:nvSpPr>
-        <p:spPr>
-          <a:xfrm>
-            <a:off x="1524000" y="858959"/>
-            <a:ext cx="9144000" cy="944163"/>
-          </a:xfrm>
-          <a:prstGeom prst="rect">
-            <a:avLst/>
-          </a:prstGeom>
-        </p:spPr>
-        <p:txBody>
-          <a:bodyPr vert="horz" lIns="91440" tIns="45720" rIns="91440" bIns="45720" rtlCol="0" anchor="b">
-            <a:normAutofit/>
-          </a:bodyPr>
-          <a:lstStyle>
-            <a:lvl1pPr algn="ctr" defTabSz="914400" rtl="0" eaLnBrk="1" latinLnBrk="0" hangingPunct="1">
-              <a:lnSpc>
-                <a:spcPct val="90000"/>
-              </a:lnSpc>
-              <a:spcBef>
-                <a:spcPct val="0"/>
-              </a:spcBef>
-              <a:buNone/>
-              <a:defRPr sz="6000" kern="1200">
-                <a:solidFill>
-                  <a:schemeClr val="tx1"/>
-                </a:solidFill>
-                <a:latin typeface="+mj-lt"/>
-                <a:ea typeface="+mj-ea"/>
-                <a:cs typeface="+mj-cs"/>
-              </a:defRPr>
-            </a:lvl1pPr>
-          </a:lstStyle>
-          <a:p>
-            <a:r>
-              <a:rPr lang="pt-BR" sz="4400" b="1" dirty="0" smtClean="0">
-                <a:solidFill>
-                  <a:schemeClr val="accent6">
-                    <a:lumMod val="75000"/>
-                  </a:schemeClr>
-                </a:solidFill>
-              </a:rPr>
-              <a:t>Universidade Federal da Fronteira Sul</a:t>
-            </a:r>
-            <a:endParaRPr lang="pt-BR" sz="4400" b="1" dirty="0">
-              <a:solidFill>
-                <a:schemeClr val="accent6">
-                  <a:lumMod val="75000"/>
-                </a:schemeClr>
-              </a:solidFill>
-            </a:endParaRPr>
-          </a:p>
-        </p:txBody>
-      </p:sp>
       <p:pic>
         <p:nvPicPr>
-          <p:cNvPr id="6" name="Imagem 5"/>
+          <p:cNvPr id="5" name="Imagem 4"/>
           <p:cNvPicPr>
             <a:picLocks noChangeAspect="1"/>
           </p:cNvPicPr>
@@ -3177,13 +3241,20 @@
     </p:spTree>
     <p:extLst>
       <p:ext uri="{BB962C8B-B14F-4D97-AF65-F5344CB8AC3E}">
-        <p14:creationId xmlns:p14="http://schemas.microsoft.com/office/powerpoint/2010/main" val="649673133"/>
+        <p14:creationId xmlns:p14="http://schemas.microsoft.com/office/powerpoint/2010/main" val="487738989"/>
       </p:ext>
     </p:extLst>
   </p:cSld>
   <p:clrMapOvr>
     <a:masterClrMapping/>
   </p:clrMapOvr>
+  <p:timing>
+    <p:tnLst>
+      <p:par>
+        <p:cTn id="1" dur="indefinite" restart="never" nodeType="tmRoot"/>
+      </p:par>
+    </p:tnLst>
+  </p:timing>
 </p:sld>
 </file>
 
@@ -3226,11 +3297,7 @@
           <a:p>
             <a:r>
               <a:rPr lang="pt-BR" dirty="0" smtClean="0"/>
-              <a:t>Rollback baseado em </a:t>
-            </a:r>
-            <a:r>
-              <a:rPr lang="pt-BR" dirty="0" smtClean="0"/>
-              <a:t>Checkpoints</a:t>
+              <a:t>Rollback baseado em Checkpoints</a:t>
             </a:r>
             <a:endParaRPr lang="pt-BR" dirty="0"/>
           </a:p>
@@ -3259,9 +3326,8 @@
             </a:pPr>
             <a:r>
               <a:rPr lang="pt-BR" dirty="0" smtClean="0"/>
-              <a:t>Checkpoints Induzidos a Comunicação</a:t>
-            </a:r>
-            <a:endParaRPr lang="pt-BR" dirty="0" smtClean="0"/>
+              <a:t>Checkpoints Não-Coordenados</a:t>
+            </a:r>
           </a:p>
           <a:p>
             <a:pPr>
@@ -3348,8 +3414,8 @@
         </p:blipFill>
         <p:spPr>
           <a:xfrm>
-            <a:off x="2158025" y="2579100"/>
-            <a:ext cx="7875950" cy="3061054"/>
+            <a:off x="2685705" y="2813594"/>
+            <a:ext cx="6820590" cy="2375399"/>
           </a:xfrm>
           <a:prstGeom prst="rect">
             <a:avLst/>
@@ -3359,7 +3425,7 @@
     </p:spTree>
     <p:extLst>
       <p:ext uri="{BB962C8B-B14F-4D97-AF65-F5344CB8AC3E}">
-        <p14:creationId xmlns:p14="http://schemas.microsoft.com/office/powerpoint/2010/main" val="2869449000"/>
+        <p14:creationId xmlns:p14="http://schemas.microsoft.com/office/powerpoint/2010/main" val="2388306146"/>
       </p:ext>
     </p:extLst>
   </p:cSld>
@@ -3408,7 +3474,7 @@
           <a:p>
             <a:r>
               <a:rPr lang="pt-BR" dirty="0" smtClean="0"/>
-              <a:t>Distributed Co-Simulation Backbone</a:t>
+              <a:t>Rollback baseado em Checkpoints</a:t>
             </a:r>
             <a:endParaRPr lang="pt-BR" dirty="0"/>
           </a:p>
@@ -3437,9 +3503,8 @@
             </a:pPr>
             <a:r>
               <a:rPr lang="pt-BR" dirty="0" smtClean="0"/>
-              <a:t>O DCB é baseado na arquitetura HLA (High Level Architecture)</a:t>
-            </a:r>
-            <a:endParaRPr lang="pt-BR" dirty="0" smtClean="0"/>
+              <a:t>Checkpoints Induzidos a Comunicação</a:t>
+            </a:r>
           </a:p>
           <a:p>
             <a:pPr>
@@ -3512,7 +3577,7 @@
       </p:pic>
       <p:pic>
         <p:nvPicPr>
-          <p:cNvPr id="7" name="Imagem 6"/>
+          <p:cNvPr id="6" name="Imagem 5"/>
           <p:cNvPicPr>
             <a:picLocks noChangeAspect="1"/>
           </p:cNvPicPr>
@@ -3526,32 +3591,8 @@
         </p:blipFill>
         <p:spPr>
           <a:xfrm>
-            <a:off x="449625" y="3313077"/>
-            <a:ext cx="6665646" cy="3316242"/>
-          </a:xfrm>
-          <a:prstGeom prst="rect">
-            <a:avLst/>
-          </a:prstGeom>
-        </p:spPr>
-      </p:pic>
-      <p:pic>
-        <p:nvPicPr>
-          <p:cNvPr id="6" name="Imagem 5"/>
-          <p:cNvPicPr>
-            <a:picLocks noChangeAspect="1"/>
-          </p:cNvPicPr>
-          <p:nvPr/>
-        </p:nvPicPr>
-        <p:blipFill>
-          <a:blip r:embed="rId5"/>
-          <a:stretch>
-            <a:fillRect/>
-          </a:stretch>
-        </p:blipFill>
-        <p:spPr>
-          <a:xfrm>
-            <a:off x="5313001" y="2519383"/>
-            <a:ext cx="6766704" cy="2678259"/>
+            <a:off x="2158025" y="2579100"/>
+            <a:ext cx="7875950" cy="3061054"/>
           </a:xfrm>
           <a:prstGeom prst="rect">
             <a:avLst/>
@@ -3561,7 +3602,7 @@
     </p:spTree>
     <p:extLst>
       <p:ext uri="{BB962C8B-B14F-4D97-AF65-F5344CB8AC3E}">
-        <p14:creationId xmlns:p14="http://schemas.microsoft.com/office/powerpoint/2010/main" val="2490051159"/>
+        <p14:creationId xmlns:p14="http://schemas.microsoft.com/office/powerpoint/2010/main" val="2869449000"/>
       </p:ext>
     </p:extLst>
   </p:cSld>
@@ -3610,7 +3651,7 @@
           <a:p>
             <a:r>
               <a:rPr lang="pt-BR" dirty="0" smtClean="0"/>
-              <a:t>Proposta</a:t>
+              <a:t>Distributed Co-Simulation Backbone</a:t>
             </a:r>
             <a:endParaRPr lang="pt-BR" dirty="0"/>
           </a:p>
@@ -3639,7 +3680,7 @@
             </a:pPr>
             <a:r>
               <a:rPr lang="pt-BR" dirty="0" smtClean="0"/>
-              <a:t>A proposta deste projeto é desenvolver um mecanismo de identificação de estados seguros para a criação de checkpoints no DCB.</a:t>
+              <a:t>O DCB é baseado na arquitetura HLA (High Level Architecture)</a:t>
             </a:r>
           </a:p>
           <a:p>
@@ -3647,14 +3688,11 @@
               <a:buFont typeface="Arial"/>
               <a:buChar char="•"/>
             </a:pPr>
-            <a:r>
-              <a:rPr lang="pt-BR" dirty="0" smtClean="0">
-                <a:solidFill>
-                  <a:srgbClr val="000000"/>
-                </a:solidFill>
-              </a:rPr>
-              <a:t>Estratégias a serem seguidas: Checkpoints Não-Coordenados e Checkpoints Induzidos a Comunicação.</a:t>
-            </a:r>
+            <a:endParaRPr lang="pt-BR" dirty="0" smtClean="0">
+              <a:solidFill>
+                <a:srgbClr val="000000"/>
+              </a:solidFill>
+            </a:endParaRPr>
           </a:p>
         </p:txBody>
       </p:sp>
@@ -3714,10 +3752,58 @@
           </a:prstGeom>
         </p:spPr>
       </p:pic>
+      <p:pic>
+        <p:nvPicPr>
+          <p:cNvPr id="7" name="Imagem 6"/>
+          <p:cNvPicPr>
+            <a:picLocks noChangeAspect="1"/>
+          </p:cNvPicPr>
+          <p:nvPr/>
+        </p:nvPicPr>
+        <p:blipFill>
+          <a:blip r:embed="rId4"/>
+          <a:stretch>
+            <a:fillRect/>
+          </a:stretch>
+        </p:blipFill>
+        <p:spPr>
+          <a:xfrm>
+            <a:off x="449625" y="3313077"/>
+            <a:ext cx="6665646" cy="3316242"/>
+          </a:xfrm>
+          <a:prstGeom prst="rect">
+            <a:avLst/>
+          </a:prstGeom>
+        </p:spPr>
+      </p:pic>
+      <p:pic>
+        <p:nvPicPr>
+          <p:cNvPr id="6" name="Imagem 5"/>
+          <p:cNvPicPr>
+            <a:picLocks noChangeAspect="1"/>
+          </p:cNvPicPr>
+          <p:nvPr/>
+        </p:nvPicPr>
+        <p:blipFill>
+          <a:blip r:embed="rId5"/>
+          <a:stretch>
+            <a:fillRect/>
+          </a:stretch>
+        </p:blipFill>
+        <p:spPr>
+          <a:xfrm>
+            <a:off x="5313001" y="2519383"/>
+            <a:ext cx="6766704" cy="2678259"/>
+          </a:xfrm>
+          <a:prstGeom prst="rect">
+            <a:avLst/>
+          </a:prstGeom>
+        </p:spPr>
+      </p:pic>
     </p:spTree>
     <p:extLst>
       <p:ext uri="{BB962C8B-B14F-4D97-AF65-F5344CB8AC3E}">
-        <p14:creationId xmlns:p14="http://schemas.microsoft.com/office/powerpoint/2010/main" val="79228887"/>
+        <p14:creationId xmlns:p14="http://schemas.microsoft.com/office/powerpoint/2010/main" val="2490051159"/>
       </p:ext>
     </p:extLst>
   </p:cSld>
@@ -3766,7 +3852,7 @@
           <a:p>
             <a:r>
               <a:rPr lang="pt-BR" dirty="0" smtClean="0"/>
-              <a:t>Metodologia</a:t>
+              <a:t>Proposta</a:t>
             </a:r>
             <a:endParaRPr lang="pt-BR" dirty="0"/>
           </a:p>
@@ -3795,7 +3881,7 @@
             </a:pPr>
             <a:r>
               <a:rPr lang="pt-BR" dirty="0" smtClean="0"/>
-              <a:t>A partir de [Elnozahy, 2002] e [Mello, 2005] foi realizado uma pesquisa por outros trabalhos.</a:t>
+              <a:t>A proposta deste projeto é desenvolver um mecanismo de identificação de estados seguros para a criação de checkpoints no DCB.</a:t>
             </a:r>
           </a:p>
           <a:p>
@@ -3804,70 +3890,13 @@
               <a:buChar char="•"/>
             </a:pPr>
             <a:r>
-              <a:rPr lang="pt-BR" dirty="0" smtClean="0"/>
-              <a:t>Projeto dividido em 5 etapas:</a:t>
-            </a:r>
-          </a:p>
-          <a:p>
-            <a:pPr marL="514350" indent="-514350">
-              <a:buFont typeface="+mj-lt"/>
-              <a:buAutoNum type="arabicPeriod"/>
-            </a:pPr>
-            <a:r>
-              <a:rPr lang="pt-BR" dirty="0" smtClean="0"/>
-              <a:t>Identificação de estados seguros em sistemas distribuídos.</a:t>
-            </a:r>
-          </a:p>
-          <a:p>
-            <a:pPr marL="514350" indent="-514350">
-              <a:buFont typeface="+mj-lt"/>
-              <a:buAutoNum type="arabicPeriod"/>
-            </a:pPr>
-            <a:r>
-              <a:rPr lang="pt-BR" dirty="0" smtClean="0"/>
-              <a:t>Criação de checkpoints através de estados seguros.</a:t>
-            </a:r>
-          </a:p>
-          <a:p>
-            <a:pPr marL="514350" indent="-514350">
-              <a:buFont typeface="+mj-lt"/>
-              <a:buAutoNum type="arabicPeriod"/>
-            </a:pPr>
-            <a:r>
-              <a:rPr lang="pt-BR" dirty="0" smtClean="0"/>
-              <a:t>Seleção de uma estratégia de acordo com as características do DCB.</a:t>
-            </a:r>
-          </a:p>
-          <a:p>
-            <a:pPr marL="514350" indent="-514350">
-              <a:buFont typeface="+mj-lt"/>
-              <a:buAutoNum type="arabicPeriod"/>
-            </a:pPr>
-            <a:r>
-              <a:rPr lang="pt-BR" dirty="0" smtClean="0"/>
-              <a:t>Implementação da criação de Checkpoints no DCB.</a:t>
-            </a:r>
-          </a:p>
-          <a:p>
-            <a:pPr marL="514350" indent="-514350">
-              <a:buFont typeface="+mj-lt"/>
-              <a:buAutoNum type="arabicPeriod"/>
-            </a:pPr>
-            <a:r>
-              <a:rPr lang="pt-BR" dirty="0" smtClean="0"/>
-              <a:t>Criação de um estudo de caso para validação dos resultados.</a:t>
-            </a:r>
-          </a:p>
-          <a:p>
-            <a:pPr>
-              <a:buFont typeface="Arial"/>
-              <a:buChar char="•"/>
-            </a:pPr>
-            <a:endParaRPr lang="pt-BR" dirty="0" smtClean="0">
-              <a:solidFill>
-                <a:srgbClr val="000000"/>
-              </a:solidFill>
-            </a:endParaRPr>
+              <a:rPr lang="pt-BR" dirty="0" smtClean="0">
+                <a:solidFill>
+                  <a:srgbClr val="000000"/>
+                </a:solidFill>
+              </a:rPr>
+              <a:t>Estratégias a serem seguidas: Checkpoints Não-Coordenados e Checkpoints Induzidos a Comunicação.</a:t>
+            </a:r>
           </a:p>
         </p:txBody>
       </p:sp>
@@ -3930,7 +3959,7 @@
     </p:spTree>
     <p:extLst>
       <p:ext uri="{BB962C8B-B14F-4D97-AF65-F5344CB8AC3E}">
-        <p14:creationId xmlns:p14="http://schemas.microsoft.com/office/powerpoint/2010/main" val="2744778922"/>
+        <p14:creationId xmlns:p14="http://schemas.microsoft.com/office/powerpoint/2010/main" val="79228887"/>
       </p:ext>
     </p:extLst>
   </p:cSld>
@@ -3979,9 +4008,108 @@
           <a:p>
             <a:r>
               <a:rPr lang="pt-BR" dirty="0" smtClean="0"/>
-              <a:t>Cronograma</a:t>
+              <a:t>Metodologia</a:t>
             </a:r>
             <a:endParaRPr lang="pt-BR" dirty="0"/>
+          </a:p>
+        </p:txBody>
+      </p:sp>
+      <p:sp>
+        <p:nvSpPr>
+          <p:cNvPr id="3" name="Espaço Reservado para Conteúdo 2"/>
+          <p:cNvSpPr>
+            <a:spLocks noGrp="1"/>
+          </p:cNvSpPr>
+          <p:nvPr>
+            <p:ph idx="1"/>
+          </p:nvPr>
+        </p:nvSpPr>
+        <p:spPr/>
+        <p:txBody>
+          <a:bodyPr>
+            <a:normAutofit/>
+          </a:bodyPr>
+          <a:lstStyle/>
+          <a:p>
+            <a:pPr>
+              <a:buFont typeface="Arial"/>
+              <a:buChar char="•"/>
+            </a:pPr>
+            <a:r>
+              <a:rPr lang="pt-BR" dirty="0" smtClean="0"/>
+              <a:t>A partir de [Elnozahy, 2002] e [Mello, 2005] foi realizado uma pesquisa por outros trabalhos.</a:t>
+            </a:r>
+          </a:p>
+          <a:p>
+            <a:pPr>
+              <a:buFont typeface="Arial"/>
+              <a:buChar char="•"/>
+            </a:pPr>
+            <a:r>
+              <a:rPr lang="pt-BR" dirty="0" smtClean="0"/>
+              <a:t>Projeto dividido em 5 etapas:</a:t>
+            </a:r>
+          </a:p>
+          <a:p>
+            <a:pPr marL="514350" indent="-514350">
+              <a:buFont typeface="+mj-lt"/>
+              <a:buAutoNum type="arabicPeriod"/>
+            </a:pPr>
+            <a:r>
+              <a:rPr lang="pt-BR" dirty="0" smtClean="0"/>
+              <a:t>Identificação de estados seguros em sistemas distribuídos.</a:t>
+            </a:r>
+          </a:p>
+          <a:p>
+            <a:pPr marL="514350" indent="-514350">
+              <a:buFont typeface="+mj-lt"/>
+              <a:buAutoNum type="arabicPeriod"/>
+            </a:pPr>
+            <a:r>
+              <a:rPr lang="pt-BR" dirty="0" smtClean="0"/>
+              <a:t>Criação de checkpoints através de estados seguros.</a:t>
+            </a:r>
+          </a:p>
+          <a:p>
+            <a:pPr marL="514350" indent="-514350">
+              <a:buFont typeface="+mj-lt"/>
+              <a:buAutoNum type="arabicPeriod"/>
+            </a:pPr>
+            <a:r>
+              <a:rPr lang="pt-BR" dirty="0" smtClean="0"/>
+              <a:t>Seleção de uma estratégia de acordo com as características do DCB.</a:t>
+            </a:r>
+          </a:p>
+          <a:p>
+            <a:pPr marL="514350" indent="-514350">
+              <a:buFont typeface="+mj-lt"/>
+              <a:buAutoNum type="arabicPeriod"/>
+            </a:pPr>
+            <a:r>
+              <a:rPr lang="pt-BR" dirty="0" smtClean="0"/>
+              <a:t>Implementação da criação de Checkpoints no DCB.</a:t>
+            </a:r>
+          </a:p>
+          <a:p>
+            <a:pPr marL="514350" indent="-514350">
+              <a:buFont typeface="+mj-lt"/>
+              <a:buAutoNum type="arabicPeriod"/>
+            </a:pPr>
+            <a:r>
+              <a:rPr lang="pt-BR" dirty="0" smtClean="0"/>
+              <a:t>Criação de um estudo de caso para validação dos resultados.</a:t>
+            </a:r>
+          </a:p>
+          <a:p>
+            <a:pPr>
+              <a:buFont typeface="Arial"/>
+              <a:buChar char="•"/>
+            </a:pPr>
+            <a:endParaRPr lang="pt-BR" dirty="0" smtClean="0">
+              <a:solidFill>
+                <a:srgbClr val="000000"/>
+              </a:solidFill>
+            </a:endParaRPr>
           </a:p>
         </p:txBody>
       </p:sp>
@@ -4041,6 +4169,120 @@
           </a:prstGeom>
         </p:spPr>
       </p:pic>
+    </p:spTree>
+    <p:extLst>
+      <p:ext uri="{BB962C8B-B14F-4D97-AF65-F5344CB8AC3E}">
+        <p14:creationId xmlns:p14="http://schemas.microsoft.com/office/powerpoint/2010/main" val="2744778922"/>
+      </p:ext>
+    </p:extLst>
+  </p:cSld>
+  <p:clrMapOvr>
+    <a:masterClrMapping/>
+  </p:clrMapOvr>
+</p:sld>
+</file>
+
+<file path=ppt/slides/slide15.xml><?xml version="1.0" encoding="utf-8"?>
+<p:sld xmlns:a="http://schemas.openxmlformats.org/drawingml/2006/main" xmlns:r="http://schemas.openxmlformats.org/officeDocument/2006/relationships" xmlns:p="http://schemas.openxmlformats.org/presentationml/2006/main">
+  <p:cSld>
+    <p:spTree>
+      <p:nvGrpSpPr>
+        <p:cNvPr id="1" name=""/>
+        <p:cNvGrpSpPr/>
+        <p:nvPr/>
+      </p:nvGrpSpPr>
+      <p:grpSpPr>
+        <a:xfrm>
+          <a:off x="0" y="0"/>
+          <a:ext cx="0" cy="0"/>
+          <a:chOff x="0" y="0"/>
+          <a:chExt cx="0" cy="0"/>
+        </a:xfrm>
+      </p:grpSpPr>
+      <p:sp>
+        <p:nvSpPr>
+          <p:cNvPr id="2" name="Título 1"/>
+          <p:cNvSpPr>
+            <a:spLocks noGrp="1"/>
+          </p:cNvSpPr>
+          <p:nvPr>
+            <p:ph type="title"/>
+          </p:nvPr>
+        </p:nvSpPr>
+        <p:spPr>
+          <a:xfrm>
+            <a:off x="838200" y="679511"/>
+            <a:ext cx="10515600" cy="1325563"/>
+          </a:xfrm>
+        </p:spPr>
+        <p:txBody>
+          <a:bodyPr/>
+          <a:lstStyle/>
+          <a:p>
+            <a:r>
+              <a:rPr lang="pt-BR" dirty="0" smtClean="0"/>
+              <a:t>Cronograma</a:t>
+            </a:r>
+            <a:endParaRPr lang="pt-BR" dirty="0"/>
+          </a:p>
+        </p:txBody>
+      </p:sp>
+      <p:pic>
+        <p:nvPicPr>
+          <p:cNvPr id="4" name="Picture 2"/>
+          <p:cNvPicPr>
+            <a:picLocks noChangeAspect="1"/>
+          </p:cNvPicPr>
+          <p:nvPr/>
+        </p:nvPicPr>
+        <p:blipFill>
+          <a:blip r:embed="rId2">
+            <a:lum bright="-50000"/>
+            <a:alphaModFix/>
+          </a:blip>
+          <a:srcRect/>
+          <a:stretch>
+            <a:fillRect/>
+          </a:stretch>
+        </p:blipFill>
+        <p:spPr>
+          <a:xfrm>
+            <a:off x="58320" y="-171360"/>
+            <a:ext cx="2107800" cy="1030319"/>
+          </a:xfrm>
+          <a:prstGeom prst="rect">
+            <a:avLst/>
+          </a:prstGeom>
+          <a:noFill/>
+          <a:ln>
+            <a:noFill/>
+          </a:ln>
+        </p:spPr>
+      </p:pic>
+      <p:pic>
+        <p:nvPicPr>
+          <p:cNvPr id="5" name="Imagem 4"/>
+          <p:cNvPicPr>
+            <a:picLocks noChangeAspect="1"/>
+          </p:cNvPicPr>
+          <p:nvPr/>
+        </p:nvPicPr>
+        <p:blipFill>
+          <a:blip r:embed="rId3"/>
+          <a:stretch>
+            <a:fillRect/>
+          </a:stretch>
+        </p:blipFill>
+        <p:spPr>
+          <a:xfrm>
+            <a:off x="11171163" y="0"/>
+            <a:ext cx="1020837" cy="1373269"/>
+          </a:xfrm>
+          <a:prstGeom prst="rect">
+            <a:avLst/>
+          </a:prstGeom>
+        </p:spPr>
+      </p:pic>
       <p:pic>
         <p:nvPicPr>
           <p:cNvPr id="7" name="Imagem 6"/>
@@ -4078,7 +4320,7 @@
 </p:sld>
 </file>
 
-<file path=ppt/slides/slide15.xml><?xml version="1.0" encoding="utf-8"?>
+<file path=ppt/slides/slide16.xml><?xml version="1.0" encoding="utf-8"?>
 <p:sld xmlns:a="http://schemas.openxmlformats.org/drawingml/2006/main" xmlns:r="http://schemas.openxmlformats.org/officeDocument/2006/relationships" xmlns:p="http://schemas.openxmlformats.org/presentationml/2006/main">
   <p:cSld>
     <p:spTree>
@@ -4255,13 +4497,43 @@
             <a:spLocks noGrp="1"/>
           </p:cNvSpPr>
           <p:nvPr>
-            <p:ph type="title"/>
-          </p:nvPr>
-        </p:nvSpPr>
-        <p:spPr>
-          <a:xfrm>
-            <a:off x="838200" y="679511"/>
-            <a:ext cx="10515600" cy="1325563"/>
+            <p:ph type="ctrTitle"/>
+          </p:nvPr>
+        </p:nvSpPr>
+        <p:spPr>
+          <a:xfrm>
+            <a:off x="1524000" y="2012822"/>
+            <a:ext cx="9144000" cy="2387600"/>
+          </a:xfrm>
+        </p:spPr>
+        <p:txBody>
+          <a:bodyPr>
+            <a:normAutofit/>
+          </a:bodyPr>
+          <a:lstStyle/>
+          <a:p>
+            <a:r>
+              <a:rPr lang="pt-BR" sz="4400" dirty="0" smtClean="0"/>
+              <a:t>Identificação de estados seguros para reduzir a criação de Checkpoints sem valor. </a:t>
+            </a:r>
+            <a:endParaRPr lang="pt-BR" sz="4400" dirty="0"/>
+          </a:p>
+        </p:txBody>
+      </p:sp>
+      <p:sp>
+        <p:nvSpPr>
+          <p:cNvPr id="3" name="Subtítulo 2"/>
+          <p:cNvSpPr>
+            <a:spLocks noGrp="1"/>
+          </p:cNvSpPr>
+          <p:nvPr>
+            <p:ph type="subTitle" idx="1"/>
+          </p:nvPr>
+        </p:nvSpPr>
+        <p:spPr>
+          <a:xfrm>
+            <a:off x="1449186" y="4610122"/>
+            <a:ext cx="9144000" cy="1655762"/>
           </a:xfrm>
         </p:spPr>
         <p:txBody>
@@ -4270,178 +4542,20 @@
           <a:p>
             <a:r>
               <a:rPr lang="pt-BR" dirty="0" smtClean="0"/>
-              <a:t>Sumário</a:t>
-            </a:r>
-            <a:endParaRPr lang="pt-BR" dirty="0"/>
-          </a:p>
-        </p:txBody>
-      </p:sp>
-      <p:sp>
-        <p:nvSpPr>
-          <p:cNvPr id="3" name="Espaço Reservado para Conteúdo 2"/>
-          <p:cNvSpPr>
-            <a:spLocks noGrp="1"/>
-          </p:cNvSpPr>
-          <p:nvPr>
-            <p:ph idx="1"/>
-          </p:nvPr>
-        </p:nvSpPr>
-        <p:spPr>
-          <a:xfrm>
-            <a:off x="838200" y="1825624"/>
-            <a:ext cx="10515600" cy="4458797"/>
-          </a:xfrm>
-        </p:spPr>
-        <p:txBody>
-          <a:bodyPr>
-            <a:normAutofit fontScale="92500" lnSpcReduction="10000"/>
-          </a:bodyPr>
-          <a:lstStyle/>
-          <a:p>
-            <a:pPr>
-              <a:buFont typeface="Arial"/>
-              <a:buChar char="•"/>
-            </a:pPr>
-            <a:r>
-              <a:rPr lang="pt-BR" dirty="0" smtClean="0">
-                <a:solidFill>
-                  <a:srgbClr val="000000"/>
-                </a:solidFill>
-              </a:rPr>
-              <a:t>Tema</a:t>
-            </a:r>
-          </a:p>
-          <a:p>
-            <a:pPr>
-              <a:buFont typeface="Arial"/>
-              <a:buChar char="•"/>
-            </a:pPr>
-            <a:r>
-              <a:rPr lang="pt-BR" dirty="0" smtClean="0">
-                <a:solidFill>
-                  <a:srgbClr val="000000"/>
-                </a:solidFill>
-              </a:rPr>
-              <a:t>Contextualização (?)</a:t>
-            </a:r>
-          </a:p>
-          <a:p>
-            <a:pPr>
-              <a:buFont typeface="Arial"/>
-              <a:buChar char="•"/>
-            </a:pPr>
-            <a:r>
-              <a:rPr lang="pt-BR" dirty="0" smtClean="0">
-                <a:solidFill>
-                  <a:srgbClr val="000000"/>
-                </a:solidFill>
-              </a:rPr>
-              <a:t>Objetivo</a:t>
-            </a:r>
-          </a:p>
-          <a:p>
-            <a:pPr>
-              <a:buFont typeface="Arial"/>
-              <a:buChar char="•"/>
-            </a:pPr>
-            <a:r>
-              <a:rPr lang="pt-BR" dirty="0" smtClean="0">
-                <a:solidFill>
-                  <a:srgbClr val="000000"/>
-                </a:solidFill>
-              </a:rPr>
-              <a:t>Justificativa</a:t>
-            </a:r>
-          </a:p>
-          <a:p>
-            <a:pPr>
-              <a:buFont typeface="Arial"/>
-              <a:buChar char="•"/>
-            </a:pPr>
-            <a:r>
-              <a:rPr lang="pt-BR" dirty="0" smtClean="0">
-                <a:solidFill>
-                  <a:srgbClr val="000000"/>
-                </a:solidFill>
-              </a:rPr>
-              <a:t>Simulação</a:t>
-            </a:r>
-          </a:p>
-          <a:p>
-            <a:pPr>
-              <a:buFont typeface="Arial"/>
-              <a:buChar char="•"/>
-            </a:pPr>
-            <a:r>
-              <a:rPr lang="pt-BR" dirty="0" smtClean="0">
-                <a:solidFill>
-                  <a:srgbClr val="000000"/>
-                </a:solidFill>
-              </a:rPr>
-              <a:t>Checkpoints</a:t>
-            </a:r>
-          </a:p>
-          <a:p>
-            <a:pPr>
-              <a:buFont typeface="Arial"/>
-              <a:buChar char="•"/>
-            </a:pPr>
-            <a:r>
-              <a:rPr lang="pt-BR" dirty="0" smtClean="0">
-                <a:solidFill>
-                  <a:srgbClr val="000000"/>
-                </a:solidFill>
-              </a:rPr>
-              <a:t>DCB</a:t>
-            </a:r>
-          </a:p>
-          <a:p>
-            <a:pPr>
-              <a:buFont typeface="Arial"/>
-              <a:buChar char="•"/>
-            </a:pPr>
-            <a:r>
-              <a:rPr lang="pt-BR" dirty="0" smtClean="0">
-                <a:solidFill>
-                  <a:srgbClr val="000000"/>
-                </a:solidFill>
-              </a:rPr>
-              <a:t>Proposta</a:t>
-            </a:r>
-          </a:p>
-          <a:p>
-            <a:pPr>
-              <a:buFont typeface="Arial"/>
-              <a:buChar char="•"/>
-            </a:pPr>
-            <a:r>
-              <a:rPr lang="pt-BR" dirty="0" smtClean="0">
-                <a:solidFill>
-                  <a:srgbClr val="000000"/>
-                </a:solidFill>
-              </a:rPr>
-              <a:t>Metodologia</a:t>
-            </a:r>
-          </a:p>
-          <a:p>
-            <a:pPr>
-              <a:buFont typeface="Arial"/>
-              <a:buChar char="•"/>
-            </a:pPr>
-            <a:r>
-              <a:rPr lang="pt-BR" dirty="0" smtClean="0">
-                <a:solidFill>
-                  <a:srgbClr val="000000"/>
-                </a:solidFill>
-              </a:rPr>
-              <a:t>Referências</a:t>
-            </a:r>
-          </a:p>
-          <a:p>
-            <a:pPr>
-              <a:buFont typeface="Arial"/>
-              <a:buChar char="•"/>
-            </a:pPr>
+              <a:t>Guilherme Bizzani</a:t>
+            </a:r>
+          </a:p>
+          <a:p>
+            <a:r>
+              <a:rPr lang="pt-BR" dirty="0" smtClean="0"/>
+              <a:t>bizzani11@Hotmail.com</a:t>
+            </a:r>
+          </a:p>
+          <a:p>
+            <a:r>
+              <a:rPr lang="pt-BR" dirty="0" smtClean="0"/>
+              <a:t>Braulio Adriano de Mello, PhD</a:t>
+            </a:r>
             <a:endParaRPr lang="pt-BR" dirty="0"/>
           </a:p>
         </p:txBody>
@@ -4478,9 +4592,70 @@
           </a:ln>
         </p:spPr>
       </p:pic>
+      <p:sp>
+        <p:nvSpPr>
+          <p:cNvPr id="5" name="Título 1"/>
+          <p:cNvSpPr txBox="1">
+            <a:spLocks/>
+          </p:cNvSpPr>
+          <p:nvPr/>
+        </p:nvSpPr>
+        <p:spPr>
+          <a:xfrm>
+            <a:off x="1524000" y="858959"/>
+            <a:ext cx="9144000" cy="944163"/>
+          </a:xfrm>
+          <a:prstGeom prst="rect">
+            <a:avLst/>
+          </a:prstGeom>
+        </p:spPr>
+        <p:txBody>
+          <a:bodyPr vert="horz" lIns="91440" tIns="45720" rIns="91440" bIns="45720" rtlCol="0" anchor="b">
+            <a:normAutofit/>
+          </a:bodyPr>
+          <a:lstStyle>
+            <a:lvl1pPr algn="ctr" defTabSz="914400" rtl="0" eaLnBrk="1" latinLnBrk="0" hangingPunct="1">
+              <a:lnSpc>
+                <a:spcPct val="90000"/>
+              </a:lnSpc>
+              <a:spcBef>
+                <a:spcPct val="0"/>
+              </a:spcBef>
+              <a:buNone/>
+              <a:defRPr sz="6000" kern="1200">
+                <a:solidFill>
+                  <a:schemeClr val="tx1"/>
+                </a:solidFill>
+                <a:latin typeface="+mj-lt"/>
+                <a:ea typeface="+mj-ea"/>
+                <a:cs typeface="+mj-cs"/>
+              </a:defRPr>
+            </a:lvl1pPr>
+          </a:lstStyle>
+          <a:p>
+            <a:r>
+              <a:rPr lang="pt-BR" sz="4400" b="1" dirty="0" smtClean="0">
+                <a:solidFill>
+                  <a:schemeClr val="accent6">
+                    <a:lumMod val="75000"/>
+                  </a:schemeClr>
+                </a:solidFill>
+              </a:rPr>
+              <a:t>Universidade Federal da Fronteira Sul</a:t>
+            </a:r>
+            <a:endParaRPr lang="pt-BR" sz="4400" b="1" dirty="0">
+              <a:solidFill>
+                <a:schemeClr val="accent6">
+                  <a:lumMod val="75000"/>
+                </a:schemeClr>
+              </a:solidFill>
+            </a:endParaRPr>
+          </a:p>
+        </p:txBody>
+      </p:sp>
       <p:pic>
         <p:nvPicPr>
-          <p:cNvPr id="5" name="Imagem 4"/>
+          <p:cNvPr id="6" name="Imagem 5"/>
           <p:cNvPicPr>
             <a:picLocks noChangeAspect="1"/>
           </p:cNvPicPr>
@@ -4505,13 +4680,20 @@
     </p:spTree>
     <p:extLst>
       <p:ext uri="{BB962C8B-B14F-4D97-AF65-F5344CB8AC3E}">
-        <p14:creationId xmlns:p14="http://schemas.microsoft.com/office/powerpoint/2010/main" val="487738989"/>
+        <p14:creationId xmlns:p14="http://schemas.microsoft.com/office/powerpoint/2010/main" val="649673133"/>
       </p:ext>
     </p:extLst>
   </p:cSld>
   <p:clrMapOvr>
     <a:masterClrMapping/>
   </p:clrMapOvr>
+  <p:timing>
+    <p:tnLst>
+      <p:par>
+        <p:cTn id="1" dur="indefinite" restart="never" nodeType="tmRoot"/>
+      </p:par>
+    </p:tnLst>
+  </p:timing>
 </p:sld>
 </file>
 
@@ -4582,8 +4764,12 @@
               <a:buChar char="•"/>
             </a:pPr>
             <a:r>
+              <a:rPr lang="pt-BR" dirty="0" smtClean="0"/>
+              <a:t>Este projeto de trabalho de conclusão de curso </a:t>
+            </a:r>
+            <a:r>
               <a:rPr lang="pt-BR" dirty="0"/>
-              <a:t>Esta proposta de trabalho aborda estratégias para a identificação de estados seguros </a:t>
+              <a:t>aborda estratégias para a identificação de estados seguros </a:t>
             </a:r>
             <a:r>
               <a:rPr lang="pt-BR" dirty="0" smtClean="0"/>
@@ -4685,6 +4871,13 @@
   <p:clrMapOvr>
     <a:masterClrMapping/>
   </p:clrMapOvr>
+  <p:timing>
+    <p:tnLst>
+      <p:par>
+        <p:cTn id="1" dur="indefinite" restart="never" nodeType="tmRoot"/>
+      </p:par>
+    </p:tnLst>
+  </p:timing>
 </p:sld>
 </file>
 
@@ -4755,8 +4948,12 @@
               <a:buChar char="•"/>
             </a:pPr>
             <a:r>
+              <a:rPr lang="pt-BR" dirty="0"/>
+              <a:t>Analisar estratégias de identificação de estados seguros para a criação de Checkpoints</a:t>
+            </a:r>
+            <a:r>
               <a:rPr lang="pt-BR" dirty="0" smtClean="0"/>
-              <a:t>Estudar técnicas de identificação de estados seguros.</a:t>
+              <a:t>.</a:t>
             </a:r>
           </a:p>
           <a:p>
@@ -4765,8 +4962,20 @@
               <a:buChar char="•"/>
             </a:pPr>
             <a:r>
-              <a:rPr lang="pt-BR" dirty="0" smtClean="0"/>
-              <a:t>Identificar estratégias de criação de Checkpoints a partir de estados seguros.</a:t>
+              <a:rPr lang="pt-BR" dirty="0">
+                <a:solidFill>
+                  <a:srgbClr val="000000"/>
+                </a:solidFill>
+              </a:rPr>
+              <a:t>Selecionar e adequar uma das soluções de identificação estados seguros de acordo com as características do DCB</a:t>
+            </a:r>
+            <a:r>
+              <a:rPr lang="pt-BR" dirty="0" smtClean="0">
+                <a:solidFill>
+                  <a:srgbClr val="000000"/>
+                </a:solidFill>
+              </a:rPr>
+              <a:t>.</a:t>
             </a:r>
           </a:p>
           <a:p>
@@ -4775,25 +4984,13 @@
               <a:buChar char="•"/>
             </a:pPr>
             <a:r>
-              <a:rPr lang="pt-BR" dirty="0" smtClean="0"/>
+              <a:rPr lang="pt-BR" dirty="0">
+                <a:solidFill>
+                  <a:srgbClr val="000000"/>
+                </a:solidFill>
+              </a:rPr>
               <a:t>Implementar a criação de Checkpoints com base em estados seguros no DCB.</a:t>
             </a:r>
-          </a:p>
-          <a:p>
-            <a:pPr>
-              <a:buFont typeface="Arial"/>
-              <a:buChar char="•"/>
-            </a:pPr>
-            <a:r>
-              <a:rPr lang="pt-BR" dirty="0" smtClean="0"/>
-              <a:t>Validar a solução por meio de estudos de caso.</a:t>
-            </a:r>
-          </a:p>
-          <a:p>
-            <a:pPr>
-              <a:buFont typeface="Arial"/>
-              <a:buChar char="•"/>
-            </a:pPr>
             <a:endParaRPr lang="pt-BR" dirty="0" smtClean="0">
               <a:solidFill>
                 <a:srgbClr val="000000"/>
@@ -5079,46 +5276,6 @@
           </a:p>
         </p:txBody>
       </p:sp>
-      <p:sp>
-        <p:nvSpPr>
-          <p:cNvPr id="3" name="Espaço Reservado para Conteúdo 2"/>
-          <p:cNvSpPr>
-            <a:spLocks noGrp="1"/>
-          </p:cNvSpPr>
-          <p:nvPr>
-            <p:ph idx="1"/>
-          </p:nvPr>
-        </p:nvSpPr>
-        <p:spPr/>
-        <p:txBody>
-          <a:bodyPr>
-            <a:normAutofit/>
-          </a:bodyPr>
-          <a:lstStyle/>
-          <a:p>
-            <a:pPr>
-              <a:buFont typeface="Arial"/>
-              <a:buChar char="•"/>
-            </a:pPr>
-            <a:r>
-              <a:rPr lang="pt-BR" dirty="0" smtClean="0"/>
-              <a:t>Imagem exemplo de simulação discreta de eventos</a:t>
-            </a:r>
-            <a:endParaRPr lang="pt-BR" dirty="0" smtClean="0"/>
-          </a:p>
-          <a:p>
-            <a:pPr>
-              <a:buFont typeface="Arial"/>
-              <a:buChar char="•"/>
-            </a:pPr>
-            <a:endParaRPr lang="pt-BR" dirty="0" smtClean="0">
-              <a:solidFill>
-                <a:srgbClr val="000000"/>
-              </a:solidFill>
-            </a:endParaRPr>
-          </a:p>
-        </p:txBody>
-      </p:sp>
       <p:pic>
         <p:nvPicPr>
           <p:cNvPr id="4" name="Picture 2"/>
@@ -5169,6 +5326,30 @@
           <a:xfrm>
             <a:off x="11171163" y="0"/>
             <a:ext cx="1020837" cy="1373269"/>
+          </a:xfrm>
+          <a:prstGeom prst="rect">
+            <a:avLst/>
+          </a:prstGeom>
+        </p:spPr>
+      </p:pic>
+      <p:pic>
+        <p:nvPicPr>
+          <p:cNvPr id="6" name="Imagem 5"/>
+          <p:cNvPicPr>
+            <a:picLocks noChangeAspect="1"/>
+          </p:cNvPicPr>
+          <p:nvPr/>
+        </p:nvPicPr>
+        <p:blipFill>
+          <a:blip r:embed="rId4"/>
+          <a:stretch>
+            <a:fillRect/>
+          </a:stretch>
+        </p:blipFill>
+        <p:spPr>
+          <a:xfrm>
+            <a:off x="2988583" y="2005074"/>
+            <a:ext cx="6214834" cy="3776886"/>
           </a:xfrm>
           <a:prstGeom prst="rect">
             <a:avLst/>
@@ -5405,11 +5586,7 @@
           <a:p>
             <a:r>
               <a:rPr lang="pt-BR" dirty="0" smtClean="0"/>
-              <a:t>Rollback baseado em </a:t>
-            </a:r>
-            <a:r>
-              <a:rPr lang="pt-BR" dirty="0" smtClean="0"/>
-              <a:t>Checkpoints</a:t>
+              <a:t>Estados Consistentes Globais</a:t>
             </a:r>
             <a:endParaRPr lang="pt-BR" dirty="0"/>
           </a:p>
@@ -5436,11 +5613,11 @@
               <a:buFont typeface="Arial"/>
               <a:buChar char="•"/>
             </a:pPr>
-            <a:r>
-              <a:rPr lang="pt-BR" dirty="0" smtClean="0"/>
-              <a:t>Checkpoints Coordenados</a:t>
-            </a:r>
-            <a:endParaRPr lang="pt-BR" dirty="0" smtClean="0"/>
+            <a:endParaRPr lang="pt-BR" dirty="0" smtClean="0">
+              <a:solidFill>
+                <a:srgbClr val="000000"/>
+              </a:solidFill>
+            </a:endParaRPr>
           </a:p>
           <a:p>
             <a:pPr>
@@ -5511,10 +5688,34 @@
           </a:prstGeom>
         </p:spPr>
       </p:pic>
+      <p:pic>
+        <p:nvPicPr>
+          <p:cNvPr id="7" name="Imagem 6"/>
+          <p:cNvPicPr>
+            <a:picLocks noChangeAspect="1"/>
+          </p:cNvPicPr>
+          <p:nvPr/>
+        </p:nvPicPr>
+        <p:blipFill>
+          <a:blip r:embed="rId4"/>
+          <a:stretch>
+            <a:fillRect/>
+          </a:stretch>
+        </p:blipFill>
+        <p:spPr>
+          <a:xfrm>
+            <a:off x="2781333" y="2457430"/>
+            <a:ext cx="6629333" cy="2753397"/>
+          </a:xfrm>
+          <a:prstGeom prst="rect">
+            <a:avLst/>
+          </a:prstGeom>
+        </p:spPr>
+      </p:pic>
     </p:spTree>
     <p:extLst>
       <p:ext uri="{BB962C8B-B14F-4D97-AF65-F5344CB8AC3E}">
-        <p14:creationId xmlns:p14="http://schemas.microsoft.com/office/powerpoint/2010/main" val="1424387600"/>
+        <p14:creationId xmlns:p14="http://schemas.microsoft.com/office/powerpoint/2010/main" val="2027152823"/>
       </p:ext>
     </p:extLst>
   </p:cSld>
@@ -5563,11 +5764,7 @@
           <a:p>
             <a:r>
               <a:rPr lang="pt-BR" dirty="0" smtClean="0"/>
-              <a:t>Rollback baseado em </a:t>
-            </a:r>
-            <a:r>
-              <a:rPr lang="pt-BR" dirty="0" smtClean="0"/>
-              <a:t>Checkpoints</a:t>
+              <a:t>Rollback baseado em Checkpoints</a:t>
             </a:r>
             <a:endParaRPr lang="pt-BR" dirty="0"/>
           </a:p>
@@ -5596,9 +5793,8 @@
             </a:pPr>
             <a:r>
               <a:rPr lang="pt-BR" dirty="0" smtClean="0"/>
-              <a:t>Checkpoints Não-Coordenados</a:t>
-            </a:r>
-            <a:endParaRPr lang="pt-BR" dirty="0" smtClean="0"/>
+              <a:t>Checkpoints Coordenados</a:t>
+            </a:r>
           </a:p>
           <a:p>
             <a:pPr>
@@ -5669,10 +5865,34 @@
           </a:prstGeom>
         </p:spPr>
       </p:pic>
+      <p:pic>
+        <p:nvPicPr>
+          <p:cNvPr id="6" name="Imagem 5"/>
+          <p:cNvPicPr>
+            <a:picLocks noChangeAspect="1"/>
+          </p:cNvPicPr>
+          <p:nvPr/>
+        </p:nvPicPr>
+        <p:blipFill>
+          <a:blip r:embed="rId4"/>
+          <a:stretch>
+            <a:fillRect/>
+          </a:stretch>
+        </p:blipFill>
+        <p:spPr>
+          <a:xfrm>
+            <a:off x="1596741" y="3011904"/>
+            <a:ext cx="8998518" cy="2158229"/>
+          </a:xfrm>
+          <a:prstGeom prst="rect">
+            <a:avLst/>
+          </a:prstGeom>
+        </p:spPr>
+      </p:pic>
     </p:spTree>
     <p:extLst>
       <p:ext uri="{BB962C8B-B14F-4D97-AF65-F5344CB8AC3E}">
-        <p14:creationId xmlns:p14="http://schemas.microsoft.com/office/powerpoint/2010/main" val="2388306146"/>
+        <p14:creationId xmlns:p14="http://schemas.microsoft.com/office/powerpoint/2010/main" val="1424387600"/>
       </p:ext>
     </p:extLst>
   </p:cSld>

--- a/Defesa Projeto.pptx
+++ b/Defesa Projeto.pptx
@@ -5,22 +5,22 @@
     <p:sldMasterId id="2147483648" r:id="rId1"/>
   </p:sldMasterIdLst>
   <p:sldIdLst>
-    <p:sldId id="258" r:id="rId2"/>
-    <p:sldId id="257" r:id="rId3"/>
-    <p:sldId id="259" r:id="rId4"/>
-    <p:sldId id="261" r:id="rId5"/>
-    <p:sldId id="262" r:id="rId6"/>
-    <p:sldId id="263" r:id="rId7"/>
-    <p:sldId id="270" r:id="rId8"/>
-    <p:sldId id="273" r:id="rId9"/>
-    <p:sldId id="264" r:id="rId10"/>
-    <p:sldId id="271" r:id="rId11"/>
-    <p:sldId id="272" r:id="rId12"/>
-    <p:sldId id="265" r:id="rId13"/>
-    <p:sldId id="266" r:id="rId14"/>
-    <p:sldId id="267" r:id="rId15"/>
-    <p:sldId id="269" r:id="rId16"/>
-    <p:sldId id="268" r:id="rId17"/>
+    <p:sldId id="257" r:id="rId2"/>
+    <p:sldId id="259" r:id="rId3"/>
+    <p:sldId id="261" r:id="rId4"/>
+    <p:sldId id="262" r:id="rId5"/>
+    <p:sldId id="263" r:id="rId6"/>
+    <p:sldId id="270" r:id="rId7"/>
+    <p:sldId id="273" r:id="rId8"/>
+    <p:sldId id="264" r:id="rId9"/>
+    <p:sldId id="271" r:id="rId10"/>
+    <p:sldId id="272" r:id="rId11"/>
+    <p:sldId id="265" r:id="rId12"/>
+    <p:sldId id="266" r:id="rId13"/>
+    <p:sldId id="267" r:id="rId14"/>
+    <p:sldId id="269" r:id="rId15"/>
+    <p:sldId id="268" r:id="rId16"/>
+    <p:sldId id="274" r:id="rId17"/>
   </p:sldIdLst>
   <p:sldSz cx="12192000" cy="6858000"/>
   <p:notesSz cx="6858000" cy="9144000"/>
@@ -258,7 +258,7 @@
           <a:p>
             <a:fld id="{B2B7FAC6-64D6-4929-943E-FFF696E6DBDD}" type="datetimeFigureOut">
               <a:rPr lang="pt-BR" smtClean="0"/>
-              <a:t>04/12/2015</a:t>
+              <a:t>05/12/2015</a:t>
             </a:fld>
             <a:endParaRPr lang="pt-BR"/>
           </a:p>
@@ -428,7 +428,7 @@
           <a:p>
             <a:fld id="{B2B7FAC6-64D6-4929-943E-FFF696E6DBDD}" type="datetimeFigureOut">
               <a:rPr lang="pt-BR" smtClean="0"/>
-              <a:t>04/12/2015</a:t>
+              <a:t>05/12/2015</a:t>
             </a:fld>
             <a:endParaRPr lang="pt-BR"/>
           </a:p>
@@ -608,7 +608,7 @@
           <a:p>
             <a:fld id="{B2B7FAC6-64D6-4929-943E-FFF696E6DBDD}" type="datetimeFigureOut">
               <a:rPr lang="pt-BR" smtClean="0"/>
-              <a:t>04/12/2015</a:t>
+              <a:t>05/12/2015</a:t>
             </a:fld>
             <a:endParaRPr lang="pt-BR"/>
           </a:p>
@@ -778,7 +778,7 @@
           <a:p>
             <a:fld id="{B2B7FAC6-64D6-4929-943E-FFF696E6DBDD}" type="datetimeFigureOut">
               <a:rPr lang="pt-BR" smtClean="0"/>
-              <a:t>04/12/2015</a:t>
+              <a:t>05/12/2015</a:t>
             </a:fld>
             <a:endParaRPr lang="pt-BR"/>
           </a:p>
@@ -1024,7 +1024,7 @@
           <a:p>
             <a:fld id="{B2B7FAC6-64D6-4929-943E-FFF696E6DBDD}" type="datetimeFigureOut">
               <a:rPr lang="pt-BR" smtClean="0"/>
-              <a:t>04/12/2015</a:t>
+              <a:t>05/12/2015</a:t>
             </a:fld>
             <a:endParaRPr lang="pt-BR"/>
           </a:p>
@@ -1256,7 +1256,7 @@
           <a:p>
             <a:fld id="{B2B7FAC6-64D6-4929-943E-FFF696E6DBDD}" type="datetimeFigureOut">
               <a:rPr lang="pt-BR" smtClean="0"/>
-              <a:t>04/12/2015</a:t>
+              <a:t>05/12/2015</a:t>
             </a:fld>
             <a:endParaRPr lang="pt-BR"/>
           </a:p>
@@ -1623,7 +1623,7 @@
           <a:p>
             <a:fld id="{B2B7FAC6-64D6-4929-943E-FFF696E6DBDD}" type="datetimeFigureOut">
               <a:rPr lang="pt-BR" smtClean="0"/>
-              <a:t>04/12/2015</a:t>
+              <a:t>05/12/2015</a:t>
             </a:fld>
             <a:endParaRPr lang="pt-BR"/>
           </a:p>
@@ -1741,7 +1741,7 @@
           <a:p>
             <a:fld id="{B2B7FAC6-64D6-4929-943E-FFF696E6DBDD}" type="datetimeFigureOut">
               <a:rPr lang="pt-BR" smtClean="0"/>
-              <a:t>04/12/2015</a:t>
+              <a:t>05/12/2015</a:t>
             </a:fld>
             <a:endParaRPr lang="pt-BR"/>
           </a:p>
@@ -1836,7 +1836,7 @@
           <a:p>
             <a:fld id="{B2B7FAC6-64D6-4929-943E-FFF696E6DBDD}" type="datetimeFigureOut">
               <a:rPr lang="pt-BR" smtClean="0"/>
-              <a:t>04/12/2015</a:t>
+              <a:t>05/12/2015</a:t>
             </a:fld>
             <a:endParaRPr lang="pt-BR"/>
           </a:p>
@@ -2113,7 +2113,7 @@
           <a:p>
             <a:fld id="{B2B7FAC6-64D6-4929-943E-FFF696E6DBDD}" type="datetimeFigureOut">
               <a:rPr lang="pt-BR" smtClean="0"/>
-              <a:t>04/12/2015</a:t>
+              <a:t>05/12/2015</a:t>
             </a:fld>
             <a:endParaRPr lang="pt-BR"/>
           </a:p>
@@ -2366,7 +2366,7 @@
           <a:p>
             <a:fld id="{B2B7FAC6-64D6-4929-943E-FFF696E6DBDD}" type="datetimeFigureOut">
               <a:rPr lang="pt-BR" smtClean="0"/>
-              <a:t>04/12/2015</a:t>
+              <a:t>05/12/2015</a:t>
             </a:fld>
             <a:endParaRPr lang="pt-BR"/>
           </a:p>
@@ -2579,7 +2579,7 @@
           <a:p>
             <a:fld id="{B2B7FAC6-64D6-4929-943E-FFF696E6DBDD}" type="datetimeFigureOut">
               <a:rPr lang="pt-BR" smtClean="0"/>
-              <a:t>04/12/2015</a:t>
+              <a:t>05/12/2015</a:t>
             </a:fld>
             <a:endParaRPr lang="pt-BR"/>
           </a:p>
@@ -2991,13 +2991,43 @@
             <a:spLocks noGrp="1"/>
           </p:cNvSpPr>
           <p:nvPr>
-            <p:ph type="title"/>
-          </p:nvPr>
-        </p:nvSpPr>
-        <p:spPr>
-          <a:xfrm>
-            <a:off x="838200" y="679511"/>
-            <a:ext cx="10515600" cy="1325563"/>
+            <p:ph type="ctrTitle"/>
+          </p:nvPr>
+        </p:nvSpPr>
+        <p:spPr>
+          <a:xfrm>
+            <a:off x="1524000" y="2012822"/>
+            <a:ext cx="9144000" cy="2387600"/>
+          </a:xfrm>
+        </p:spPr>
+        <p:txBody>
+          <a:bodyPr>
+            <a:normAutofit/>
+          </a:bodyPr>
+          <a:lstStyle/>
+          <a:p>
+            <a:r>
+              <a:rPr lang="pt-BR" sz="4400" dirty="0" smtClean="0"/>
+              <a:t>Identificação de estados seguros para reduzir a criação de Checkpoints sem valor. </a:t>
+            </a:r>
+            <a:endParaRPr lang="pt-BR" sz="4400" dirty="0"/>
+          </a:p>
+        </p:txBody>
+      </p:sp>
+      <p:sp>
+        <p:nvSpPr>
+          <p:cNvPr id="3" name="Subtítulo 2"/>
+          <p:cNvSpPr>
+            <a:spLocks noGrp="1"/>
+          </p:cNvSpPr>
+          <p:nvPr>
+            <p:ph type="subTitle" idx="1"/>
+          </p:nvPr>
+        </p:nvSpPr>
+        <p:spPr>
+          <a:xfrm>
+            <a:off x="1449186" y="4610122"/>
+            <a:ext cx="9144000" cy="1655762"/>
           </a:xfrm>
         </p:spPr>
         <p:txBody>
@@ -3006,178 +3036,20 @@
           <a:p>
             <a:r>
               <a:rPr lang="pt-BR" dirty="0" smtClean="0"/>
-              <a:t>Sumário</a:t>
-            </a:r>
-            <a:endParaRPr lang="pt-BR" dirty="0"/>
-          </a:p>
-        </p:txBody>
-      </p:sp>
-      <p:sp>
-        <p:nvSpPr>
-          <p:cNvPr id="3" name="Espaço Reservado para Conteúdo 2"/>
-          <p:cNvSpPr>
-            <a:spLocks noGrp="1"/>
-          </p:cNvSpPr>
-          <p:nvPr>
-            <p:ph idx="1"/>
-          </p:nvPr>
-        </p:nvSpPr>
-        <p:spPr>
-          <a:xfrm>
-            <a:off x="838200" y="1825624"/>
-            <a:ext cx="10515600" cy="4458797"/>
-          </a:xfrm>
-        </p:spPr>
-        <p:txBody>
-          <a:bodyPr>
-            <a:normAutofit fontScale="92500" lnSpcReduction="10000"/>
-          </a:bodyPr>
-          <a:lstStyle/>
-          <a:p>
-            <a:pPr>
-              <a:buFont typeface="Arial"/>
-              <a:buChar char="•"/>
-            </a:pPr>
-            <a:r>
-              <a:rPr lang="pt-BR" dirty="0" smtClean="0">
-                <a:solidFill>
-                  <a:srgbClr val="000000"/>
-                </a:solidFill>
-              </a:rPr>
-              <a:t>Tema</a:t>
-            </a:r>
-          </a:p>
-          <a:p>
-            <a:pPr>
-              <a:buFont typeface="Arial"/>
-              <a:buChar char="•"/>
-            </a:pPr>
-            <a:r>
-              <a:rPr lang="pt-BR" dirty="0" smtClean="0">
-                <a:solidFill>
-                  <a:srgbClr val="000000"/>
-                </a:solidFill>
-              </a:rPr>
-              <a:t>Contextualização (?)</a:t>
-            </a:r>
-          </a:p>
-          <a:p>
-            <a:pPr>
-              <a:buFont typeface="Arial"/>
-              <a:buChar char="•"/>
-            </a:pPr>
-            <a:r>
-              <a:rPr lang="pt-BR" dirty="0" smtClean="0">
-                <a:solidFill>
-                  <a:srgbClr val="000000"/>
-                </a:solidFill>
-              </a:rPr>
-              <a:t>Objetivo</a:t>
-            </a:r>
-          </a:p>
-          <a:p>
-            <a:pPr>
-              <a:buFont typeface="Arial"/>
-              <a:buChar char="•"/>
-            </a:pPr>
-            <a:r>
-              <a:rPr lang="pt-BR" dirty="0" smtClean="0">
-                <a:solidFill>
-                  <a:srgbClr val="000000"/>
-                </a:solidFill>
-              </a:rPr>
-              <a:t>Justificativa</a:t>
-            </a:r>
-          </a:p>
-          <a:p>
-            <a:pPr>
-              <a:buFont typeface="Arial"/>
-              <a:buChar char="•"/>
-            </a:pPr>
-            <a:r>
-              <a:rPr lang="pt-BR" dirty="0" smtClean="0">
-                <a:solidFill>
-                  <a:srgbClr val="000000"/>
-                </a:solidFill>
-              </a:rPr>
-              <a:t>Simulação</a:t>
-            </a:r>
-          </a:p>
-          <a:p>
-            <a:pPr>
-              <a:buFont typeface="Arial"/>
-              <a:buChar char="•"/>
-            </a:pPr>
-            <a:r>
-              <a:rPr lang="pt-BR" dirty="0" smtClean="0">
-                <a:solidFill>
-                  <a:srgbClr val="000000"/>
-                </a:solidFill>
-              </a:rPr>
-              <a:t>Checkpoints</a:t>
-            </a:r>
-          </a:p>
-          <a:p>
-            <a:pPr>
-              <a:buFont typeface="Arial"/>
-              <a:buChar char="•"/>
-            </a:pPr>
-            <a:r>
-              <a:rPr lang="pt-BR" dirty="0" smtClean="0">
-                <a:solidFill>
-                  <a:srgbClr val="000000"/>
-                </a:solidFill>
-              </a:rPr>
-              <a:t>DCB</a:t>
-            </a:r>
-          </a:p>
-          <a:p>
-            <a:pPr>
-              <a:buFont typeface="Arial"/>
-              <a:buChar char="•"/>
-            </a:pPr>
-            <a:r>
-              <a:rPr lang="pt-BR" dirty="0" smtClean="0">
-                <a:solidFill>
-                  <a:srgbClr val="000000"/>
-                </a:solidFill>
-              </a:rPr>
-              <a:t>Proposta</a:t>
-            </a:r>
-          </a:p>
-          <a:p>
-            <a:pPr>
-              <a:buFont typeface="Arial"/>
-              <a:buChar char="•"/>
-            </a:pPr>
-            <a:r>
-              <a:rPr lang="pt-BR" dirty="0" smtClean="0">
-                <a:solidFill>
-                  <a:srgbClr val="000000"/>
-                </a:solidFill>
-              </a:rPr>
-              <a:t>Metodologia</a:t>
-            </a:r>
-          </a:p>
-          <a:p>
-            <a:pPr>
-              <a:buFont typeface="Arial"/>
-              <a:buChar char="•"/>
-            </a:pPr>
-            <a:r>
-              <a:rPr lang="pt-BR" dirty="0" smtClean="0">
-                <a:solidFill>
-                  <a:srgbClr val="000000"/>
-                </a:solidFill>
-              </a:rPr>
-              <a:t>Referências</a:t>
-            </a:r>
-          </a:p>
-          <a:p>
-            <a:pPr>
-              <a:buFont typeface="Arial"/>
-              <a:buChar char="•"/>
-            </a:pPr>
+              <a:t>Guilherme Bizzani</a:t>
+            </a:r>
+          </a:p>
+          <a:p>
+            <a:r>
+              <a:rPr lang="pt-BR" dirty="0" smtClean="0"/>
+              <a:t>bizzani11@Hotmail.com</a:t>
+            </a:r>
+          </a:p>
+          <a:p>
+            <a:r>
+              <a:rPr lang="pt-BR" dirty="0" smtClean="0"/>
+              <a:t>Braulio Adriano de Mello, PhD</a:t>
+            </a:r>
             <a:endParaRPr lang="pt-BR" dirty="0"/>
           </a:p>
         </p:txBody>
@@ -3214,9 +3086,70 @@
           </a:ln>
         </p:spPr>
       </p:pic>
+      <p:sp>
+        <p:nvSpPr>
+          <p:cNvPr id="5" name="Título 1"/>
+          <p:cNvSpPr txBox="1">
+            <a:spLocks/>
+          </p:cNvSpPr>
+          <p:nvPr/>
+        </p:nvSpPr>
+        <p:spPr>
+          <a:xfrm>
+            <a:off x="1524000" y="858959"/>
+            <a:ext cx="9144000" cy="944163"/>
+          </a:xfrm>
+          <a:prstGeom prst="rect">
+            <a:avLst/>
+          </a:prstGeom>
+        </p:spPr>
+        <p:txBody>
+          <a:bodyPr vert="horz" lIns="91440" tIns="45720" rIns="91440" bIns="45720" rtlCol="0" anchor="b">
+            <a:normAutofit/>
+          </a:bodyPr>
+          <a:lstStyle>
+            <a:lvl1pPr algn="ctr" defTabSz="914400" rtl="0" eaLnBrk="1" latinLnBrk="0" hangingPunct="1">
+              <a:lnSpc>
+                <a:spcPct val="90000"/>
+              </a:lnSpc>
+              <a:spcBef>
+                <a:spcPct val="0"/>
+              </a:spcBef>
+              <a:buNone/>
+              <a:defRPr sz="6000" kern="1200">
+                <a:solidFill>
+                  <a:schemeClr val="tx1"/>
+                </a:solidFill>
+                <a:latin typeface="+mj-lt"/>
+                <a:ea typeface="+mj-ea"/>
+                <a:cs typeface="+mj-cs"/>
+              </a:defRPr>
+            </a:lvl1pPr>
+          </a:lstStyle>
+          <a:p>
+            <a:r>
+              <a:rPr lang="pt-BR" sz="4400" b="1" dirty="0" smtClean="0">
+                <a:solidFill>
+                  <a:schemeClr val="accent6">
+                    <a:lumMod val="75000"/>
+                  </a:schemeClr>
+                </a:solidFill>
+              </a:rPr>
+              <a:t>Universidade Federal da Fronteira Sul</a:t>
+            </a:r>
+            <a:endParaRPr lang="pt-BR" sz="4400" b="1" dirty="0">
+              <a:solidFill>
+                <a:schemeClr val="accent6">
+                  <a:lumMod val="75000"/>
+                </a:schemeClr>
+              </a:solidFill>
+            </a:endParaRPr>
+          </a:p>
+        </p:txBody>
+      </p:sp>
       <p:pic>
         <p:nvPicPr>
-          <p:cNvPr id="5" name="Imagem 4"/>
+          <p:cNvPr id="6" name="Imagem 5"/>
           <p:cNvPicPr>
             <a:picLocks noChangeAspect="1"/>
           </p:cNvPicPr>
@@ -3241,7 +3174,7 @@
     </p:spTree>
     <p:extLst>
       <p:ext uri="{BB962C8B-B14F-4D97-AF65-F5344CB8AC3E}">
-        <p14:creationId xmlns:p14="http://schemas.microsoft.com/office/powerpoint/2010/main" val="487738989"/>
+        <p14:creationId xmlns:p14="http://schemas.microsoft.com/office/powerpoint/2010/main" val="649673133"/>
       </p:ext>
     </p:extLst>
   </p:cSld>
@@ -3326,7 +3259,7 @@
             </a:pPr>
             <a:r>
               <a:rPr lang="pt-BR" dirty="0" smtClean="0"/>
-              <a:t>Checkpoints Não-Coordenados</a:t>
+              <a:t>Checkpoints Induzidos a Comunicação</a:t>
             </a:r>
           </a:p>
           <a:p>
@@ -3414,8 +3347,8 @@
         </p:blipFill>
         <p:spPr>
           <a:xfrm>
-            <a:off x="2685705" y="2813594"/>
-            <a:ext cx="6820590" cy="2375399"/>
+            <a:off x="2158025" y="2579100"/>
+            <a:ext cx="7875950" cy="3061054"/>
           </a:xfrm>
           <a:prstGeom prst="rect">
             <a:avLst/>
@@ -3425,7 +3358,7 @@
     </p:spTree>
     <p:extLst>
       <p:ext uri="{BB962C8B-B14F-4D97-AF65-F5344CB8AC3E}">
-        <p14:creationId xmlns:p14="http://schemas.microsoft.com/office/powerpoint/2010/main" val="2388306146"/>
+        <p14:creationId xmlns:p14="http://schemas.microsoft.com/office/powerpoint/2010/main" val="2869449000"/>
       </p:ext>
     </p:extLst>
   </p:cSld>
@@ -3474,7 +3407,7 @@
           <a:p>
             <a:r>
               <a:rPr lang="pt-BR" dirty="0" smtClean="0"/>
-              <a:t>Rollback baseado em Checkpoints</a:t>
+              <a:t>Distributed Co-Simulation Backbone</a:t>
             </a:r>
             <a:endParaRPr lang="pt-BR" dirty="0"/>
           </a:p>
@@ -3503,7 +3436,7 @@
             </a:pPr>
             <a:r>
               <a:rPr lang="pt-BR" dirty="0" smtClean="0"/>
-              <a:t>Checkpoints Induzidos a Comunicação</a:t>
+              <a:t>O DCB é baseado na arquitetura HLA (High Level Architecture)</a:t>
             </a:r>
           </a:p>
           <a:p>
@@ -3577,7 +3510,7 @@
       </p:pic>
       <p:pic>
         <p:nvPicPr>
-          <p:cNvPr id="6" name="Imagem 5"/>
+          <p:cNvPr id="7" name="Imagem 6"/>
           <p:cNvPicPr>
             <a:picLocks noChangeAspect="1"/>
           </p:cNvPicPr>
@@ -3591,8 +3524,32 @@
         </p:blipFill>
         <p:spPr>
           <a:xfrm>
-            <a:off x="2158025" y="2579100"/>
-            <a:ext cx="7875950" cy="3061054"/>
+            <a:off x="449625" y="3313077"/>
+            <a:ext cx="6665646" cy="3316242"/>
+          </a:xfrm>
+          <a:prstGeom prst="rect">
+            <a:avLst/>
+          </a:prstGeom>
+        </p:spPr>
+      </p:pic>
+      <p:pic>
+        <p:nvPicPr>
+          <p:cNvPr id="6" name="Imagem 5"/>
+          <p:cNvPicPr>
+            <a:picLocks noChangeAspect="1"/>
+          </p:cNvPicPr>
+          <p:nvPr/>
+        </p:nvPicPr>
+        <p:blipFill>
+          <a:blip r:embed="rId5"/>
+          <a:stretch>
+            <a:fillRect/>
+          </a:stretch>
+        </p:blipFill>
+        <p:spPr>
+          <a:xfrm>
+            <a:off x="5313001" y="2519383"/>
+            <a:ext cx="6766704" cy="2678259"/>
           </a:xfrm>
           <a:prstGeom prst="rect">
             <a:avLst/>
@@ -3602,7 +3559,7 @@
     </p:spTree>
     <p:extLst>
       <p:ext uri="{BB962C8B-B14F-4D97-AF65-F5344CB8AC3E}">
-        <p14:creationId xmlns:p14="http://schemas.microsoft.com/office/powerpoint/2010/main" val="2869449000"/>
+        <p14:creationId xmlns:p14="http://schemas.microsoft.com/office/powerpoint/2010/main" val="2490051159"/>
       </p:ext>
     </p:extLst>
   </p:cSld>
@@ -3651,7 +3608,7 @@
           <a:p>
             <a:r>
               <a:rPr lang="pt-BR" dirty="0" smtClean="0"/>
-              <a:t>Distributed Co-Simulation Backbone</a:t>
+              <a:t>Proposta</a:t>
             </a:r>
             <a:endParaRPr lang="pt-BR" dirty="0"/>
           </a:p>
@@ -3680,7 +3637,7 @@
             </a:pPr>
             <a:r>
               <a:rPr lang="pt-BR" dirty="0" smtClean="0"/>
-              <a:t>O DCB é baseado na arquitetura HLA (High Level Architecture)</a:t>
+              <a:t>A proposta deste projeto é desenvolver um mecanismo de identificação de estados seguros para a criação de checkpoints no DCB.</a:t>
             </a:r>
           </a:p>
           <a:p>
@@ -3688,11 +3645,14 @@
               <a:buFont typeface="Arial"/>
               <a:buChar char="•"/>
             </a:pPr>
-            <a:endParaRPr lang="pt-BR" dirty="0" smtClean="0">
-              <a:solidFill>
-                <a:srgbClr val="000000"/>
-              </a:solidFill>
-            </a:endParaRPr>
+            <a:r>
+              <a:rPr lang="pt-BR" dirty="0" smtClean="0">
+                <a:solidFill>
+                  <a:srgbClr val="000000"/>
+                </a:solidFill>
+              </a:rPr>
+              <a:t>Estratégias a serem seguidas: Checkpoints Não-Coordenados e Checkpoints Induzidos a Comunicação.</a:t>
+            </a:r>
           </a:p>
         </p:txBody>
       </p:sp>
@@ -3752,58 +3712,10 @@
           </a:prstGeom>
         </p:spPr>
       </p:pic>
-      <p:pic>
-        <p:nvPicPr>
-          <p:cNvPr id="7" name="Imagem 6"/>
-          <p:cNvPicPr>
-            <a:picLocks noChangeAspect="1"/>
-          </p:cNvPicPr>
-          <p:nvPr/>
-        </p:nvPicPr>
-        <p:blipFill>
-          <a:blip r:embed="rId4"/>
-          <a:stretch>
-            <a:fillRect/>
-          </a:stretch>
-        </p:blipFill>
-        <p:spPr>
-          <a:xfrm>
-            <a:off x="449625" y="3313077"/>
-            <a:ext cx="6665646" cy="3316242"/>
-          </a:xfrm>
-          <a:prstGeom prst="rect">
-            <a:avLst/>
-          </a:prstGeom>
-        </p:spPr>
-      </p:pic>
-      <p:pic>
-        <p:nvPicPr>
-          <p:cNvPr id="6" name="Imagem 5"/>
-          <p:cNvPicPr>
-            <a:picLocks noChangeAspect="1"/>
-          </p:cNvPicPr>
-          <p:nvPr/>
-        </p:nvPicPr>
-        <p:blipFill>
-          <a:blip r:embed="rId5"/>
-          <a:stretch>
-            <a:fillRect/>
-          </a:stretch>
-        </p:blipFill>
-        <p:spPr>
-          <a:xfrm>
-            <a:off x="5313001" y="2519383"/>
-            <a:ext cx="6766704" cy="2678259"/>
-          </a:xfrm>
-          <a:prstGeom prst="rect">
-            <a:avLst/>
-          </a:prstGeom>
-        </p:spPr>
-      </p:pic>
     </p:spTree>
     <p:extLst>
       <p:ext uri="{BB962C8B-B14F-4D97-AF65-F5344CB8AC3E}">
-        <p14:creationId xmlns:p14="http://schemas.microsoft.com/office/powerpoint/2010/main" val="2490051159"/>
+        <p14:creationId xmlns:p14="http://schemas.microsoft.com/office/powerpoint/2010/main" val="79228887"/>
       </p:ext>
     </p:extLst>
   </p:cSld>
@@ -3852,7 +3764,7 @@
           <a:p>
             <a:r>
               <a:rPr lang="pt-BR" dirty="0" smtClean="0"/>
-              <a:t>Proposta</a:t>
+              <a:t>Metodologia</a:t>
             </a:r>
             <a:endParaRPr lang="pt-BR" dirty="0"/>
           </a:p>
@@ -3881,7 +3793,7 @@
             </a:pPr>
             <a:r>
               <a:rPr lang="pt-BR" dirty="0" smtClean="0"/>
-              <a:t>A proposta deste projeto é desenvolver um mecanismo de identificação de estados seguros para a criação de checkpoints no DCB.</a:t>
+              <a:t>A partir de [Elnozahy, 2002] e [Mello, 2005] foi realizado uma pesquisa por outros trabalhos.</a:t>
             </a:r>
           </a:p>
           <a:p>
@@ -3890,13 +3802,70 @@
               <a:buChar char="•"/>
             </a:pPr>
             <a:r>
-              <a:rPr lang="pt-BR" dirty="0" smtClean="0">
-                <a:solidFill>
-                  <a:srgbClr val="000000"/>
-                </a:solidFill>
-              </a:rPr>
-              <a:t>Estratégias a serem seguidas: Checkpoints Não-Coordenados e Checkpoints Induzidos a Comunicação.</a:t>
-            </a:r>
+              <a:rPr lang="pt-BR" dirty="0" smtClean="0"/>
+              <a:t>Projeto dividido em 5 etapas:</a:t>
+            </a:r>
+          </a:p>
+          <a:p>
+            <a:pPr marL="514350" indent="-514350">
+              <a:buFont typeface="+mj-lt"/>
+              <a:buAutoNum type="arabicPeriod"/>
+            </a:pPr>
+            <a:r>
+              <a:rPr lang="pt-BR" dirty="0" smtClean="0"/>
+              <a:t>Estudos de soluções para identificação de estados seguros em sistemas distribuídos.</a:t>
+            </a:r>
+          </a:p>
+          <a:p>
+            <a:pPr marL="514350" indent="-514350">
+              <a:buFont typeface="+mj-lt"/>
+              <a:buAutoNum type="arabicPeriod"/>
+            </a:pPr>
+            <a:r>
+              <a:rPr lang="pt-BR" dirty="0" smtClean="0"/>
+              <a:t>Criação de checkpoints através de estados seguros.</a:t>
+            </a:r>
+          </a:p>
+          <a:p>
+            <a:pPr marL="514350" indent="-514350">
+              <a:buFont typeface="+mj-lt"/>
+              <a:buAutoNum type="arabicPeriod"/>
+            </a:pPr>
+            <a:r>
+              <a:rPr lang="pt-BR" dirty="0" smtClean="0"/>
+              <a:t>Seleção de uma estratégia de acordo com as características do DCB.</a:t>
+            </a:r>
+          </a:p>
+          <a:p>
+            <a:pPr marL="514350" indent="-514350">
+              <a:buFont typeface="+mj-lt"/>
+              <a:buAutoNum type="arabicPeriod"/>
+            </a:pPr>
+            <a:r>
+              <a:rPr lang="pt-BR" dirty="0" smtClean="0"/>
+              <a:t>Implementação da criação de Checkpoints no DCB.</a:t>
+            </a:r>
+          </a:p>
+          <a:p>
+            <a:pPr marL="514350" indent="-514350">
+              <a:buFont typeface="+mj-lt"/>
+              <a:buAutoNum type="arabicPeriod"/>
+            </a:pPr>
+            <a:r>
+              <a:rPr lang="pt-BR" dirty="0" smtClean="0"/>
+              <a:t>Criação de um estudo de caso para validação dos resultados.</a:t>
+            </a:r>
+          </a:p>
+          <a:p>
+            <a:pPr>
+              <a:buFont typeface="Arial"/>
+              <a:buChar char="•"/>
+            </a:pPr>
+            <a:endParaRPr lang="pt-BR" dirty="0" smtClean="0">
+              <a:solidFill>
+                <a:srgbClr val="000000"/>
+              </a:solidFill>
+            </a:endParaRPr>
           </a:p>
         </p:txBody>
       </p:sp>
@@ -3959,7 +3928,7 @@
     </p:spTree>
     <p:extLst>
       <p:ext uri="{BB962C8B-B14F-4D97-AF65-F5344CB8AC3E}">
-        <p14:creationId xmlns:p14="http://schemas.microsoft.com/office/powerpoint/2010/main" val="79228887"/>
+        <p14:creationId xmlns:p14="http://schemas.microsoft.com/office/powerpoint/2010/main" val="2744778922"/>
       </p:ext>
     </p:extLst>
   </p:cSld>
@@ -4008,108 +3977,9 @@
           <a:p>
             <a:r>
               <a:rPr lang="pt-BR" dirty="0" smtClean="0"/>
-              <a:t>Metodologia</a:t>
+              <a:t>Cronograma</a:t>
             </a:r>
             <a:endParaRPr lang="pt-BR" dirty="0"/>
-          </a:p>
-        </p:txBody>
-      </p:sp>
-      <p:sp>
-        <p:nvSpPr>
-          <p:cNvPr id="3" name="Espaço Reservado para Conteúdo 2"/>
-          <p:cNvSpPr>
-            <a:spLocks noGrp="1"/>
-          </p:cNvSpPr>
-          <p:nvPr>
-            <p:ph idx="1"/>
-          </p:nvPr>
-        </p:nvSpPr>
-        <p:spPr/>
-        <p:txBody>
-          <a:bodyPr>
-            <a:normAutofit/>
-          </a:bodyPr>
-          <a:lstStyle/>
-          <a:p>
-            <a:pPr>
-              <a:buFont typeface="Arial"/>
-              <a:buChar char="•"/>
-            </a:pPr>
-            <a:r>
-              <a:rPr lang="pt-BR" dirty="0" smtClean="0"/>
-              <a:t>A partir de [Elnozahy, 2002] e [Mello, 2005] foi realizado uma pesquisa por outros trabalhos.</a:t>
-            </a:r>
-          </a:p>
-          <a:p>
-            <a:pPr>
-              <a:buFont typeface="Arial"/>
-              <a:buChar char="•"/>
-            </a:pPr>
-            <a:r>
-              <a:rPr lang="pt-BR" dirty="0" smtClean="0"/>
-              <a:t>Projeto dividido em 5 etapas:</a:t>
-            </a:r>
-          </a:p>
-          <a:p>
-            <a:pPr marL="514350" indent="-514350">
-              <a:buFont typeface="+mj-lt"/>
-              <a:buAutoNum type="arabicPeriod"/>
-            </a:pPr>
-            <a:r>
-              <a:rPr lang="pt-BR" dirty="0" smtClean="0"/>
-              <a:t>Identificação de estados seguros em sistemas distribuídos.</a:t>
-            </a:r>
-          </a:p>
-          <a:p>
-            <a:pPr marL="514350" indent="-514350">
-              <a:buFont typeface="+mj-lt"/>
-              <a:buAutoNum type="arabicPeriod"/>
-            </a:pPr>
-            <a:r>
-              <a:rPr lang="pt-BR" dirty="0" smtClean="0"/>
-              <a:t>Criação de checkpoints através de estados seguros.</a:t>
-            </a:r>
-          </a:p>
-          <a:p>
-            <a:pPr marL="514350" indent="-514350">
-              <a:buFont typeface="+mj-lt"/>
-              <a:buAutoNum type="arabicPeriod"/>
-            </a:pPr>
-            <a:r>
-              <a:rPr lang="pt-BR" dirty="0" smtClean="0"/>
-              <a:t>Seleção de uma estratégia de acordo com as características do DCB.</a:t>
-            </a:r>
-          </a:p>
-          <a:p>
-            <a:pPr marL="514350" indent="-514350">
-              <a:buFont typeface="+mj-lt"/>
-              <a:buAutoNum type="arabicPeriod"/>
-            </a:pPr>
-            <a:r>
-              <a:rPr lang="pt-BR" dirty="0" smtClean="0"/>
-              <a:t>Implementação da criação de Checkpoints no DCB.</a:t>
-            </a:r>
-          </a:p>
-          <a:p>
-            <a:pPr marL="514350" indent="-514350">
-              <a:buFont typeface="+mj-lt"/>
-              <a:buAutoNum type="arabicPeriod"/>
-            </a:pPr>
-            <a:r>
-              <a:rPr lang="pt-BR" dirty="0" smtClean="0"/>
-              <a:t>Criação de um estudo de caso para validação dos resultados.</a:t>
-            </a:r>
-          </a:p>
-          <a:p>
-            <a:pPr>
-              <a:buFont typeface="Arial"/>
-              <a:buChar char="•"/>
-            </a:pPr>
-            <a:endParaRPr lang="pt-BR" dirty="0" smtClean="0">
-              <a:solidFill>
-                <a:srgbClr val="000000"/>
-              </a:solidFill>
-            </a:endParaRPr>
           </a:p>
         </p:txBody>
       </p:sp>
@@ -4169,10 +4039,34 @@
           </a:prstGeom>
         </p:spPr>
       </p:pic>
+      <p:pic>
+        <p:nvPicPr>
+          <p:cNvPr id="7" name="Imagem 6"/>
+          <p:cNvPicPr>
+            <a:picLocks noChangeAspect="1"/>
+          </p:cNvPicPr>
+          <p:nvPr/>
+        </p:nvPicPr>
+        <p:blipFill>
+          <a:blip r:embed="rId4"/>
+          <a:stretch>
+            <a:fillRect/>
+          </a:stretch>
+        </p:blipFill>
+        <p:spPr>
+          <a:xfrm>
+            <a:off x="1261334" y="2299575"/>
+            <a:ext cx="9669331" cy="2250407"/>
+          </a:xfrm>
+          <a:prstGeom prst="rect">
+            <a:avLst/>
+          </a:prstGeom>
+        </p:spPr>
+      </p:pic>
     </p:spTree>
     <p:extLst>
       <p:ext uri="{BB962C8B-B14F-4D97-AF65-F5344CB8AC3E}">
-        <p14:creationId xmlns:p14="http://schemas.microsoft.com/office/powerpoint/2010/main" val="2744778922"/>
+        <p14:creationId xmlns:p14="http://schemas.microsoft.com/office/powerpoint/2010/main" val="2927539364"/>
       </p:ext>
     </p:extLst>
   </p:cSld>
@@ -4221,9 +4115,192 @@
           <a:p>
             <a:r>
               <a:rPr lang="pt-BR" dirty="0" smtClean="0"/>
-              <a:t>Cronograma</a:t>
+              <a:t>Referências</a:t>
             </a:r>
             <a:endParaRPr lang="pt-BR" dirty="0"/>
+          </a:p>
+        </p:txBody>
+      </p:sp>
+      <p:sp>
+        <p:nvSpPr>
+          <p:cNvPr id="3" name="Espaço Reservado para Conteúdo 2"/>
+          <p:cNvSpPr>
+            <a:spLocks noGrp="1"/>
+          </p:cNvSpPr>
+          <p:nvPr>
+            <p:ph idx="1"/>
+          </p:nvPr>
+        </p:nvSpPr>
+        <p:spPr/>
+        <p:txBody>
+          <a:bodyPr>
+            <a:normAutofit/>
+          </a:bodyPr>
+          <a:lstStyle/>
+          <a:p>
+            <a:pPr>
+              <a:buFont typeface="Arial"/>
+              <a:buChar char="•"/>
+            </a:pPr>
+            <a:r>
+              <a:rPr lang="pt-BR" dirty="0"/>
+              <a:t>E. N. Elnozahy, L. </a:t>
+            </a:r>
+            <a:r>
+              <a:rPr lang="pt-BR" dirty="0" err="1"/>
+              <a:t>Alvisi</a:t>
+            </a:r>
+            <a:r>
+              <a:rPr lang="pt-BR" dirty="0"/>
+              <a:t>, Y.-M. Wang, </a:t>
+            </a:r>
+            <a:r>
+              <a:rPr lang="pt-BR" dirty="0" err="1"/>
+              <a:t>and</a:t>
+            </a:r>
+            <a:r>
+              <a:rPr lang="pt-BR" dirty="0"/>
+              <a:t> D. B. Johnson. A </a:t>
+            </a:r>
+            <a:r>
+              <a:rPr lang="pt-BR" dirty="0" err="1"/>
+              <a:t>survey</a:t>
+            </a:r>
+            <a:r>
+              <a:rPr lang="pt-BR" dirty="0"/>
+              <a:t> of rollback-</a:t>
+            </a:r>
+            <a:r>
+              <a:rPr lang="pt-BR" dirty="0" err="1"/>
+              <a:t>recoveryprotocols</a:t>
+            </a:r>
+            <a:r>
+              <a:rPr lang="pt-BR" dirty="0"/>
+              <a:t> in </a:t>
+            </a:r>
+            <a:r>
+              <a:rPr lang="pt-BR" dirty="0" err="1"/>
+              <a:t>message-passing</a:t>
+            </a:r>
+            <a:r>
+              <a:rPr lang="pt-BR" dirty="0"/>
+              <a:t> </a:t>
+            </a:r>
+            <a:r>
+              <a:rPr lang="pt-BR" dirty="0" err="1"/>
+              <a:t>systems.ACM</a:t>
+            </a:r>
+            <a:r>
+              <a:rPr lang="pt-BR" dirty="0"/>
+              <a:t> </a:t>
+            </a:r>
+            <a:r>
+              <a:rPr lang="pt-BR" dirty="0" err="1"/>
+              <a:t>Computing</a:t>
+            </a:r>
+            <a:r>
+              <a:rPr lang="pt-BR" dirty="0"/>
+              <a:t> </a:t>
+            </a:r>
+            <a:r>
+              <a:rPr lang="pt-BR" dirty="0" err="1"/>
+              <a:t>Surveys</a:t>
+            </a:r>
+            <a:r>
+              <a:rPr lang="pt-BR" dirty="0"/>
+              <a:t> (CSUR), 34(3):375–408,2002</a:t>
+            </a:r>
+            <a:r>
+              <a:rPr lang="pt-BR" dirty="0" smtClean="0"/>
+              <a:t>.</a:t>
+            </a:r>
+          </a:p>
+          <a:p>
+            <a:pPr>
+              <a:buFont typeface="Arial"/>
+              <a:buChar char="•"/>
+            </a:pPr>
+            <a:r>
+              <a:rPr lang="pt-BR" dirty="0"/>
+              <a:t>B. A. d. Mello.  Co-simulação distribuída de sistemas </a:t>
+            </a:r>
+            <a:r>
+              <a:rPr lang="pt-BR" dirty="0" err="1"/>
+              <a:t>heterogêneos.Tese</a:t>
+            </a:r>
+            <a:r>
+              <a:rPr lang="pt-BR" dirty="0"/>
+              <a:t> (Doutorado </a:t>
+            </a:r>
+            <a:r>
+              <a:rPr lang="pt-BR" dirty="0" err="1"/>
+              <a:t>emComputação</a:t>
+            </a:r>
+            <a:r>
+              <a:rPr lang="pt-BR" dirty="0"/>
+              <a:t>), Universidade Federal do Rio Grande do Sul, 2005</a:t>
+            </a:r>
+            <a:r>
+              <a:rPr lang="pt-BR" dirty="0" smtClean="0"/>
+              <a:t>.</a:t>
+            </a:r>
+          </a:p>
+          <a:p>
+            <a:r>
+              <a:rPr lang="en-US" dirty="0"/>
+              <a:t>R.  M.  Fujimoto.   Time  management  in  the  high  level  </a:t>
+            </a:r>
+            <a:r>
+              <a:rPr lang="en-US" dirty="0" err="1"/>
+              <a:t>architecture.Simulation</a:t>
+            </a:r>
+            <a:r>
+              <a:rPr lang="en-US" dirty="0"/>
+              <a:t>,  71(6):388–400, 1998.</a:t>
+            </a:r>
+          </a:p>
+          <a:p>
+            <a:r>
+              <a:rPr lang="en-US" dirty="0"/>
+              <a:t>F. M. M. </a:t>
+            </a:r>
+            <a:r>
+              <a:rPr lang="en-US" dirty="0" err="1"/>
+              <a:t>Carvalho</a:t>
+            </a:r>
+            <a:r>
+              <a:rPr lang="en-US" dirty="0"/>
+              <a:t> and B. A. Mello.  Hybrid synchronization in the </a:t>
+            </a:r>
+            <a:r>
+              <a:rPr lang="en-US" dirty="0" err="1"/>
+              <a:t>dcb</a:t>
+            </a:r>
+            <a:r>
+              <a:rPr lang="en-US" dirty="0"/>
+              <a:t> based on </a:t>
+            </a:r>
+            <a:r>
+              <a:rPr lang="en-US" dirty="0" err="1"/>
+              <a:t>uncoor-dinated</a:t>
+            </a:r>
+            <a:r>
+              <a:rPr lang="en-US" dirty="0"/>
+              <a:t> </a:t>
+            </a:r>
+            <a:r>
+              <a:rPr lang="en-US" dirty="0" err="1"/>
+              <a:t>checkpoints.Leicester</a:t>
+            </a:r>
+            <a:r>
+              <a:rPr lang="en-US" dirty="0"/>
+              <a:t>, 2015</a:t>
+            </a:r>
+            <a:r>
+              <a:rPr lang="en-US" dirty="0" smtClean="0"/>
+              <a:t>.</a:t>
+            </a:r>
+            <a:endParaRPr lang="en-US" dirty="0"/>
           </a:p>
         </p:txBody>
       </p:sp>
@@ -4283,34 +4360,10 @@
           </a:prstGeom>
         </p:spPr>
       </p:pic>
-      <p:pic>
-        <p:nvPicPr>
-          <p:cNvPr id="7" name="Imagem 6"/>
-          <p:cNvPicPr>
-            <a:picLocks noChangeAspect="1"/>
-          </p:cNvPicPr>
-          <p:nvPr/>
-        </p:nvPicPr>
-        <p:blipFill>
-          <a:blip r:embed="rId4"/>
-          <a:stretch>
-            <a:fillRect/>
-          </a:stretch>
-        </p:blipFill>
-        <p:spPr>
-          <a:xfrm>
-            <a:off x="1261334" y="2299575"/>
-            <a:ext cx="9669331" cy="2250407"/>
-          </a:xfrm>
-          <a:prstGeom prst="rect">
-            <a:avLst/>
-          </a:prstGeom>
-        </p:spPr>
-      </p:pic>
     </p:spTree>
     <p:extLst>
       <p:ext uri="{BB962C8B-B14F-4D97-AF65-F5344CB8AC3E}">
-        <p14:creationId xmlns:p14="http://schemas.microsoft.com/office/powerpoint/2010/main" val="2927539364"/>
+        <p14:creationId xmlns:p14="http://schemas.microsoft.com/office/powerpoint/2010/main" val="3630278518"/>
       </p:ext>
     </p:extLst>
   </p:cSld>
@@ -4344,63 +4397,66 @@
             <a:spLocks noGrp="1"/>
           </p:cNvSpPr>
           <p:nvPr>
-            <p:ph type="title"/>
-          </p:nvPr>
-        </p:nvSpPr>
-        <p:spPr>
-          <a:xfrm>
-            <a:off x="838200" y="679511"/>
-            <a:ext cx="10515600" cy="1325563"/>
-          </a:xfrm>
-        </p:spPr>
-        <p:txBody>
-          <a:bodyPr/>
-          <a:lstStyle/>
-          <a:p>
-            <a:r>
-              <a:rPr lang="pt-BR" dirty="0" smtClean="0"/>
-              <a:t>Referências</a:t>
-            </a:r>
-            <a:endParaRPr lang="pt-BR" dirty="0"/>
-          </a:p>
-        </p:txBody>
-      </p:sp>
-      <p:sp>
-        <p:nvSpPr>
-          <p:cNvPr id="3" name="Espaço Reservado para Conteúdo 2"/>
-          <p:cNvSpPr>
-            <a:spLocks noGrp="1"/>
-          </p:cNvSpPr>
-          <p:nvPr>
-            <p:ph idx="1"/>
-          </p:nvPr>
-        </p:nvSpPr>
-        <p:spPr/>
+            <p:ph type="ctrTitle"/>
+          </p:nvPr>
+        </p:nvSpPr>
+        <p:spPr>
+          <a:xfrm>
+            <a:off x="1524000" y="1639641"/>
+            <a:ext cx="9144000" cy="2387600"/>
+          </a:xfrm>
+        </p:spPr>
         <p:txBody>
           <a:bodyPr>
             <a:normAutofit/>
           </a:bodyPr>
           <a:lstStyle/>
           <a:p>
-            <a:pPr>
-              <a:buFont typeface="Arial"/>
-              <a:buChar char="•"/>
-            </a:pPr>
+            <a:r>
+              <a:rPr lang="pt-BR" sz="4400" dirty="0" smtClean="0"/>
+              <a:t>Identificação de estados seguros para reduzir a criação de Checkpoints sem valor. </a:t>
+            </a:r>
+            <a:endParaRPr lang="pt-BR" sz="4400" dirty="0"/>
+          </a:p>
+        </p:txBody>
+      </p:sp>
+      <p:sp>
+        <p:nvSpPr>
+          <p:cNvPr id="3" name="Subtítulo 2"/>
+          <p:cNvSpPr>
+            <a:spLocks noGrp="1"/>
+          </p:cNvSpPr>
+          <p:nvPr>
+            <p:ph type="subTitle" idx="1"/>
+          </p:nvPr>
+        </p:nvSpPr>
+        <p:spPr>
+          <a:xfrm>
+            <a:off x="1524000" y="4166361"/>
+            <a:ext cx="9144000" cy="1655762"/>
+          </a:xfrm>
+        </p:spPr>
+        <p:txBody>
+          <a:bodyPr/>
+          <a:lstStyle/>
+          <a:p>
             <a:r>
               <a:rPr lang="pt-BR" dirty="0" smtClean="0"/>
-              <a:t>...</a:t>
-            </a:r>
-          </a:p>
-          <a:p>
-            <a:pPr>
-              <a:buFont typeface="Arial"/>
-              <a:buChar char="•"/>
-            </a:pPr>
-            <a:endParaRPr lang="pt-BR" dirty="0" smtClean="0">
-              <a:solidFill>
-                <a:srgbClr val="000000"/>
-              </a:solidFill>
-            </a:endParaRPr>
+              <a:t>Guilherme Bizzani</a:t>
+            </a:r>
+          </a:p>
+          <a:p>
+            <a:r>
+              <a:rPr lang="pt-BR" dirty="0" smtClean="0"/>
+              <a:t>bizzani11@Hotmail.com</a:t>
+            </a:r>
+          </a:p>
+          <a:p>
+            <a:r>
+              <a:rPr lang="pt-BR" dirty="0" smtClean="0"/>
+              <a:t>Braulio Adriano de Mello, PhD</a:t>
+            </a:r>
+            <a:endParaRPr lang="pt-BR" dirty="0"/>
           </a:p>
         </p:txBody>
       </p:sp>
@@ -4436,9 +4492,70 @@
           </a:ln>
         </p:spPr>
       </p:pic>
+      <p:sp>
+        <p:nvSpPr>
+          <p:cNvPr id="5" name="Título 1"/>
+          <p:cNvSpPr txBox="1">
+            <a:spLocks/>
+          </p:cNvSpPr>
+          <p:nvPr/>
+        </p:nvSpPr>
+        <p:spPr>
+          <a:xfrm>
+            <a:off x="1524000" y="858959"/>
+            <a:ext cx="9144000" cy="944163"/>
+          </a:xfrm>
+          <a:prstGeom prst="rect">
+            <a:avLst/>
+          </a:prstGeom>
+        </p:spPr>
+        <p:txBody>
+          <a:bodyPr vert="horz" lIns="91440" tIns="45720" rIns="91440" bIns="45720" rtlCol="0" anchor="b">
+            <a:normAutofit/>
+          </a:bodyPr>
+          <a:lstStyle>
+            <a:lvl1pPr algn="ctr" defTabSz="914400" rtl="0" eaLnBrk="1" latinLnBrk="0" hangingPunct="1">
+              <a:lnSpc>
+                <a:spcPct val="90000"/>
+              </a:lnSpc>
+              <a:spcBef>
+                <a:spcPct val="0"/>
+              </a:spcBef>
+              <a:buNone/>
+              <a:defRPr sz="6000" kern="1200">
+                <a:solidFill>
+                  <a:schemeClr val="tx1"/>
+                </a:solidFill>
+                <a:latin typeface="+mj-lt"/>
+                <a:ea typeface="+mj-ea"/>
+                <a:cs typeface="+mj-cs"/>
+              </a:defRPr>
+            </a:lvl1pPr>
+          </a:lstStyle>
+          <a:p>
+            <a:r>
+              <a:rPr lang="pt-BR" sz="4400" b="1" dirty="0" smtClean="0">
+                <a:solidFill>
+                  <a:schemeClr val="accent6">
+                    <a:lumMod val="75000"/>
+                  </a:schemeClr>
+                </a:solidFill>
+              </a:rPr>
+              <a:t>Universidade Federal da Fronteira Sul</a:t>
+            </a:r>
+            <a:endParaRPr lang="pt-BR" sz="4400" b="1" dirty="0">
+              <a:solidFill>
+                <a:schemeClr val="accent6">
+                  <a:lumMod val="75000"/>
+                </a:schemeClr>
+              </a:solidFill>
+            </a:endParaRPr>
+          </a:p>
+        </p:txBody>
+      </p:sp>
       <p:pic>
         <p:nvPicPr>
-          <p:cNvPr id="5" name="Imagem 4"/>
+          <p:cNvPr id="6" name="Imagem 5"/>
           <p:cNvPicPr>
             <a:picLocks noChangeAspect="1"/>
           </p:cNvPicPr>
@@ -4460,16 +4577,72 @@
           </a:prstGeom>
         </p:spPr>
       </p:pic>
+      <p:sp>
+        <p:nvSpPr>
+          <p:cNvPr id="7" name="Título 1"/>
+          <p:cNvSpPr txBox="1">
+            <a:spLocks/>
+          </p:cNvSpPr>
+          <p:nvPr/>
+        </p:nvSpPr>
+        <p:spPr>
+          <a:xfrm>
+            <a:off x="1524000" y="5311340"/>
+            <a:ext cx="9144000" cy="1021566"/>
+          </a:xfrm>
+          <a:prstGeom prst="rect">
+            <a:avLst/>
+          </a:prstGeom>
+        </p:spPr>
+        <p:txBody>
+          <a:bodyPr vert="horz" lIns="91440" tIns="45720" rIns="91440" bIns="45720" rtlCol="0" anchor="b">
+            <a:normAutofit/>
+          </a:bodyPr>
+          <a:lstStyle>
+            <a:lvl1pPr algn="ctr" defTabSz="914400" rtl="0" eaLnBrk="1" latinLnBrk="0" hangingPunct="1">
+              <a:lnSpc>
+                <a:spcPct val="90000"/>
+              </a:lnSpc>
+              <a:spcBef>
+                <a:spcPct val="0"/>
+              </a:spcBef>
+              <a:buNone/>
+              <a:defRPr sz="6000" kern="1200">
+                <a:solidFill>
+                  <a:schemeClr val="tx1"/>
+                </a:solidFill>
+                <a:latin typeface="+mj-lt"/>
+                <a:ea typeface="+mj-ea"/>
+                <a:cs typeface="+mj-cs"/>
+              </a:defRPr>
+            </a:lvl1pPr>
+          </a:lstStyle>
+          <a:p>
+            <a:r>
+              <a:rPr lang="pt-BR" sz="4400" dirty="0" smtClean="0"/>
+              <a:t>Obrigado</a:t>
+            </a:r>
+            <a:endParaRPr lang="pt-BR" sz="4400" dirty="0"/>
+          </a:p>
+        </p:txBody>
+      </p:sp>
     </p:spTree>
     <p:extLst>
       <p:ext uri="{BB962C8B-B14F-4D97-AF65-F5344CB8AC3E}">
-        <p14:creationId xmlns:p14="http://schemas.microsoft.com/office/powerpoint/2010/main" val="3630278518"/>
+        <p14:creationId xmlns:p14="http://schemas.microsoft.com/office/powerpoint/2010/main" val="3926594837"/>
       </p:ext>
     </p:extLst>
   </p:cSld>
   <p:clrMapOvr>
     <a:masterClrMapping/>
   </p:clrMapOvr>
+  <p:timing>
+    <p:tnLst>
+      <p:par>
+        <p:cTn id="1" dur="indefinite" restart="never" nodeType="tmRoot"/>
+      </p:par>
+    </p:tnLst>
+  </p:timing>
 </p:sld>
 </file>
 
@@ -4497,66 +4670,122 @@
             <a:spLocks noGrp="1"/>
           </p:cNvSpPr>
           <p:nvPr>
-            <p:ph type="ctrTitle"/>
-          </p:nvPr>
-        </p:nvSpPr>
-        <p:spPr>
-          <a:xfrm>
-            <a:off x="1524000" y="2012822"/>
-            <a:ext cx="9144000" cy="2387600"/>
-          </a:xfrm>
-        </p:spPr>
+            <p:ph type="title"/>
+          </p:nvPr>
+        </p:nvSpPr>
+        <p:spPr>
+          <a:xfrm>
+            <a:off x="838200" y="679511"/>
+            <a:ext cx="10515600" cy="1325563"/>
+          </a:xfrm>
+        </p:spPr>
+        <p:txBody>
+          <a:bodyPr/>
+          <a:lstStyle/>
+          <a:p>
+            <a:r>
+              <a:rPr lang="pt-BR" dirty="0" smtClean="0"/>
+              <a:t>Contextualização</a:t>
+            </a:r>
+            <a:endParaRPr lang="pt-BR" dirty="0"/>
+          </a:p>
+        </p:txBody>
+      </p:sp>
+      <p:sp>
+        <p:nvSpPr>
+          <p:cNvPr id="3" name="Espaço Reservado para Conteúdo 2"/>
+          <p:cNvSpPr>
+            <a:spLocks noGrp="1"/>
+          </p:cNvSpPr>
+          <p:nvPr>
+            <p:ph idx="1"/>
+          </p:nvPr>
+        </p:nvSpPr>
+        <p:spPr/>
         <p:txBody>
           <a:bodyPr>
             <a:normAutofit/>
           </a:bodyPr>
           <a:lstStyle/>
           <a:p>
-            <a:r>
-              <a:rPr lang="pt-BR" sz="4400" dirty="0" smtClean="0"/>
-              <a:t>Identificação de estados seguros para reduzir a criação de Checkpoints sem valor. </a:t>
-            </a:r>
-            <a:endParaRPr lang="pt-BR" sz="4400" dirty="0"/>
-          </a:p>
-        </p:txBody>
-      </p:sp>
-      <p:sp>
-        <p:nvSpPr>
-          <p:cNvPr id="3" name="Subtítulo 2"/>
-          <p:cNvSpPr>
-            <a:spLocks noGrp="1"/>
-          </p:cNvSpPr>
-          <p:nvPr>
-            <p:ph type="subTitle" idx="1"/>
-          </p:nvPr>
-        </p:nvSpPr>
-        <p:spPr>
-          <a:xfrm>
-            <a:off x="1449186" y="4610122"/>
-            <a:ext cx="9144000" cy="1655762"/>
-          </a:xfrm>
-        </p:spPr>
-        <p:txBody>
-          <a:bodyPr/>
-          <a:lstStyle/>
-          <a:p>
+            <a:pPr>
+              <a:buFont typeface="Arial"/>
+              <a:buChar char="•"/>
+            </a:pPr>
             <a:r>
               <a:rPr lang="pt-BR" dirty="0" smtClean="0"/>
-              <a:t>Guilherme Bizzani</a:t>
-            </a:r>
-          </a:p>
-          <a:p>
+              <a:t>Tema</a:t>
+            </a:r>
+          </a:p>
+          <a:p>
+            <a:pPr lvl="1">
+              <a:buFont typeface="Arial"/>
+              <a:buChar char="•"/>
+            </a:pPr>
             <a:r>
               <a:rPr lang="pt-BR" dirty="0" smtClean="0"/>
-              <a:t>bizzani11@Hotmail.com</a:t>
-            </a:r>
-          </a:p>
-          <a:p>
+              <a:t>Este projeto de trabalho de conclusão de curso </a:t>
+            </a:r>
+            <a:r>
+              <a:rPr lang="pt-BR" dirty="0"/>
+              <a:t>aborda estratégias para a identificação de estados seguros </a:t>
+            </a:r>
             <a:r>
               <a:rPr lang="pt-BR" dirty="0" smtClean="0"/>
-              <a:t>Braulio Adriano de Mello, PhD</a:t>
-            </a:r>
-            <a:endParaRPr lang="pt-BR" dirty="0"/>
+              <a:t>para a </a:t>
+            </a:r>
+            <a:r>
+              <a:rPr lang="pt-BR" dirty="0"/>
+              <a:t>criação de Checkpoints em sistemas </a:t>
+            </a:r>
+            <a:r>
+              <a:rPr lang="pt-BR" dirty="0" smtClean="0"/>
+              <a:t>distribuídos, </a:t>
+            </a:r>
+            <a:r>
+              <a:rPr lang="pt-BR" dirty="0"/>
+              <a:t>com o </a:t>
+            </a:r>
+            <a:r>
+              <a:rPr lang="pt-BR" dirty="0" smtClean="0"/>
+              <a:t>intuito de </a:t>
+            </a:r>
+            <a:r>
+              <a:rPr lang="pt-BR" dirty="0"/>
+              <a:t>evitar a criação de Checkpoints sem valor</a:t>
+            </a:r>
+            <a:r>
+              <a:rPr lang="pt-BR" dirty="0" smtClean="0"/>
+              <a:t>.</a:t>
+            </a:r>
+          </a:p>
+          <a:p>
+            <a:pPr>
+              <a:buFont typeface="Arial"/>
+              <a:buChar char="•"/>
+            </a:pPr>
+            <a:r>
+              <a:rPr lang="pt-BR" dirty="0" smtClean="0">
+                <a:solidFill>
+                  <a:srgbClr val="000000"/>
+                </a:solidFill>
+              </a:rPr>
+              <a:t>Contextualização do Problema</a:t>
+            </a:r>
+          </a:p>
+          <a:p>
+            <a:pPr lvl="1">
+              <a:buFont typeface="Arial"/>
+              <a:buChar char="•"/>
+            </a:pPr>
+            <a:r>
+              <a:rPr lang="pt-BR" dirty="0" smtClean="0">
+                <a:solidFill>
+                  <a:srgbClr val="000000"/>
+                </a:solidFill>
+              </a:rPr>
+              <a:t>Ferramentas de simulação distribuída precisam de estratégias para identificar estados seguros com o objetivo de reduzir os checkpoints inúteis.</a:t>
+            </a:r>
           </a:p>
         </p:txBody>
       </p:sp>
@@ -4592,70 +4821,9 @@
           </a:ln>
         </p:spPr>
       </p:pic>
-      <p:sp>
-        <p:nvSpPr>
-          <p:cNvPr id="5" name="Título 1"/>
-          <p:cNvSpPr txBox="1">
-            <a:spLocks/>
-          </p:cNvSpPr>
-          <p:nvPr/>
-        </p:nvSpPr>
-        <p:spPr>
-          <a:xfrm>
-            <a:off x="1524000" y="858959"/>
-            <a:ext cx="9144000" cy="944163"/>
-          </a:xfrm>
-          <a:prstGeom prst="rect">
-            <a:avLst/>
-          </a:prstGeom>
-        </p:spPr>
-        <p:txBody>
-          <a:bodyPr vert="horz" lIns="91440" tIns="45720" rIns="91440" bIns="45720" rtlCol="0" anchor="b">
-            <a:normAutofit/>
-          </a:bodyPr>
-          <a:lstStyle>
-            <a:lvl1pPr algn="ctr" defTabSz="914400" rtl="0" eaLnBrk="1" latinLnBrk="0" hangingPunct="1">
-              <a:lnSpc>
-                <a:spcPct val="90000"/>
-              </a:lnSpc>
-              <a:spcBef>
-                <a:spcPct val="0"/>
-              </a:spcBef>
-              <a:buNone/>
-              <a:defRPr sz="6000" kern="1200">
-                <a:solidFill>
-                  <a:schemeClr val="tx1"/>
-                </a:solidFill>
-                <a:latin typeface="+mj-lt"/>
-                <a:ea typeface="+mj-ea"/>
-                <a:cs typeface="+mj-cs"/>
-              </a:defRPr>
-            </a:lvl1pPr>
-          </a:lstStyle>
-          <a:p>
-            <a:r>
-              <a:rPr lang="pt-BR" sz="4400" b="1" dirty="0" smtClean="0">
-                <a:solidFill>
-                  <a:schemeClr val="accent6">
-                    <a:lumMod val="75000"/>
-                  </a:schemeClr>
-                </a:solidFill>
-              </a:rPr>
-              <a:t>Universidade Federal da Fronteira Sul</a:t>
-            </a:r>
-            <a:endParaRPr lang="pt-BR" sz="4400" b="1" dirty="0">
-              <a:solidFill>
-                <a:schemeClr val="accent6">
-                  <a:lumMod val="75000"/>
-                </a:schemeClr>
-              </a:solidFill>
-            </a:endParaRPr>
-          </a:p>
-        </p:txBody>
-      </p:sp>
       <p:pic>
         <p:nvPicPr>
-          <p:cNvPr id="6" name="Imagem 5"/>
+          <p:cNvPr id="5" name="Imagem 4"/>
           <p:cNvPicPr>
             <a:picLocks noChangeAspect="1"/>
           </p:cNvPicPr>
@@ -4680,7 +4848,7 @@
     </p:spTree>
     <p:extLst>
       <p:ext uri="{BB962C8B-B14F-4D97-AF65-F5344CB8AC3E}">
-        <p14:creationId xmlns:p14="http://schemas.microsoft.com/office/powerpoint/2010/main" val="649673133"/>
+        <p14:creationId xmlns:p14="http://schemas.microsoft.com/office/powerpoint/2010/main" val="1545708271"/>
       </p:ext>
     </p:extLst>
   </p:cSld>
@@ -4736,7 +4904,7 @@
           <a:p>
             <a:r>
               <a:rPr lang="pt-BR" dirty="0" smtClean="0"/>
-              <a:t>Tema</a:t>
+              <a:t>Objetivos</a:t>
             </a:r>
             <a:endParaRPr lang="pt-BR" dirty="0"/>
           </a:p>
@@ -4764,39 +4932,76 @@
               <a:buChar char="•"/>
             </a:pPr>
             <a:r>
+              <a:rPr lang="pt-BR" dirty="0"/>
+              <a:t>Desenvolver um mecanismo de identificação de estados seguros para a criação de checkpoints no DCB reduzindo a probabilidade de efeito dominó e de desperdício de </a:t>
+            </a:r>
+            <a:r>
               <a:rPr lang="pt-BR" dirty="0" smtClean="0"/>
-              <a:t>Este projeto de trabalho de conclusão de curso </a:t>
+              <a:t>processamento com </a:t>
             </a:r>
             <a:r>
               <a:rPr lang="pt-BR" dirty="0"/>
-              <a:t>aborda estratégias para a identificação de estados seguros </a:t>
+              <a:t>a geração de checkpoints inúteis, garantindo o funcionamento da operação de </a:t>
             </a:r>
             <a:r>
               <a:rPr lang="pt-BR" dirty="0" smtClean="0"/>
-              <a:t>para a </a:t>
-            </a:r>
-            <a:r>
-              <a:rPr lang="pt-BR" dirty="0"/>
-              <a:t>criação de Checkpoints em sistemas de simulação computacional distribuído, com o </a:t>
-            </a:r>
-            <a:r>
-              <a:rPr lang="pt-BR" dirty="0" smtClean="0"/>
-              <a:t>intuito de </a:t>
-            </a:r>
-            <a:r>
-              <a:rPr lang="pt-BR" dirty="0"/>
-              <a:t>evitar a criação de Checkpoints sem valor</a:t>
-            </a:r>
-            <a:r>
-              <a:rPr lang="pt-BR" dirty="0" smtClean="0"/>
-              <a:t>.</a:t>
-            </a:r>
-          </a:p>
-          <a:p>
-            <a:pPr>
+              <a:t>Rollback.</a:t>
+            </a:r>
+            <a:endParaRPr lang="pt-BR" dirty="0" smtClean="0"/>
+          </a:p>
+          <a:p>
+            <a:pPr lvl="1">
               <a:buFont typeface="Arial"/>
               <a:buChar char="•"/>
             </a:pPr>
+            <a:r>
+              <a:rPr lang="pt-BR" dirty="0" smtClean="0"/>
+              <a:t>Analisar </a:t>
+            </a:r>
+            <a:r>
+              <a:rPr lang="pt-BR" dirty="0"/>
+              <a:t>estratégias de identificação de estados seguros para a criação de Checkpoints</a:t>
+            </a:r>
+            <a:r>
+              <a:rPr lang="pt-BR" dirty="0" smtClean="0"/>
+              <a:t>.</a:t>
+            </a:r>
+          </a:p>
+          <a:p>
+            <a:pPr lvl="1">
+              <a:buFont typeface="Arial"/>
+              <a:buChar char="•"/>
+            </a:pPr>
+            <a:r>
+              <a:rPr lang="pt-BR" dirty="0">
+                <a:solidFill>
+                  <a:srgbClr val="000000"/>
+                </a:solidFill>
+              </a:rPr>
+              <a:t>Selecionar e adequar uma das soluções de identificação estados seguros de acordo com as características do DCB</a:t>
+            </a:r>
+            <a:r>
+              <a:rPr lang="pt-BR" dirty="0" smtClean="0">
+                <a:solidFill>
+                  <a:srgbClr val="000000"/>
+                </a:solidFill>
+              </a:rPr>
+              <a:t>.</a:t>
+            </a:r>
+          </a:p>
+          <a:p>
+            <a:pPr lvl="1">
+              <a:buFont typeface="Arial"/>
+              <a:buChar char="•"/>
+            </a:pPr>
+            <a:r>
+              <a:rPr lang="pt-BR" dirty="0">
+                <a:solidFill>
+                  <a:srgbClr val="000000"/>
+                </a:solidFill>
+              </a:rPr>
+              <a:t>Implementar a criação de Checkpoints com base em estados seguros no DCB.</a:t>
+            </a:r>
             <a:endParaRPr lang="pt-BR" dirty="0" smtClean="0">
               <a:solidFill>
                 <a:srgbClr val="000000"/>
@@ -4864,20 +5069,13 @@
     </p:spTree>
     <p:extLst>
       <p:ext uri="{BB962C8B-B14F-4D97-AF65-F5344CB8AC3E}">
-        <p14:creationId xmlns:p14="http://schemas.microsoft.com/office/powerpoint/2010/main" val="1545708271"/>
+        <p14:creationId xmlns:p14="http://schemas.microsoft.com/office/powerpoint/2010/main" val="3131821790"/>
       </p:ext>
     </p:extLst>
   </p:cSld>
   <p:clrMapOvr>
     <a:masterClrMapping/>
   </p:clrMapOvr>
-  <p:timing>
-    <p:tnLst>
-      <p:par>
-        <p:cTn id="1" dur="indefinite" restart="never" nodeType="tmRoot"/>
-      </p:par>
-    </p:tnLst>
-  </p:timing>
 </p:sld>
 </file>
 
@@ -4920,7 +5118,7 @@
           <a:p>
             <a:r>
               <a:rPr lang="pt-BR" dirty="0" smtClean="0"/>
-              <a:t>Objetivos</a:t>
+              <a:t>Justificativa</a:t>
             </a:r>
             <a:endParaRPr lang="pt-BR" dirty="0"/>
           </a:p>
@@ -4948,12 +5146,8 @@
               <a:buChar char="•"/>
             </a:pPr>
             <a:r>
-              <a:rPr lang="pt-BR" dirty="0"/>
-              <a:t>Analisar estratégias de identificação de estados seguros para a criação de Checkpoints</a:t>
-            </a:r>
-            <a:r>
               <a:rPr lang="pt-BR" dirty="0" smtClean="0"/>
-              <a:t>.</a:t>
+              <a:t>Checkpoints inúteis são indesejáveis pois não contribuem com a operação de rollback e desperdiçam processamento e armazenamento ao serem criados.</a:t>
             </a:r>
           </a:p>
           <a:p>
@@ -4962,20 +5156,8 @@
               <a:buChar char="•"/>
             </a:pPr>
             <a:r>
-              <a:rPr lang="pt-BR" dirty="0">
-                <a:solidFill>
-                  <a:srgbClr val="000000"/>
-                </a:solidFill>
-              </a:rPr>
-              <a:t>Selecionar e adequar uma das soluções de identificação estados seguros de acordo com as características do DCB</a:t>
-            </a:r>
-            <a:r>
-              <a:rPr lang="pt-BR" dirty="0" smtClean="0">
-                <a:solidFill>
-                  <a:srgbClr val="000000"/>
-                </a:solidFill>
-              </a:rPr>
-              <a:t>.</a:t>
+              <a:rPr lang="pt-BR" dirty="0" smtClean="0"/>
+              <a:t>Checkpoints coordenados podem garantir que todo o checkpoint será útil, porém o custo de processamento ao serem criados motiva os estudos na área de checkpoints não-coordenados e checkpoints induzidos a comunicação.</a:t>
             </a:r>
           </a:p>
           <a:p>
@@ -4983,14 +5165,6 @@
               <a:buFont typeface="Arial"/>
               <a:buChar char="•"/>
             </a:pPr>
-            <a:r>
-              <a:rPr lang="pt-BR" dirty="0">
-                <a:solidFill>
-                  <a:srgbClr val="000000"/>
-                </a:solidFill>
-              </a:rPr>
-              <a:t>Implementar a criação de Checkpoints com base em estados seguros no DCB.</a:t>
-            </a:r>
             <a:endParaRPr lang="pt-BR" dirty="0" smtClean="0">
               <a:solidFill>
                 <a:srgbClr val="000000"/>
@@ -5058,7 +5232,7 @@
     </p:spTree>
     <p:extLst>
       <p:ext uri="{BB962C8B-B14F-4D97-AF65-F5344CB8AC3E}">
-        <p14:creationId xmlns:p14="http://schemas.microsoft.com/office/powerpoint/2010/main" val="3131821790"/>
+        <p14:creationId xmlns:p14="http://schemas.microsoft.com/office/powerpoint/2010/main" val="1135535571"/>
       </p:ext>
     </p:extLst>
   </p:cSld>
@@ -5107,58 +5281,9 @@
           <a:p>
             <a:r>
               <a:rPr lang="pt-BR" dirty="0" smtClean="0"/>
-              <a:t>Justificativa</a:t>
+              <a:t>Simulação</a:t>
             </a:r>
             <a:endParaRPr lang="pt-BR" dirty="0"/>
-          </a:p>
-        </p:txBody>
-      </p:sp>
-      <p:sp>
-        <p:nvSpPr>
-          <p:cNvPr id="3" name="Espaço Reservado para Conteúdo 2"/>
-          <p:cNvSpPr>
-            <a:spLocks noGrp="1"/>
-          </p:cNvSpPr>
-          <p:nvPr>
-            <p:ph idx="1"/>
-          </p:nvPr>
-        </p:nvSpPr>
-        <p:spPr/>
-        <p:txBody>
-          <a:bodyPr>
-            <a:normAutofit/>
-          </a:bodyPr>
-          <a:lstStyle/>
-          <a:p>
-            <a:pPr>
-              <a:buFont typeface="Arial"/>
-              <a:buChar char="•"/>
-            </a:pPr>
-            <a:r>
-              <a:rPr lang="pt-BR" dirty="0" smtClean="0"/>
-              <a:t>Checkpoints inúteis são indesejáveis pois não contribuem com a operação de rollback e desperdiçam processamento e armazenamento ao serem criados.</a:t>
-            </a:r>
-          </a:p>
-          <a:p>
-            <a:pPr>
-              <a:buFont typeface="Arial"/>
-              <a:buChar char="•"/>
-            </a:pPr>
-            <a:r>
-              <a:rPr lang="pt-BR" dirty="0" smtClean="0"/>
-              <a:t>Checkpoints coordenados podem garantir que todo o checkpoint será útil, porém o custo de processamento ao serem criados motiva os estudos na área de checkpoints não-coordenados e checkpoints induzidos a comunicação.</a:t>
-            </a:r>
-          </a:p>
-          <a:p>
-            <a:pPr>
-              <a:buFont typeface="Arial"/>
-              <a:buChar char="•"/>
-            </a:pPr>
-            <a:endParaRPr lang="pt-BR" dirty="0" smtClean="0">
-              <a:solidFill>
-                <a:srgbClr val="000000"/>
-              </a:solidFill>
-            </a:endParaRPr>
           </a:p>
         </p:txBody>
       </p:sp>
@@ -5218,10 +5343,34 @@
           </a:prstGeom>
         </p:spPr>
       </p:pic>
+      <p:pic>
+        <p:nvPicPr>
+          <p:cNvPr id="6" name="Imagem 5"/>
+          <p:cNvPicPr>
+            <a:picLocks noChangeAspect="1"/>
+          </p:cNvPicPr>
+          <p:nvPr/>
+        </p:nvPicPr>
+        <p:blipFill>
+          <a:blip r:embed="rId4"/>
+          <a:stretch>
+            <a:fillRect/>
+          </a:stretch>
+        </p:blipFill>
+        <p:spPr>
+          <a:xfrm>
+            <a:off x="2988583" y="2005074"/>
+            <a:ext cx="6214834" cy="3776886"/>
+          </a:xfrm>
+          <a:prstGeom prst="rect">
+            <a:avLst/>
+          </a:prstGeom>
+        </p:spPr>
+      </p:pic>
     </p:spTree>
     <p:extLst>
       <p:ext uri="{BB962C8B-B14F-4D97-AF65-F5344CB8AC3E}">
-        <p14:creationId xmlns:p14="http://schemas.microsoft.com/office/powerpoint/2010/main" val="1135535571"/>
+        <p14:creationId xmlns:p14="http://schemas.microsoft.com/office/powerpoint/2010/main" val="3080034442"/>
       </p:ext>
     </p:extLst>
   </p:cSld>
@@ -5270,9 +5419,49 @@
           <a:p>
             <a:r>
               <a:rPr lang="pt-BR" dirty="0" smtClean="0"/>
-              <a:t>Simulação</a:t>
+              <a:t>Simulação Síncrona e Assíncrona</a:t>
             </a:r>
             <a:endParaRPr lang="pt-BR" dirty="0"/>
+          </a:p>
+        </p:txBody>
+      </p:sp>
+      <p:sp>
+        <p:nvSpPr>
+          <p:cNvPr id="3" name="Espaço Reservado para Conteúdo 2"/>
+          <p:cNvSpPr>
+            <a:spLocks noGrp="1"/>
+          </p:cNvSpPr>
+          <p:nvPr>
+            <p:ph idx="1"/>
+          </p:nvPr>
+        </p:nvSpPr>
+        <p:spPr/>
+        <p:txBody>
+          <a:bodyPr>
+            <a:normAutofit/>
+          </a:bodyPr>
+          <a:lstStyle/>
+          <a:p>
+            <a:pPr>
+              <a:buFont typeface="Arial"/>
+              <a:buChar char="•"/>
+            </a:pPr>
+            <a:endParaRPr lang="pt-BR" dirty="0" smtClean="0">
+              <a:solidFill>
+                <a:srgbClr val="000000"/>
+              </a:solidFill>
+            </a:endParaRPr>
+          </a:p>
+          <a:p>
+            <a:pPr>
+              <a:buFont typeface="Arial"/>
+              <a:buChar char="•"/>
+            </a:pPr>
+            <a:endParaRPr lang="pt-BR" dirty="0" smtClean="0">
+              <a:solidFill>
+                <a:srgbClr val="000000"/>
+              </a:solidFill>
+            </a:endParaRPr>
           </a:p>
         </p:txBody>
       </p:sp>
@@ -5348,8 +5537,8 @@
         </p:blipFill>
         <p:spPr>
           <a:xfrm>
-            <a:off x="2988583" y="2005074"/>
-            <a:ext cx="6214834" cy="3776886"/>
+            <a:off x="3171825" y="2547937"/>
+            <a:ext cx="5848350" cy="1762125"/>
           </a:xfrm>
           <a:prstGeom prst="rect">
             <a:avLst/>
@@ -5359,7 +5548,7 @@
     </p:spTree>
     <p:extLst>
       <p:ext uri="{BB962C8B-B14F-4D97-AF65-F5344CB8AC3E}">
-        <p14:creationId xmlns:p14="http://schemas.microsoft.com/office/powerpoint/2010/main" val="3080034442"/>
+        <p14:creationId xmlns:p14="http://schemas.microsoft.com/office/powerpoint/2010/main" val="184035904"/>
       </p:ext>
     </p:extLst>
   </p:cSld>
@@ -5408,7 +5597,7 @@
           <a:p>
             <a:r>
               <a:rPr lang="pt-BR" dirty="0" smtClean="0"/>
-              <a:t>Simulação Síncrona e Assíncrona</a:t>
+              <a:t>Estados Consistentes Globais</a:t>
             </a:r>
             <a:endParaRPr lang="pt-BR" dirty="0"/>
           </a:p>
@@ -5512,7 +5701,7 @@
       </p:pic>
       <p:pic>
         <p:nvPicPr>
-          <p:cNvPr id="6" name="Imagem 5"/>
+          <p:cNvPr id="7" name="Imagem 6"/>
           <p:cNvPicPr>
             <a:picLocks noChangeAspect="1"/>
           </p:cNvPicPr>
@@ -5526,8 +5715,8 @@
         </p:blipFill>
         <p:spPr>
           <a:xfrm>
-            <a:off x="3171825" y="2547937"/>
-            <a:ext cx="5848350" cy="1762125"/>
+            <a:off x="2781333" y="2457430"/>
+            <a:ext cx="6629333" cy="2753397"/>
           </a:xfrm>
           <a:prstGeom prst="rect">
             <a:avLst/>
@@ -5537,7 +5726,7 @@
     </p:spTree>
     <p:extLst>
       <p:ext uri="{BB962C8B-B14F-4D97-AF65-F5344CB8AC3E}">
-        <p14:creationId xmlns:p14="http://schemas.microsoft.com/office/powerpoint/2010/main" val="184035904"/>
+        <p14:creationId xmlns:p14="http://schemas.microsoft.com/office/powerpoint/2010/main" val="2027152823"/>
       </p:ext>
     </p:extLst>
   </p:cSld>
@@ -5586,7 +5775,7 @@
           <a:p>
             <a:r>
               <a:rPr lang="pt-BR" dirty="0" smtClean="0"/>
-              <a:t>Estados Consistentes Globais</a:t>
+              <a:t>Rollback baseado em Checkpoints</a:t>
             </a:r>
             <a:endParaRPr lang="pt-BR" dirty="0"/>
           </a:p>
@@ -5613,11 +5802,10 @@
               <a:buFont typeface="Arial"/>
               <a:buChar char="•"/>
             </a:pPr>
-            <a:endParaRPr lang="pt-BR" dirty="0" smtClean="0">
-              <a:solidFill>
-                <a:srgbClr val="000000"/>
-              </a:solidFill>
-            </a:endParaRPr>
+            <a:r>
+              <a:rPr lang="pt-BR" dirty="0" smtClean="0"/>
+              <a:t>Checkpoints Coordenados</a:t>
+            </a:r>
           </a:p>
           <a:p>
             <a:pPr>
@@ -5690,7 +5878,7 @@
       </p:pic>
       <p:pic>
         <p:nvPicPr>
-          <p:cNvPr id="7" name="Imagem 6"/>
+          <p:cNvPr id="6" name="Imagem 5"/>
           <p:cNvPicPr>
             <a:picLocks noChangeAspect="1"/>
           </p:cNvPicPr>
@@ -5704,8 +5892,8 @@
         </p:blipFill>
         <p:spPr>
           <a:xfrm>
-            <a:off x="2781333" y="2457430"/>
-            <a:ext cx="6629333" cy="2753397"/>
+            <a:off x="1596741" y="3011904"/>
+            <a:ext cx="8998518" cy="2158229"/>
           </a:xfrm>
           <a:prstGeom prst="rect">
             <a:avLst/>
@@ -5715,7 +5903,7 @@
     </p:spTree>
     <p:extLst>
       <p:ext uri="{BB962C8B-B14F-4D97-AF65-F5344CB8AC3E}">
-        <p14:creationId xmlns:p14="http://schemas.microsoft.com/office/powerpoint/2010/main" val="2027152823"/>
+        <p14:creationId xmlns:p14="http://schemas.microsoft.com/office/powerpoint/2010/main" val="1424387600"/>
       </p:ext>
     </p:extLst>
   </p:cSld>
@@ -5793,7 +5981,7 @@
             </a:pPr>
             <a:r>
               <a:rPr lang="pt-BR" dirty="0" smtClean="0"/>
-              <a:t>Checkpoints Coordenados</a:t>
+              <a:t>Checkpoints Não-Coordenados</a:t>
             </a:r>
           </a:p>
           <a:p>
@@ -5881,8 +6069,8 @@
         </p:blipFill>
         <p:spPr>
           <a:xfrm>
-            <a:off x="1596741" y="3011904"/>
-            <a:ext cx="8998518" cy="2158229"/>
+            <a:off x="2685705" y="2813594"/>
+            <a:ext cx="6820590" cy="2375399"/>
           </a:xfrm>
           <a:prstGeom prst="rect">
             <a:avLst/>
@@ -5892,7 +6080,7 @@
     </p:spTree>
     <p:extLst>
       <p:ext uri="{BB962C8B-B14F-4D97-AF65-F5344CB8AC3E}">
-        <p14:creationId xmlns:p14="http://schemas.microsoft.com/office/powerpoint/2010/main" val="1424387600"/>
+        <p14:creationId xmlns:p14="http://schemas.microsoft.com/office/powerpoint/2010/main" val="2388306146"/>
       </p:ext>
     </p:extLst>
   </p:cSld>

--- a/Defesa Projeto.pptx
+++ b/Defesa Projeto.pptx
@@ -258,7 +258,7 @@
           <a:p>
             <a:fld id="{B2B7FAC6-64D6-4929-943E-FFF696E6DBDD}" type="datetimeFigureOut">
               <a:rPr lang="pt-BR" smtClean="0"/>
-              <a:t>05/12/2015</a:t>
+              <a:t>09/12/2015</a:t>
             </a:fld>
             <a:endParaRPr lang="pt-BR"/>
           </a:p>
@@ -428,7 +428,7 @@
           <a:p>
             <a:fld id="{B2B7FAC6-64D6-4929-943E-FFF696E6DBDD}" type="datetimeFigureOut">
               <a:rPr lang="pt-BR" smtClean="0"/>
-              <a:t>05/12/2015</a:t>
+              <a:t>09/12/2015</a:t>
             </a:fld>
             <a:endParaRPr lang="pt-BR"/>
           </a:p>
@@ -608,7 +608,7 @@
           <a:p>
             <a:fld id="{B2B7FAC6-64D6-4929-943E-FFF696E6DBDD}" type="datetimeFigureOut">
               <a:rPr lang="pt-BR" smtClean="0"/>
-              <a:t>05/12/2015</a:t>
+              <a:t>09/12/2015</a:t>
             </a:fld>
             <a:endParaRPr lang="pt-BR"/>
           </a:p>
@@ -778,7 +778,7 @@
           <a:p>
             <a:fld id="{B2B7FAC6-64D6-4929-943E-FFF696E6DBDD}" type="datetimeFigureOut">
               <a:rPr lang="pt-BR" smtClean="0"/>
-              <a:t>05/12/2015</a:t>
+              <a:t>09/12/2015</a:t>
             </a:fld>
             <a:endParaRPr lang="pt-BR"/>
           </a:p>
@@ -1024,7 +1024,7 @@
           <a:p>
             <a:fld id="{B2B7FAC6-64D6-4929-943E-FFF696E6DBDD}" type="datetimeFigureOut">
               <a:rPr lang="pt-BR" smtClean="0"/>
-              <a:t>05/12/2015</a:t>
+              <a:t>09/12/2015</a:t>
             </a:fld>
             <a:endParaRPr lang="pt-BR"/>
           </a:p>
@@ -1256,7 +1256,7 @@
           <a:p>
             <a:fld id="{B2B7FAC6-64D6-4929-943E-FFF696E6DBDD}" type="datetimeFigureOut">
               <a:rPr lang="pt-BR" smtClean="0"/>
-              <a:t>05/12/2015</a:t>
+              <a:t>09/12/2015</a:t>
             </a:fld>
             <a:endParaRPr lang="pt-BR"/>
           </a:p>
@@ -1623,7 +1623,7 @@
           <a:p>
             <a:fld id="{B2B7FAC6-64D6-4929-943E-FFF696E6DBDD}" type="datetimeFigureOut">
               <a:rPr lang="pt-BR" smtClean="0"/>
-              <a:t>05/12/2015</a:t>
+              <a:t>09/12/2015</a:t>
             </a:fld>
             <a:endParaRPr lang="pt-BR"/>
           </a:p>
@@ -1741,7 +1741,7 @@
           <a:p>
             <a:fld id="{B2B7FAC6-64D6-4929-943E-FFF696E6DBDD}" type="datetimeFigureOut">
               <a:rPr lang="pt-BR" smtClean="0"/>
-              <a:t>05/12/2015</a:t>
+              <a:t>09/12/2015</a:t>
             </a:fld>
             <a:endParaRPr lang="pt-BR"/>
           </a:p>
@@ -1836,7 +1836,7 @@
           <a:p>
             <a:fld id="{B2B7FAC6-64D6-4929-943E-FFF696E6DBDD}" type="datetimeFigureOut">
               <a:rPr lang="pt-BR" smtClean="0"/>
-              <a:t>05/12/2015</a:t>
+              <a:t>09/12/2015</a:t>
             </a:fld>
             <a:endParaRPr lang="pt-BR"/>
           </a:p>
@@ -2113,7 +2113,7 @@
           <a:p>
             <a:fld id="{B2B7FAC6-64D6-4929-943E-FFF696E6DBDD}" type="datetimeFigureOut">
               <a:rPr lang="pt-BR" smtClean="0"/>
-              <a:t>05/12/2015</a:t>
+              <a:t>09/12/2015</a:t>
             </a:fld>
             <a:endParaRPr lang="pt-BR"/>
           </a:p>
@@ -2366,7 +2366,7 @@
           <a:p>
             <a:fld id="{B2B7FAC6-64D6-4929-943E-FFF696E6DBDD}" type="datetimeFigureOut">
               <a:rPr lang="pt-BR" smtClean="0"/>
-              <a:t>05/12/2015</a:t>
+              <a:t>09/12/2015</a:t>
             </a:fld>
             <a:endParaRPr lang="pt-BR"/>
           </a:p>
@@ -2579,7 +2579,7 @@
           <a:p>
             <a:fld id="{B2B7FAC6-64D6-4929-943E-FFF696E6DBDD}" type="datetimeFigureOut">
               <a:rPr lang="pt-BR" smtClean="0"/>
-              <a:t>05/12/2015</a:t>
+              <a:t>09/12/2015</a:t>
             </a:fld>
             <a:endParaRPr lang="pt-BR"/>
           </a:p>
@@ -4432,7 +4432,7 @@
         </p:nvSpPr>
         <p:spPr>
           <a:xfrm>
-            <a:off x="1524000" y="4166361"/>
+            <a:off x="1524000" y="4249488"/>
             <a:ext cx="9144000" cy="1655762"/>
           </a:xfrm>
         </p:spPr>
@@ -4450,13 +4450,7 @@
               <a:rPr lang="pt-BR" dirty="0" smtClean="0"/>
               <a:t>bizzani11@Hotmail.com</a:t>
             </a:r>
-          </a:p>
-          <a:p>
-            <a:r>
-              <a:rPr lang="pt-BR" dirty="0" smtClean="0"/>
-              <a:t>Braulio Adriano de Mello, PhD</a:t>
-            </a:r>
-            <a:endParaRPr lang="pt-BR" dirty="0"/>
+            <a:endParaRPr lang="pt-BR" dirty="0" smtClean="0"/>
           </a:p>
         </p:txBody>
       </p:sp>
@@ -4587,7 +4581,7 @@
         </p:nvSpPr>
         <p:spPr>
           <a:xfrm>
-            <a:off x="1524000" y="5311340"/>
+            <a:off x="1524000" y="5203274"/>
             <a:ext cx="9144000" cy="1021566"/>
           </a:xfrm>
           <a:prstGeom prst="rect">
@@ -4947,7 +4941,6 @@
               <a:rPr lang="pt-BR" dirty="0" smtClean="0"/>
               <a:t>Rollback.</a:t>
             </a:r>
-            <a:endParaRPr lang="pt-BR" dirty="0" smtClean="0"/>
           </a:p>
           <a:p>
             <a:pPr lvl="1">

--- a/Defesa Projeto.pptx
+++ b/Defesa Projeto.pptx
@@ -4450,7 +4450,6 @@
               <a:rPr lang="pt-BR" dirty="0" smtClean="0"/>
               <a:t>bizzani11@Hotmail.com</a:t>
             </a:r>
-            <a:endParaRPr lang="pt-BR" dirty="0" smtClean="0"/>
           </a:p>
         </p:txBody>
       </p:sp>
@@ -6048,7 +6047,7 @@
       </p:pic>
       <p:pic>
         <p:nvPicPr>
-          <p:cNvPr id="6" name="Imagem 5"/>
+          <p:cNvPr id="7" name="Imagem 6"/>
           <p:cNvPicPr>
             <a:picLocks noChangeAspect="1"/>
           </p:cNvPicPr>
@@ -6062,8 +6061,8 @@
         </p:blipFill>
         <p:spPr>
           <a:xfrm>
-            <a:off x="2685705" y="2813594"/>
-            <a:ext cx="6820590" cy="2375399"/>
+            <a:off x="2549220" y="2778213"/>
+            <a:ext cx="7093560" cy="2625610"/>
           </a:xfrm>
           <a:prstGeom prst="rect">
             <a:avLst/>
